--- a/06-ppt/discussion/0514.pptx
+++ b/06-ppt/discussion/0514.pptx
@@ -1,16 +1,16 @@
 
 <file path=ppt/presentation.xml><?xml version="1.0" encoding="utf-8"?>
-<p:presentation xmlns:a="http://schemas.openxmlformats.org/drawingml/2006/main" xmlns:r="http://schemas.openxmlformats.org/officeDocument/2006/relationships" xmlns:p="http://schemas.openxmlformats.org/presentationml/2006/main" saveSubsetFonts="1">
+<p:presentation xmlns:a="http://schemas.openxmlformats.org/drawingml/2006/main" xmlns:r="http://schemas.openxmlformats.org/officeDocument/2006/relationships" xmlns:p="http://schemas.openxmlformats.org/presentationml/2006/main">
   <p:sldMasterIdLst>
     <p:sldMasterId id="2147483648" r:id="rId1"/>
   </p:sldMasterIdLst>
   <p:sldIdLst>
-    <p:sldId id="257" r:id="rId2"/>
-    <p:sldId id="260" r:id="rId3"/>
-    <p:sldId id="258" r:id="rId4"/>
-    <p:sldId id="259" r:id="rId5"/>
-    <p:sldId id="261" r:id="rId6"/>
-    <p:sldId id="262" r:id="rId7"/>
+    <p:sldId id="257" r:id="rId3"/>
+    <p:sldId id="260" r:id="rId4"/>
+    <p:sldId id="258" r:id="rId5"/>
+    <p:sldId id="259" r:id="rId6"/>
+    <p:sldId id="261" r:id="rId7"/>
+    <p:sldId id="262" r:id="rId8"/>
   </p:sldIdLst>
   <p:sldSz cx="12192000" cy="6858000"/>
   <p:notesSz cx="6858000" cy="9144000"/>
@@ -147,13 +147,7 @@
       </p:grpSpPr>
       <p:sp>
         <p:nvSpPr>
-          <p:cNvPr id="2" name="标题 1">
-            <a:extLst>
-              <a:ext uri="{FF2B5EF4-FFF2-40B4-BE49-F238E27FC236}">
-                <a16:creationId xmlns:a16="http://schemas.microsoft.com/office/drawing/2014/main" id="{D28D08F2-18F9-41EA-D82E-A457C6CB4E46}"/>
-              </a:ext>
-            </a:extLst>
-          </p:cNvPr>
+          <p:cNvPr id="2" name="标题 1"/>
           <p:cNvSpPr>
             <a:spLocks noGrp="1"/>
           </p:cNvSpPr>
@@ -179,18 +173,13 @@
               <a:rPr lang="zh-CN" altLang="en-US"/>
               <a:t>单击此处编辑母版标题样式</a:t>
             </a:r>
-          </a:p>
-        </p:txBody>
-      </p:sp>
-      <p:sp>
-        <p:nvSpPr>
-          <p:cNvPr id="3" name="副标题 2">
-            <a:extLst>
-              <a:ext uri="{FF2B5EF4-FFF2-40B4-BE49-F238E27FC236}">
-                <a16:creationId xmlns:a16="http://schemas.microsoft.com/office/drawing/2014/main" id="{588E3DC1-868F-6328-D391-83922D025AED}"/>
-              </a:ext>
-            </a:extLst>
-          </p:cNvPr>
+            <a:endParaRPr lang="zh-CN" altLang="en-US"/>
+          </a:p>
+        </p:txBody>
+      </p:sp>
+      <p:sp>
+        <p:nvSpPr>
+          <p:cNvPr id="3" name="副标题 2"/>
           <p:cNvSpPr>
             <a:spLocks noGrp="1"/>
           </p:cNvSpPr>
@@ -249,18 +238,13 @@
               <a:rPr lang="zh-CN" altLang="en-US"/>
               <a:t>单击此处编辑母版副标题样式</a:t>
             </a:r>
-          </a:p>
-        </p:txBody>
-      </p:sp>
-      <p:sp>
-        <p:nvSpPr>
-          <p:cNvPr id="4" name="日期占位符 3">
-            <a:extLst>
-              <a:ext uri="{FF2B5EF4-FFF2-40B4-BE49-F238E27FC236}">
-                <a16:creationId xmlns:a16="http://schemas.microsoft.com/office/drawing/2014/main" id="{B9F290D3-4F0A-4BA1-4D81-157967AA2244}"/>
-              </a:ext>
-            </a:extLst>
-          </p:cNvPr>
+            <a:endParaRPr lang="zh-CN" altLang="en-US"/>
+          </a:p>
+        </p:txBody>
+      </p:sp>
+      <p:sp>
+        <p:nvSpPr>
+          <p:cNvPr id="4" name="日期占位符 3"/>
           <p:cNvSpPr>
             <a:spLocks noGrp="1"/>
           </p:cNvSpPr>
@@ -275,7 +259,6 @@
           <a:p>
             <a:fld id="{5F436CC1-8A58-4025-8674-AC4643FC1143}" type="datetimeFigureOut">
               <a:rPr lang="zh-CN" altLang="en-US" smtClean="0"/>
-              <a:t>2024/5/13</a:t>
             </a:fld>
             <a:endParaRPr lang="zh-CN" altLang="en-US"/>
           </a:p>
@@ -283,13 +266,7 @@
       </p:sp>
       <p:sp>
         <p:nvSpPr>
-          <p:cNvPr id="5" name="页脚占位符 4">
-            <a:extLst>
-              <a:ext uri="{FF2B5EF4-FFF2-40B4-BE49-F238E27FC236}">
-                <a16:creationId xmlns:a16="http://schemas.microsoft.com/office/drawing/2014/main" id="{FA83A714-442E-2A26-4EC7-4CC1D88670EA}"/>
-              </a:ext>
-            </a:extLst>
-          </p:cNvPr>
+          <p:cNvPr id="5" name="页脚占位符 4"/>
           <p:cNvSpPr>
             <a:spLocks noGrp="1"/>
           </p:cNvSpPr>
@@ -308,13 +285,7 @@
       </p:sp>
       <p:sp>
         <p:nvSpPr>
-          <p:cNvPr id="6" name="灯片编号占位符 5">
-            <a:extLst>
-              <a:ext uri="{FF2B5EF4-FFF2-40B4-BE49-F238E27FC236}">
-                <a16:creationId xmlns:a16="http://schemas.microsoft.com/office/drawing/2014/main" id="{11D9443E-DF67-DCA6-428B-5AE5DB78CF33}"/>
-              </a:ext>
-            </a:extLst>
-          </p:cNvPr>
+          <p:cNvPr id="6" name="灯片编号占位符 5"/>
           <p:cNvSpPr>
             <a:spLocks noGrp="1"/>
           </p:cNvSpPr>
@@ -329,18 +300,12 @@
           <a:p>
             <a:fld id="{DC94044A-7ABA-45EB-8F13-95CB6439284F}" type="slidenum">
               <a:rPr lang="zh-CN" altLang="en-US" smtClean="0"/>
-              <a:t>‹#›</a:t>
             </a:fld>
             <a:endParaRPr lang="zh-CN" altLang="en-US"/>
           </a:p>
         </p:txBody>
       </p:sp>
     </p:spTree>
-    <p:extLst>
-      <p:ext uri="{BB962C8B-B14F-4D97-AF65-F5344CB8AC3E}">
-        <p14:creationId xmlns:p14="http://schemas.microsoft.com/office/powerpoint/2010/main" val="2510296226"/>
-      </p:ext>
-    </p:extLst>
   </p:cSld>
   <p:clrMapOvr>
     <a:masterClrMapping/>
@@ -367,13 +332,7 @@
       </p:grpSpPr>
       <p:sp>
         <p:nvSpPr>
-          <p:cNvPr id="2" name="标题 1">
-            <a:extLst>
-              <a:ext uri="{FF2B5EF4-FFF2-40B4-BE49-F238E27FC236}">
-                <a16:creationId xmlns:a16="http://schemas.microsoft.com/office/drawing/2014/main" id="{7BD3BF20-24C8-8060-5496-8ADA62748D5B}"/>
-              </a:ext>
-            </a:extLst>
-          </p:cNvPr>
+          <p:cNvPr id="2" name="标题 1"/>
           <p:cNvSpPr>
             <a:spLocks noGrp="1"/>
           </p:cNvSpPr>
@@ -390,18 +349,13 @@
               <a:rPr lang="zh-CN" altLang="en-US"/>
               <a:t>单击此处编辑母版标题样式</a:t>
             </a:r>
-          </a:p>
-        </p:txBody>
-      </p:sp>
-      <p:sp>
-        <p:nvSpPr>
-          <p:cNvPr id="3" name="竖排文字占位符 2">
-            <a:extLst>
-              <a:ext uri="{FF2B5EF4-FFF2-40B4-BE49-F238E27FC236}">
-                <a16:creationId xmlns:a16="http://schemas.microsoft.com/office/drawing/2014/main" id="{0BC770C6-7CC7-C4FA-5FD7-81E1054648B9}"/>
-              </a:ext>
-            </a:extLst>
-          </p:cNvPr>
+            <a:endParaRPr lang="zh-CN" altLang="en-US"/>
+          </a:p>
+        </p:txBody>
+      </p:sp>
+      <p:sp>
+        <p:nvSpPr>
+          <p:cNvPr id="3" name="竖排文字占位符 2"/>
           <p:cNvSpPr>
             <a:spLocks noGrp="1"/>
           </p:cNvSpPr>
@@ -419,6 +373,7 @@
               <a:rPr lang="zh-CN" altLang="en-US"/>
               <a:t>单击此处编辑母版文本样式</a:t>
             </a:r>
+            <a:endParaRPr lang="zh-CN" altLang="en-US"/>
           </a:p>
           <a:p>
             <a:pPr lvl="1"/>
@@ -426,6 +381,7 @@
               <a:rPr lang="zh-CN" altLang="en-US"/>
               <a:t>二级</a:t>
             </a:r>
+            <a:endParaRPr lang="zh-CN" altLang="en-US"/>
           </a:p>
           <a:p>
             <a:pPr lvl="2"/>
@@ -433,6 +389,7 @@
               <a:rPr lang="zh-CN" altLang="en-US"/>
               <a:t>三级</a:t>
             </a:r>
+            <a:endParaRPr lang="zh-CN" altLang="en-US"/>
           </a:p>
           <a:p>
             <a:pPr lvl="3"/>
@@ -440,6 +397,7 @@
               <a:rPr lang="zh-CN" altLang="en-US"/>
               <a:t>四级</a:t>
             </a:r>
+            <a:endParaRPr lang="zh-CN" altLang="en-US"/>
           </a:p>
           <a:p>
             <a:pPr lvl="4"/>
@@ -447,18 +405,13 @@
               <a:rPr lang="zh-CN" altLang="en-US"/>
               <a:t>五级</a:t>
             </a:r>
-          </a:p>
-        </p:txBody>
-      </p:sp>
-      <p:sp>
-        <p:nvSpPr>
-          <p:cNvPr id="4" name="日期占位符 3">
-            <a:extLst>
-              <a:ext uri="{FF2B5EF4-FFF2-40B4-BE49-F238E27FC236}">
-                <a16:creationId xmlns:a16="http://schemas.microsoft.com/office/drawing/2014/main" id="{CD6A1CB5-96C0-7161-CCED-C4418AE70195}"/>
-              </a:ext>
-            </a:extLst>
-          </p:cNvPr>
+            <a:endParaRPr lang="zh-CN" altLang="en-US"/>
+          </a:p>
+        </p:txBody>
+      </p:sp>
+      <p:sp>
+        <p:nvSpPr>
+          <p:cNvPr id="4" name="日期占位符 3"/>
           <p:cNvSpPr>
             <a:spLocks noGrp="1"/>
           </p:cNvSpPr>
@@ -473,7 +426,6 @@
           <a:p>
             <a:fld id="{5F436CC1-8A58-4025-8674-AC4643FC1143}" type="datetimeFigureOut">
               <a:rPr lang="zh-CN" altLang="en-US" smtClean="0"/>
-              <a:t>2024/5/13</a:t>
             </a:fld>
             <a:endParaRPr lang="zh-CN" altLang="en-US"/>
           </a:p>
@@ -481,13 +433,7 @@
       </p:sp>
       <p:sp>
         <p:nvSpPr>
-          <p:cNvPr id="5" name="页脚占位符 4">
-            <a:extLst>
-              <a:ext uri="{FF2B5EF4-FFF2-40B4-BE49-F238E27FC236}">
-                <a16:creationId xmlns:a16="http://schemas.microsoft.com/office/drawing/2014/main" id="{9450C94F-09C9-7A32-31A4-1E9DFF3E3629}"/>
-              </a:ext>
-            </a:extLst>
-          </p:cNvPr>
+          <p:cNvPr id="5" name="页脚占位符 4"/>
           <p:cNvSpPr>
             <a:spLocks noGrp="1"/>
           </p:cNvSpPr>
@@ -506,13 +452,7 @@
       </p:sp>
       <p:sp>
         <p:nvSpPr>
-          <p:cNvPr id="6" name="灯片编号占位符 5">
-            <a:extLst>
-              <a:ext uri="{FF2B5EF4-FFF2-40B4-BE49-F238E27FC236}">
-                <a16:creationId xmlns:a16="http://schemas.microsoft.com/office/drawing/2014/main" id="{D463D4F1-5CED-52F8-02EA-74096EDF77D9}"/>
-              </a:ext>
-            </a:extLst>
-          </p:cNvPr>
+          <p:cNvPr id="6" name="灯片编号占位符 5"/>
           <p:cNvSpPr>
             <a:spLocks noGrp="1"/>
           </p:cNvSpPr>
@@ -527,18 +467,12 @@
           <a:p>
             <a:fld id="{DC94044A-7ABA-45EB-8F13-95CB6439284F}" type="slidenum">
               <a:rPr lang="zh-CN" altLang="en-US" smtClean="0"/>
-              <a:t>‹#›</a:t>
             </a:fld>
             <a:endParaRPr lang="zh-CN" altLang="en-US"/>
           </a:p>
         </p:txBody>
       </p:sp>
     </p:spTree>
-    <p:extLst>
-      <p:ext uri="{BB962C8B-B14F-4D97-AF65-F5344CB8AC3E}">
-        <p14:creationId xmlns:p14="http://schemas.microsoft.com/office/powerpoint/2010/main" val="4187683693"/>
-      </p:ext>
-    </p:extLst>
   </p:cSld>
   <p:clrMapOvr>
     <a:masterClrMapping/>
@@ -565,13 +499,7 @@
       </p:grpSpPr>
       <p:sp>
         <p:nvSpPr>
-          <p:cNvPr id="2" name="竖排标题 1">
-            <a:extLst>
-              <a:ext uri="{FF2B5EF4-FFF2-40B4-BE49-F238E27FC236}">
-                <a16:creationId xmlns:a16="http://schemas.microsoft.com/office/drawing/2014/main" id="{605C1EDE-E8FF-5E45-33FA-6DEE3DEBB4C3}"/>
-              </a:ext>
-            </a:extLst>
-          </p:cNvPr>
+          <p:cNvPr id="2" name="竖排标题 1"/>
           <p:cNvSpPr>
             <a:spLocks noGrp="1"/>
           </p:cNvSpPr>
@@ -593,18 +521,13 @@
               <a:rPr lang="zh-CN" altLang="en-US"/>
               <a:t>单击此处编辑母版标题样式</a:t>
             </a:r>
-          </a:p>
-        </p:txBody>
-      </p:sp>
-      <p:sp>
-        <p:nvSpPr>
-          <p:cNvPr id="3" name="竖排文字占位符 2">
-            <a:extLst>
-              <a:ext uri="{FF2B5EF4-FFF2-40B4-BE49-F238E27FC236}">
-                <a16:creationId xmlns:a16="http://schemas.microsoft.com/office/drawing/2014/main" id="{CD7F7410-6B89-EF17-37A0-DFB932BD22E4}"/>
-              </a:ext>
-            </a:extLst>
-          </p:cNvPr>
+            <a:endParaRPr lang="zh-CN" altLang="en-US"/>
+          </a:p>
+        </p:txBody>
+      </p:sp>
+      <p:sp>
+        <p:nvSpPr>
+          <p:cNvPr id="3" name="竖排文字占位符 2"/>
           <p:cNvSpPr>
             <a:spLocks noGrp="1"/>
           </p:cNvSpPr>
@@ -627,6 +550,7 @@
               <a:rPr lang="zh-CN" altLang="en-US"/>
               <a:t>单击此处编辑母版文本样式</a:t>
             </a:r>
+            <a:endParaRPr lang="zh-CN" altLang="en-US"/>
           </a:p>
           <a:p>
             <a:pPr lvl="1"/>
@@ -634,6 +558,7 @@
               <a:rPr lang="zh-CN" altLang="en-US"/>
               <a:t>二级</a:t>
             </a:r>
+            <a:endParaRPr lang="zh-CN" altLang="en-US"/>
           </a:p>
           <a:p>
             <a:pPr lvl="2"/>
@@ -641,6 +566,7 @@
               <a:rPr lang="zh-CN" altLang="en-US"/>
               <a:t>三级</a:t>
             </a:r>
+            <a:endParaRPr lang="zh-CN" altLang="en-US"/>
           </a:p>
           <a:p>
             <a:pPr lvl="3"/>
@@ -648,6 +574,7 @@
               <a:rPr lang="zh-CN" altLang="en-US"/>
               <a:t>四级</a:t>
             </a:r>
+            <a:endParaRPr lang="zh-CN" altLang="en-US"/>
           </a:p>
           <a:p>
             <a:pPr lvl="4"/>
@@ -655,18 +582,13 @@
               <a:rPr lang="zh-CN" altLang="en-US"/>
               <a:t>五级</a:t>
             </a:r>
-          </a:p>
-        </p:txBody>
-      </p:sp>
-      <p:sp>
-        <p:nvSpPr>
-          <p:cNvPr id="4" name="日期占位符 3">
-            <a:extLst>
-              <a:ext uri="{FF2B5EF4-FFF2-40B4-BE49-F238E27FC236}">
-                <a16:creationId xmlns:a16="http://schemas.microsoft.com/office/drawing/2014/main" id="{60EEE1DF-28A2-9E4A-20A6-C4DAD6B0DA8B}"/>
-              </a:ext>
-            </a:extLst>
-          </p:cNvPr>
+            <a:endParaRPr lang="zh-CN" altLang="en-US"/>
+          </a:p>
+        </p:txBody>
+      </p:sp>
+      <p:sp>
+        <p:nvSpPr>
+          <p:cNvPr id="4" name="日期占位符 3"/>
           <p:cNvSpPr>
             <a:spLocks noGrp="1"/>
           </p:cNvSpPr>
@@ -681,7 +603,6 @@
           <a:p>
             <a:fld id="{5F436CC1-8A58-4025-8674-AC4643FC1143}" type="datetimeFigureOut">
               <a:rPr lang="zh-CN" altLang="en-US" smtClean="0"/>
-              <a:t>2024/5/13</a:t>
             </a:fld>
             <a:endParaRPr lang="zh-CN" altLang="en-US"/>
           </a:p>
@@ -689,13 +610,7 @@
       </p:sp>
       <p:sp>
         <p:nvSpPr>
-          <p:cNvPr id="5" name="页脚占位符 4">
-            <a:extLst>
-              <a:ext uri="{FF2B5EF4-FFF2-40B4-BE49-F238E27FC236}">
-                <a16:creationId xmlns:a16="http://schemas.microsoft.com/office/drawing/2014/main" id="{9684807D-C7B1-C494-35DB-4279A79A3B0F}"/>
-              </a:ext>
-            </a:extLst>
-          </p:cNvPr>
+          <p:cNvPr id="5" name="页脚占位符 4"/>
           <p:cNvSpPr>
             <a:spLocks noGrp="1"/>
           </p:cNvSpPr>
@@ -714,13 +629,7 @@
       </p:sp>
       <p:sp>
         <p:nvSpPr>
-          <p:cNvPr id="6" name="灯片编号占位符 5">
-            <a:extLst>
-              <a:ext uri="{FF2B5EF4-FFF2-40B4-BE49-F238E27FC236}">
-                <a16:creationId xmlns:a16="http://schemas.microsoft.com/office/drawing/2014/main" id="{C1F0EE68-EC4E-EFAC-CA6A-ECCFBDAD0A57}"/>
-              </a:ext>
-            </a:extLst>
-          </p:cNvPr>
+          <p:cNvPr id="6" name="灯片编号占位符 5"/>
           <p:cNvSpPr>
             <a:spLocks noGrp="1"/>
           </p:cNvSpPr>
@@ -735,18 +644,12 @@
           <a:p>
             <a:fld id="{DC94044A-7ABA-45EB-8F13-95CB6439284F}" type="slidenum">
               <a:rPr lang="zh-CN" altLang="en-US" smtClean="0"/>
-              <a:t>‹#›</a:t>
             </a:fld>
             <a:endParaRPr lang="zh-CN" altLang="en-US"/>
           </a:p>
         </p:txBody>
       </p:sp>
     </p:spTree>
-    <p:extLst>
-      <p:ext uri="{BB962C8B-B14F-4D97-AF65-F5344CB8AC3E}">
-        <p14:creationId xmlns:p14="http://schemas.microsoft.com/office/powerpoint/2010/main" val="1171860970"/>
-      </p:ext>
-    </p:extLst>
   </p:cSld>
   <p:clrMapOvr>
     <a:masterClrMapping/>
@@ -773,13 +676,7 @@
       </p:grpSpPr>
       <p:sp>
         <p:nvSpPr>
-          <p:cNvPr id="2" name="标题 1">
-            <a:extLst>
-              <a:ext uri="{FF2B5EF4-FFF2-40B4-BE49-F238E27FC236}">
-                <a16:creationId xmlns:a16="http://schemas.microsoft.com/office/drawing/2014/main" id="{73A2D63D-0C7F-AF67-8D00-2BA5AE82D9CB}"/>
-              </a:ext>
-            </a:extLst>
-          </p:cNvPr>
+          <p:cNvPr id="2" name="标题 1"/>
           <p:cNvSpPr>
             <a:spLocks noGrp="1"/>
           </p:cNvSpPr>
@@ -796,18 +693,13 @@
               <a:rPr lang="zh-CN" altLang="en-US"/>
               <a:t>单击此处编辑母版标题样式</a:t>
             </a:r>
-          </a:p>
-        </p:txBody>
-      </p:sp>
-      <p:sp>
-        <p:nvSpPr>
-          <p:cNvPr id="3" name="内容占位符 2">
-            <a:extLst>
-              <a:ext uri="{FF2B5EF4-FFF2-40B4-BE49-F238E27FC236}">
-                <a16:creationId xmlns:a16="http://schemas.microsoft.com/office/drawing/2014/main" id="{9BD5615F-454A-70DF-FE0C-96662A6E0CCB}"/>
-              </a:ext>
-            </a:extLst>
-          </p:cNvPr>
+            <a:endParaRPr lang="zh-CN" altLang="en-US"/>
+          </a:p>
+        </p:txBody>
+      </p:sp>
+      <p:sp>
+        <p:nvSpPr>
+          <p:cNvPr id="3" name="内容占位符 2"/>
           <p:cNvSpPr>
             <a:spLocks noGrp="1"/>
           </p:cNvSpPr>
@@ -825,6 +717,7 @@
               <a:rPr lang="zh-CN" altLang="en-US"/>
               <a:t>单击此处编辑母版文本样式</a:t>
             </a:r>
+            <a:endParaRPr lang="zh-CN" altLang="en-US"/>
           </a:p>
           <a:p>
             <a:pPr lvl="1"/>
@@ -832,6 +725,7 @@
               <a:rPr lang="zh-CN" altLang="en-US"/>
               <a:t>二级</a:t>
             </a:r>
+            <a:endParaRPr lang="zh-CN" altLang="en-US"/>
           </a:p>
           <a:p>
             <a:pPr lvl="2"/>
@@ -839,6 +733,7 @@
               <a:rPr lang="zh-CN" altLang="en-US"/>
               <a:t>三级</a:t>
             </a:r>
+            <a:endParaRPr lang="zh-CN" altLang="en-US"/>
           </a:p>
           <a:p>
             <a:pPr lvl="3"/>
@@ -846,6 +741,7 @@
               <a:rPr lang="zh-CN" altLang="en-US"/>
               <a:t>四级</a:t>
             </a:r>
+            <a:endParaRPr lang="zh-CN" altLang="en-US"/>
           </a:p>
           <a:p>
             <a:pPr lvl="4"/>
@@ -853,18 +749,13 @@
               <a:rPr lang="zh-CN" altLang="en-US"/>
               <a:t>五级</a:t>
             </a:r>
-          </a:p>
-        </p:txBody>
-      </p:sp>
-      <p:sp>
-        <p:nvSpPr>
-          <p:cNvPr id="4" name="日期占位符 3">
-            <a:extLst>
-              <a:ext uri="{FF2B5EF4-FFF2-40B4-BE49-F238E27FC236}">
-                <a16:creationId xmlns:a16="http://schemas.microsoft.com/office/drawing/2014/main" id="{13D43111-4604-5EA0-E171-B6C38C23C415}"/>
-              </a:ext>
-            </a:extLst>
-          </p:cNvPr>
+            <a:endParaRPr lang="zh-CN" altLang="en-US"/>
+          </a:p>
+        </p:txBody>
+      </p:sp>
+      <p:sp>
+        <p:nvSpPr>
+          <p:cNvPr id="4" name="日期占位符 3"/>
           <p:cNvSpPr>
             <a:spLocks noGrp="1"/>
           </p:cNvSpPr>
@@ -879,7 +770,6 @@
           <a:p>
             <a:fld id="{5F436CC1-8A58-4025-8674-AC4643FC1143}" type="datetimeFigureOut">
               <a:rPr lang="zh-CN" altLang="en-US" smtClean="0"/>
-              <a:t>2024/5/13</a:t>
             </a:fld>
             <a:endParaRPr lang="zh-CN" altLang="en-US"/>
           </a:p>
@@ -887,13 +777,7 @@
       </p:sp>
       <p:sp>
         <p:nvSpPr>
-          <p:cNvPr id="5" name="页脚占位符 4">
-            <a:extLst>
-              <a:ext uri="{FF2B5EF4-FFF2-40B4-BE49-F238E27FC236}">
-                <a16:creationId xmlns:a16="http://schemas.microsoft.com/office/drawing/2014/main" id="{E399592E-A839-39C5-4FF1-E13931CC62E1}"/>
-              </a:ext>
-            </a:extLst>
-          </p:cNvPr>
+          <p:cNvPr id="5" name="页脚占位符 4"/>
           <p:cNvSpPr>
             <a:spLocks noGrp="1"/>
           </p:cNvSpPr>
@@ -912,13 +796,7 @@
       </p:sp>
       <p:sp>
         <p:nvSpPr>
-          <p:cNvPr id="6" name="灯片编号占位符 5">
-            <a:extLst>
-              <a:ext uri="{FF2B5EF4-FFF2-40B4-BE49-F238E27FC236}">
-                <a16:creationId xmlns:a16="http://schemas.microsoft.com/office/drawing/2014/main" id="{0B0B51D1-3D6D-6E85-976E-ED7DF5573980}"/>
-              </a:ext>
-            </a:extLst>
-          </p:cNvPr>
+          <p:cNvPr id="6" name="灯片编号占位符 5"/>
           <p:cNvSpPr>
             <a:spLocks noGrp="1"/>
           </p:cNvSpPr>
@@ -933,18 +811,12 @@
           <a:p>
             <a:fld id="{DC94044A-7ABA-45EB-8F13-95CB6439284F}" type="slidenum">
               <a:rPr lang="zh-CN" altLang="en-US" smtClean="0"/>
-              <a:t>‹#›</a:t>
             </a:fld>
             <a:endParaRPr lang="zh-CN" altLang="en-US"/>
           </a:p>
         </p:txBody>
       </p:sp>
     </p:spTree>
-    <p:extLst>
-      <p:ext uri="{BB962C8B-B14F-4D97-AF65-F5344CB8AC3E}">
-        <p14:creationId xmlns:p14="http://schemas.microsoft.com/office/powerpoint/2010/main" val="1457202820"/>
-      </p:ext>
-    </p:extLst>
   </p:cSld>
   <p:clrMapOvr>
     <a:masterClrMapping/>
@@ -971,13 +843,7 @@
       </p:grpSpPr>
       <p:sp>
         <p:nvSpPr>
-          <p:cNvPr id="2" name="标题 1">
-            <a:extLst>
-              <a:ext uri="{FF2B5EF4-FFF2-40B4-BE49-F238E27FC236}">
-                <a16:creationId xmlns:a16="http://schemas.microsoft.com/office/drawing/2014/main" id="{FC731476-80DD-7EEB-6AE0-57D753565EDD}"/>
-              </a:ext>
-            </a:extLst>
-          </p:cNvPr>
+          <p:cNvPr id="2" name="标题 1"/>
           <p:cNvSpPr>
             <a:spLocks noGrp="1"/>
           </p:cNvSpPr>
@@ -1003,18 +869,13 @@
               <a:rPr lang="zh-CN" altLang="en-US"/>
               <a:t>单击此处编辑母版标题样式</a:t>
             </a:r>
-          </a:p>
-        </p:txBody>
-      </p:sp>
-      <p:sp>
-        <p:nvSpPr>
-          <p:cNvPr id="3" name="文本占位符 2">
-            <a:extLst>
-              <a:ext uri="{FF2B5EF4-FFF2-40B4-BE49-F238E27FC236}">
-                <a16:creationId xmlns:a16="http://schemas.microsoft.com/office/drawing/2014/main" id="{827D7933-28EF-D2E9-9ADC-6ECB471442C3}"/>
-              </a:ext>
-            </a:extLst>
-          </p:cNvPr>
+            <a:endParaRPr lang="zh-CN" altLang="en-US"/>
+          </a:p>
+        </p:txBody>
+      </p:sp>
+      <p:sp>
+        <p:nvSpPr>
+          <p:cNvPr id="3" name="文本占位符 2"/>
           <p:cNvSpPr>
             <a:spLocks noGrp="1"/>
           </p:cNvSpPr>
@@ -1128,18 +989,13 @@
               <a:rPr lang="zh-CN" altLang="en-US"/>
               <a:t>单击此处编辑母版文本样式</a:t>
             </a:r>
-          </a:p>
-        </p:txBody>
-      </p:sp>
-      <p:sp>
-        <p:nvSpPr>
-          <p:cNvPr id="4" name="日期占位符 3">
-            <a:extLst>
-              <a:ext uri="{FF2B5EF4-FFF2-40B4-BE49-F238E27FC236}">
-                <a16:creationId xmlns:a16="http://schemas.microsoft.com/office/drawing/2014/main" id="{E765E614-309F-BC12-2405-BD87644E9C90}"/>
-              </a:ext>
-            </a:extLst>
-          </p:cNvPr>
+            <a:endParaRPr lang="zh-CN" altLang="en-US"/>
+          </a:p>
+        </p:txBody>
+      </p:sp>
+      <p:sp>
+        <p:nvSpPr>
+          <p:cNvPr id="4" name="日期占位符 3"/>
           <p:cNvSpPr>
             <a:spLocks noGrp="1"/>
           </p:cNvSpPr>
@@ -1154,7 +1010,6 @@
           <a:p>
             <a:fld id="{5F436CC1-8A58-4025-8674-AC4643FC1143}" type="datetimeFigureOut">
               <a:rPr lang="zh-CN" altLang="en-US" smtClean="0"/>
-              <a:t>2024/5/13</a:t>
             </a:fld>
             <a:endParaRPr lang="zh-CN" altLang="en-US"/>
           </a:p>
@@ -1162,13 +1017,7 @@
       </p:sp>
       <p:sp>
         <p:nvSpPr>
-          <p:cNvPr id="5" name="页脚占位符 4">
-            <a:extLst>
-              <a:ext uri="{FF2B5EF4-FFF2-40B4-BE49-F238E27FC236}">
-                <a16:creationId xmlns:a16="http://schemas.microsoft.com/office/drawing/2014/main" id="{30DA384D-CD48-AF8C-1314-B5FE31E2436F}"/>
-              </a:ext>
-            </a:extLst>
-          </p:cNvPr>
+          <p:cNvPr id="5" name="页脚占位符 4"/>
           <p:cNvSpPr>
             <a:spLocks noGrp="1"/>
           </p:cNvSpPr>
@@ -1187,13 +1036,7 @@
       </p:sp>
       <p:sp>
         <p:nvSpPr>
-          <p:cNvPr id="6" name="灯片编号占位符 5">
-            <a:extLst>
-              <a:ext uri="{FF2B5EF4-FFF2-40B4-BE49-F238E27FC236}">
-                <a16:creationId xmlns:a16="http://schemas.microsoft.com/office/drawing/2014/main" id="{2FE4B15E-BC5D-E18D-36BC-C902D168AEB7}"/>
-              </a:ext>
-            </a:extLst>
-          </p:cNvPr>
+          <p:cNvPr id="6" name="灯片编号占位符 5"/>
           <p:cNvSpPr>
             <a:spLocks noGrp="1"/>
           </p:cNvSpPr>
@@ -1208,18 +1051,12 @@
           <a:p>
             <a:fld id="{DC94044A-7ABA-45EB-8F13-95CB6439284F}" type="slidenum">
               <a:rPr lang="zh-CN" altLang="en-US" smtClean="0"/>
-              <a:t>‹#›</a:t>
             </a:fld>
             <a:endParaRPr lang="zh-CN" altLang="en-US"/>
           </a:p>
         </p:txBody>
       </p:sp>
     </p:spTree>
-    <p:extLst>
-      <p:ext uri="{BB962C8B-B14F-4D97-AF65-F5344CB8AC3E}">
-        <p14:creationId xmlns:p14="http://schemas.microsoft.com/office/powerpoint/2010/main" val="2106136757"/>
-      </p:ext>
-    </p:extLst>
   </p:cSld>
   <p:clrMapOvr>
     <a:masterClrMapping/>
@@ -1246,13 +1083,7 @@
       </p:grpSpPr>
       <p:sp>
         <p:nvSpPr>
-          <p:cNvPr id="2" name="标题 1">
-            <a:extLst>
-              <a:ext uri="{FF2B5EF4-FFF2-40B4-BE49-F238E27FC236}">
-                <a16:creationId xmlns:a16="http://schemas.microsoft.com/office/drawing/2014/main" id="{A222110B-735F-C3D7-622C-38B407B68555}"/>
-              </a:ext>
-            </a:extLst>
-          </p:cNvPr>
+          <p:cNvPr id="2" name="标题 1"/>
           <p:cNvSpPr>
             <a:spLocks noGrp="1"/>
           </p:cNvSpPr>
@@ -1269,18 +1100,13 @@
               <a:rPr lang="zh-CN" altLang="en-US"/>
               <a:t>单击此处编辑母版标题样式</a:t>
             </a:r>
-          </a:p>
-        </p:txBody>
-      </p:sp>
-      <p:sp>
-        <p:nvSpPr>
-          <p:cNvPr id="3" name="内容占位符 2">
-            <a:extLst>
-              <a:ext uri="{FF2B5EF4-FFF2-40B4-BE49-F238E27FC236}">
-                <a16:creationId xmlns:a16="http://schemas.microsoft.com/office/drawing/2014/main" id="{0DAD97D8-B235-02C8-A2B8-ED8E685D097E}"/>
-              </a:ext>
-            </a:extLst>
-          </p:cNvPr>
+            <a:endParaRPr lang="zh-CN" altLang="en-US"/>
+          </a:p>
+        </p:txBody>
+      </p:sp>
+      <p:sp>
+        <p:nvSpPr>
+          <p:cNvPr id="3" name="内容占位符 2"/>
           <p:cNvSpPr>
             <a:spLocks noGrp="1"/>
           </p:cNvSpPr>
@@ -1303,6 +1129,7 @@
               <a:rPr lang="zh-CN" altLang="en-US"/>
               <a:t>单击此处编辑母版文本样式</a:t>
             </a:r>
+            <a:endParaRPr lang="zh-CN" altLang="en-US"/>
           </a:p>
           <a:p>
             <a:pPr lvl="1"/>
@@ -1310,6 +1137,7 @@
               <a:rPr lang="zh-CN" altLang="en-US"/>
               <a:t>二级</a:t>
             </a:r>
+            <a:endParaRPr lang="zh-CN" altLang="en-US"/>
           </a:p>
           <a:p>
             <a:pPr lvl="2"/>
@@ -1317,6 +1145,7 @@
               <a:rPr lang="zh-CN" altLang="en-US"/>
               <a:t>三级</a:t>
             </a:r>
+            <a:endParaRPr lang="zh-CN" altLang="en-US"/>
           </a:p>
           <a:p>
             <a:pPr lvl="3"/>
@@ -1324,6 +1153,7 @@
               <a:rPr lang="zh-CN" altLang="en-US"/>
               <a:t>四级</a:t>
             </a:r>
+            <a:endParaRPr lang="zh-CN" altLang="en-US"/>
           </a:p>
           <a:p>
             <a:pPr lvl="4"/>
@@ -1331,18 +1161,13 @@
               <a:rPr lang="zh-CN" altLang="en-US"/>
               <a:t>五级</a:t>
             </a:r>
-          </a:p>
-        </p:txBody>
-      </p:sp>
-      <p:sp>
-        <p:nvSpPr>
-          <p:cNvPr id="4" name="内容占位符 3">
-            <a:extLst>
-              <a:ext uri="{FF2B5EF4-FFF2-40B4-BE49-F238E27FC236}">
-                <a16:creationId xmlns:a16="http://schemas.microsoft.com/office/drawing/2014/main" id="{D3A33469-EC23-BBF9-BFF5-CDA2DD47EA21}"/>
-              </a:ext>
-            </a:extLst>
-          </p:cNvPr>
+            <a:endParaRPr lang="zh-CN" altLang="en-US"/>
+          </a:p>
+        </p:txBody>
+      </p:sp>
+      <p:sp>
+        <p:nvSpPr>
+          <p:cNvPr id="4" name="内容占位符 3"/>
           <p:cNvSpPr>
             <a:spLocks noGrp="1"/>
           </p:cNvSpPr>
@@ -1365,6 +1190,7 @@
               <a:rPr lang="zh-CN" altLang="en-US"/>
               <a:t>单击此处编辑母版文本样式</a:t>
             </a:r>
+            <a:endParaRPr lang="zh-CN" altLang="en-US"/>
           </a:p>
           <a:p>
             <a:pPr lvl="1"/>
@@ -1372,6 +1198,7 @@
               <a:rPr lang="zh-CN" altLang="en-US"/>
               <a:t>二级</a:t>
             </a:r>
+            <a:endParaRPr lang="zh-CN" altLang="en-US"/>
           </a:p>
           <a:p>
             <a:pPr lvl="2"/>
@@ -1379,6 +1206,7 @@
               <a:rPr lang="zh-CN" altLang="en-US"/>
               <a:t>三级</a:t>
             </a:r>
+            <a:endParaRPr lang="zh-CN" altLang="en-US"/>
           </a:p>
           <a:p>
             <a:pPr lvl="3"/>
@@ -1386,6 +1214,7 @@
               <a:rPr lang="zh-CN" altLang="en-US"/>
               <a:t>四级</a:t>
             </a:r>
+            <a:endParaRPr lang="zh-CN" altLang="en-US"/>
           </a:p>
           <a:p>
             <a:pPr lvl="4"/>
@@ -1393,18 +1222,13 @@
               <a:rPr lang="zh-CN" altLang="en-US"/>
               <a:t>五级</a:t>
             </a:r>
-          </a:p>
-        </p:txBody>
-      </p:sp>
-      <p:sp>
-        <p:nvSpPr>
-          <p:cNvPr id="5" name="日期占位符 4">
-            <a:extLst>
-              <a:ext uri="{FF2B5EF4-FFF2-40B4-BE49-F238E27FC236}">
-                <a16:creationId xmlns:a16="http://schemas.microsoft.com/office/drawing/2014/main" id="{9AED5917-2742-2AD1-9DEB-F77CC671108A}"/>
-              </a:ext>
-            </a:extLst>
-          </p:cNvPr>
+            <a:endParaRPr lang="zh-CN" altLang="en-US"/>
+          </a:p>
+        </p:txBody>
+      </p:sp>
+      <p:sp>
+        <p:nvSpPr>
+          <p:cNvPr id="5" name="日期占位符 4"/>
           <p:cNvSpPr>
             <a:spLocks noGrp="1"/>
           </p:cNvSpPr>
@@ -1419,7 +1243,6 @@
           <a:p>
             <a:fld id="{5F436CC1-8A58-4025-8674-AC4643FC1143}" type="datetimeFigureOut">
               <a:rPr lang="zh-CN" altLang="en-US" smtClean="0"/>
-              <a:t>2024/5/13</a:t>
             </a:fld>
             <a:endParaRPr lang="zh-CN" altLang="en-US"/>
           </a:p>
@@ -1427,13 +1250,7 @@
       </p:sp>
       <p:sp>
         <p:nvSpPr>
-          <p:cNvPr id="6" name="页脚占位符 5">
-            <a:extLst>
-              <a:ext uri="{FF2B5EF4-FFF2-40B4-BE49-F238E27FC236}">
-                <a16:creationId xmlns:a16="http://schemas.microsoft.com/office/drawing/2014/main" id="{1B34464E-9A03-5B34-C0F6-C5BC5BA942E2}"/>
-              </a:ext>
-            </a:extLst>
-          </p:cNvPr>
+          <p:cNvPr id="6" name="页脚占位符 5"/>
           <p:cNvSpPr>
             <a:spLocks noGrp="1"/>
           </p:cNvSpPr>
@@ -1452,13 +1269,7 @@
       </p:sp>
       <p:sp>
         <p:nvSpPr>
-          <p:cNvPr id="7" name="灯片编号占位符 6">
-            <a:extLst>
-              <a:ext uri="{FF2B5EF4-FFF2-40B4-BE49-F238E27FC236}">
-                <a16:creationId xmlns:a16="http://schemas.microsoft.com/office/drawing/2014/main" id="{BBD26416-96E9-312E-53B5-DE06E68397F4}"/>
-              </a:ext>
-            </a:extLst>
-          </p:cNvPr>
+          <p:cNvPr id="7" name="灯片编号占位符 6"/>
           <p:cNvSpPr>
             <a:spLocks noGrp="1"/>
           </p:cNvSpPr>
@@ -1473,18 +1284,12 @@
           <a:p>
             <a:fld id="{DC94044A-7ABA-45EB-8F13-95CB6439284F}" type="slidenum">
               <a:rPr lang="zh-CN" altLang="en-US" smtClean="0"/>
-              <a:t>‹#›</a:t>
             </a:fld>
             <a:endParaRPr lang="zh-CN" altLang="en-US"/>
           </a:p>
         </p:txBody>
       </p:sp>
     </p:spTree>
-    <p:extLst>
-      <p:ext uri="{BB962C8B-B14F-4D97-AF65-F5344CB8AC3E}">
-        <p14:creationId xmlns:p14="http://schemas.microsoft.com/office/powerpoint/2010/main" val="1197497853"/>
-      </p:ext>
-    </p:extLst>
   </p:cSld>
   <p:clrMapOvr>
     <a:masterClrMapping/>
@@ -1511,13 +1316,7 @@
       </p:grpSpPr>
       <p:sp>
         <p:nvSpPr>
-          <p:cNvPr id="2" name="标题 1">
-            <a:extLst>
-              <a:ext uri="{FF2B5EF4-FFF2-40B4-BE49-F238E27FC236}">
-                <a16:creationId xmlns:a16="http://schemas.microsoft.com/office/drawing/2014/main" id="{A5AB2EF9-4C99-6FFE-79D9-11246E5132B0}"/>
-              </a:ext>
-            </a:extLst>
-          </p:cNvPr>
+          <p:cNvPr id="2" name="标题 1"/>
           <p:cNvSpPr>
             <a:spLocks noGrp="1"/>
           </p:cNvSpPr>
@@ -1539,18 +1338,13 @@
               <a:rPr lang="zh-CN" altLang="en-US"/>
               <a:t>单击此处编辑母版标题样式</a:t>
             </a:r>
-          </a:p>
-        </p:txBody>
-      </p:sp>
-      <p:sp>
-        <p:nvSpPr>
-          <p:cNvPr id="3" name="文本占位符 2">
-            <a:extLst>
-              <a:ext uri="{FF2B5EF4-FFF2-40B4-BE49-F238E27FC236}">
-                <a16:creationId xmlns:a16="http://schemas.microsoft.com/office/drawing/2014/main" id="{12AD73BC-77D3-EBDF-62C2-74145A123BE1}"/>
-              </a:ext>
-            </a:extLst>
-          </p:cNvPr>
+            <a:endParaRPr lang="zh-CN" altLang="en-US"/>
+          </a:p>
+        </p:txBody>
+      </p:sp>
+      <p:sp>
+        <p:nvSpPr>
+          <p:cNvPr id="3" name="文本占位符 2"/>
           <p:cNvSpPr>
             <a:spLocks noGrp="1"/>
           </p:cNvSpPr>
@@ -1610,18 +1404,13 @@
               <a:rPr lang="zh-CN" altLang="en-US"/>
               <a:t>单击此处编辑母版文本样式</a:t>
             </a:r>
-          </a:p>
-        </p:txBody>
-      </p:sp>
-      <p:sp>
-        <p:nvSpPr>
-          <p:cNvPr id="4" name="内容占位符 3">
-            <a:extLst>
-              <a:ext uri="{FF2B5EF4-FFF2-40B4-BE49-F238E27FC236}">
-                <a16:creationId xmlns:a16="http://schemas.microsoft.com/office/drawing/2014/main" id="{068CBBC7-16DD-3C35-CC90-1E90D7E355CC}"/>
-              </a:ext>
-            </a:extLst>
-          </p:cNvPr>
+            <a:endParaRPr lang="zh-CN" altLang="en-US"/>
+          </a:p>
+        </p:txBody>
+      </p:sp>
+      <p:sp>
+        <p:nvSpPr>
+          <p:cNvPr id="4" name="内容占位符 3"/>
           <p:cNvSpPr>
             <a:spLocks noGrp="1"/>
           </p:cNvSpPr>
@@ -1644,6 +1433,7 @@
               <a:rPr lang="zh-CN" altLang="en-US"/>
               <a:t>单击此处编辑母版文本样式</a:t>
             </a:r>
+            <a:endParaRPr lang="zh-CN" altLang="en-US"/>
           </a:p>
           <a:p>
             <a:pPr lvl="1"/>
@@ -1651,6 +1441,7 @@
               <a:rPr lang="zh-CN" altLang="en-US"/>
               <a:t>二级</a:t>
             </a:r>
+            <a:endParaRPr lang="zh-CN" altLang="en-US"/>
           </a:p>
           <a:p>
             <a:pPr lvl="2"/>
@@ -1658,6 +1449,7 @@
               <a:rPr lang="zh-CN" altLang="en-US"/>
               <a:t>三级</a:t>
             </a:r>
+            <a:endParaRPr lang="zh-CN" altLang="en-US"/>
           </a:p>
           <a:p>
             <a:pPr lvl="3"/>
@@ -1665,6 +1457,7 @@
               <a:rPr lang="zh-CN" altLang="en-US"/>
               <a:t>四级</a:t>
             </a:r>
+            <a:endParaRPr lang="zh-CN" altLang="en-US"/>
           </a:p>
           <a:p>
             <a:pPr lvl="4"/>
@@ -1672,18 +1465,13 @@
               <a:rPr lang="zh-CN" altLang="en-US"/>
               <a:t>五级</a:t>
             </a:r>
-          </a:p>
-        </p:txBody>
-      </p:sp>
-      <p:sp>
-        <p:nvSpPr>
-          <p:cNvPr id="5" name="文本占位符 4">
-            <a:extLst>
-              <a:ext uri="{FF2B5EF4-FFF2-40B4-BE49-F238E27FC236}">
-                <a16:creationId xmlns:a16="http://schemas.microsoft.com/office/drawing/2014/main" id="{48B057CE-301F-F06B-7A67-D83403CB0528}"/>
-              </a:ext>
-            </a:extLst>
-          </p:cNvPr>
+            <a:endParaRPr lang="zh-CN" altLang="en-US"/>
+          </a:p>
+        </p:txBody>
+      </p:sp>
+      <p:sp>
+        <p:nvSpPr>
+          <p:cNvPr id="5" name="文本占位符 4"/>
           <p:cNvSpPr>
             <a:spLocks noGrp="1"/>
           </p:cNvSpPr>
@@ -1743,18 +1531,13 @@
               <a:rPr lang="zh-CN" altLang="en-US"/>
               <a:t>单击此处编辑母版文本样式</a:t>
             </a:r>
-          </a:p>
-        </p:txBody>
-      </p:sp>
-      <p:sp>
-        <p:nvSpPr>
-          <p:cNvPr id="6" name="内容占位符 5">
-            <a:extLst>
-              <a:ext uri="{FF2B5EF4-FFF2-40B4-BE49-F238E27FC236}">
-                <a16:creationId xmlns:a16="http://schemas.microsoft.com/office/drawing/2014/main" id="{390EF25E-DEFC-7469-8E92-FB94D86BE99D}"/>
-              </a:ext>
-            </a:extLst>
-          </p:cNvPr>
+            <a:endParaRPr lang="zh-CN" altLang="en-US"/>
+          </a:p>
+        </p:txBody>
+      </p:sp>
+      <p:sp>
+        <p:nvSpPr>
+          <p:cNvPr id="6" name="内容占位符 5"/>
           <p:cNvSpPr>
             <a:spLocks noGrp="1"/>
           </p:cNvSpPr>
@@ -1777,6 +1560,7 @@
               <a:rPr lang="zh-CN" altLang="en-US"/>
               <a:t>单击此处编辑母版文本样式</a:t>
             </a:r>
+            <a:endParaRPr lang="zh-CN" altLang="en-US"/>
           </a:p>
           <a:p>
             <a:pPr lvl="1"/>
@@ -1784,6 +1568,7 @@
               <a:rPr lang="zh-CN" altLang="en-US"/>
               <a:t>二级</a:t>
             </a:r>
+            <a:endParaRPr lang="zh-CN" altLang="en-US"/>
           </a:p>
           <a:p>
             <a:pPr lvl="2"/>
@@ -1791,6 +1576,7 @@
               <a:rPr lang="zh-CN" altLang="en-US"/>
               <a:t>三级</a:t>
             </a:r>
+            <a:endParaRPr lang="zh-CN" altLang="en-US"/>
           </a:p>
           <a:p>
             <a:pPr lvl="3"/>
@@ -1798,6 +1584,7 @@
               <a:rPr lang="zh-CN" altLang="en-US"/>
               <a:t>四级</a:t>
             </a:r>
+            <a:endParaRPr lang="zh-CN" altLang="en-US"/>
           </a:p>
           <a:p>
             <a:pPr lvl="4"/>
@@ -1805,18 +1592,13 @@
               <a:rPr lang="zh-CN" altLang="en-US"/>
               <a:t>五级</a:t>
             </a:r>
-          </a:p>
-        </p:txBody>
-      </p:sp>
-      <p:sp>
-        <p:nvSpPr>
-          <p:cNvPr id="7" name="日期占位符 6">
-            <a:extLst>
-              <a:ext uri="{FF2B5EF4-FFF2-40B4-BE49-F238E27FC236}">
-                <a16:creationId xmlns:a16="http://schemas.microsoft.com/office/drawing/2014/main" id="{C43CBC23-06D9-5BCF-3F21-970B621613B8}"/>
-              </a:ext>
-            </a:extLst>
-          </p:cNvPr>
+            <a:endParaRPr lang="zh-CN" altLang="en-US"/>
+          </a:p>
+        </p:txBody>
+      </p:sp>
+      <p:sp>
+        <p:nvSpPr>
+          <p:cNvPr id="7" name="日期占位符 6"/>
           <p:cNvSpPr>
             <a:spLocks noGrp="1"/>
           </p:cNvSpPr>
@@ -1831,7 +1613,6 @@
           <a:p>
             <a:fld id="{5F436CC1-8A58-4025-8674-AC4643FC1143}" type="datetimeFigureOut">
               <a:rPr lang="zh-CN" altLang="en-US" smtClean="0"/>
-              <a:t>2024/5/13</a:t>
             </a:fld>
             <a:endParaRPr lang="zh-CN" altLang="en-US"/>
           </a:p>
@@ -1839,13 +1620,7 @@
       </p:sp>
       <p:sp>
         <p:nvSpPr>
-          <p:cNvPr id="8" name="页脚占位符 7">
-            <a:extLst>
-              <a:ext uri="{FF2B5EF4-FFF2-40B4-BE49-F238E27FC236}">
-                <a16:creationId xmlns:a16="http://schemas.microsoft.com/office/drawing/2014/main" id="{86795DE7-5DE0-1322-295B-F99F079C35B1}"/>
-              </a:ext>
-            </a:extLst>
-          </p:cNvPr>
+          <p:cNvPr id="8" name="页脚占位符 7"/>
           <p:cNvSpPr>
             <a:spLocks noGrp="1"/>
           </p:cNvSpPr>
@@ -1864,13 +1639,7 @@
       </p:sp>
       <p:sp>
         <p:nvSpPr>
-          <p:cNvPr id="9" name="灯片编号占位符 8">
-            <a:extLst>
-              <a:ext uri="{FF2B5EF4-FFF2-40B4-BE49-F238E27FC236}">
-                <a16:creationId xmlns:a16="http://schemas.microsoft.com/office/drawing/2014/main" id="{3749FA8A-ABC6-708C-09AE-242AD638AB14}"/>
-              </a:ext>
-            </a:extLst>
-          </p:cNvPr>
+          <p:cNvPr id="9" name="灯片编号占位符 8"/>
           <p:cNvSpPr>
             <a:spLocks noGrp="1"/>
           </p:cNvSpPr>
@@ -1885,18 +1654,12 @@
           <a:p>
             <a:fld id="{DC94044A-7ABA-45EB-8F13-95CB6439284F}" type="slidenum">
               <a:rPr lang="zh-CN" altLang="en-US" smtClean="0"/>
-              <a:t>‹#›</a:t>
             </a:fld>
             <a:endParaRPr lang="zh-CN" altLang="en-US"/>
           </a:p>
         </p:txBody>
       </p:sp>
     </p:spTree>
-    <p:extLst>
-      <p:ext uri="{BB962C8B-B14F-4D97-AF65-F5344CB8AC3E}">
-        <p14:creationId xmlns:p14="http://schemas.microsoft.com/office/powerpoint/2010/main" val="999906011"/>
-      </p:ext>
-    </p:extLst>
   </p:cSld>
   <p:clrMapOvr>
     <a:masterClrMapping/>
@@ -1923,13 +1686,7 @@
       </p:grpSpPr>
       <p:sp>
         <p:nvSpPr>
-          <p:cNvPr id="2" name="标题 1">
-            <a:extLst>
-              <a:ext uri="{FF2B5EF4-FFF2-40B4-BE49-F238E27FC236}">
-                <a16:creationId xmlns:a16="http://schemas.microsoft.com/office/drawing/2014/main" id="{8534757B-E810-7AE5-DDCE-2B2F822D2C2E}"/>
-              </a:ext>
-            </a:extLst>
-          </p:cNvPr>
+          <p:cNvPr id="2" name="标题 1"/>
           <p:cNvSpPr>
             <a:spLocks noGrp="1"/>
           </p:cNvSpPr>
@@ -1946,18 +1703,13 @@
               <a:rPr lang="zh-CN" altLang="en-US"/>
               <a:t>单击此处编辑母版标题样式</a:t>
             </a:r>
-          </a:p>
-        </p:txBody>
-      </p:sp>
-      <p:sp>
-        <p:nvSpPr>
-          <p:cNvPr id="3" name="日期占位符 2">
-            <a:extLst>
-              <a:ext uri="{FF2B5EF4-FFF2-40B4-BE49-F238E27FC236}">
-                <a16:creationId xmlns:a16="http://schemas.microsoft.com/office/drawing/2014/main" id="{6B289D07-979F-4FC1-481E-0A31A6E5AEB0}"/>
-              </a:ext>
-            </a:extLst>
-          </p:cNvPr>
+            <a:endParaRPr lang="zh-CN" altLang="en-US"/>
+          </a:p>
+        </p:txBody>
+      </p:sp>
+      <p:sp>
+        <p:nvSpPr>
+          <p:cNvPr id="3" name="日期占位符 2"/>
           <p:cNvSpPr>
             <a:spLocks noGrp="1"/>
           </p:cNvSpPr>
@@ -1972,7 +1724,6 @@
           <a:p>
             <a:fld id="{5F436CC1-8A58-4025-8674-AC4643FC1143}" type="datetimeFigureOut">
               <a:rPr lang="zh-CN" altLang="en-US" smtClean="0"/>
-              <a:t>2024/5/13</a:t>
             </a:fld>
             <a:endParaRPr lang="zh-CN" altLang="en-US"/>
           </a:p>
@@ -1980,13 +1731,7 @@
       </p:sp>
       <p:sp>
         <p:nvSpPr>
-          <p:cNvPr id="4" name="页脚占位符 3">
-            <a:extLst>
-              <a:ext uri="{FF2B5EF4-FFF2-40B4-BE49-F238E27FC236}">
-                <a16:creationId xmlns:a16="http://schemas.microsoft.com/office/drawing/2014/main" id="{398E221E-81C1-AF9C-6B9C-902E0E5A70E4}"/>
-              </a:ext>
-            </a:extLst>
-          </p:cNvPr>
+          <p:cNvPr id="4" name="页脚占位符 3"/>
           <p:cNvSpPr>
             <a:spLocks noGrp="1"/>
           </p:cNvSpPr>
@@ -2005,13 +1750,7 @@
       </p:sp>
       <p:sp>
         <p:nvSpPr>
-          <p:cNvPr id="5" name="灯片编号占位符 4">
-            <a:extLst>
-              <a:ext uri="{FF2B5EF4-FFF2-40B4-BE49-F238E27FC236}">
-                <a16:creationId xmlns:a16="http://schemas.microsoft.com/office/drawing/2014/main" id="{EA20DE4F-7F0B-1D53-AEB3-07A97021D393}"/>
-              </a:ext>
-            </a:extLst>
-          </p:cNvPr>
+          <p:cNvPr id="5" name="灯片编号占位符 4"/>
           <p:cNvSpPr>
             <a:spLocks noGrp="1"/>
           </p:cNvSpPr>
@@ -2026,18 +1765,12 @@
           <a:p>
             <a:fld id="{DC94044A-7ABA-45EB-8F13-95CB6439284F}" type="slidenum">
               <a:rPr lang="zh-CN" altLang="en-US" smtClean="0"/>
-              <a:t>‹#›</a:t>
             </a:fld>
             <a:endParaRPr lang="zh-CN" altLang="en-US"/>
           </a:p>
         </p:txBody>
       </p:sp>
     </p:spTree>
-    <p:extLst>
-      <p:ext uri="{BB962C8B-B14F-4D97-AF65-F5344CB8AC3E}">
-        <p14:creationId xmlns:p14="http://schemas.microsoft.com/office/powerpoint/2010/main" val="2755432995"/>
-      </p:ext>
-    </p:extLst>
   </p:cSld>
   <p:clrMapOvr>
     <a:masterClrMapping/>
@@ -2064,13 +1797,7 @@
       </p:grpSpPr>
       <p:sp>
         <p:nvSpPr>
-          <p:cNvPr id="2" name="日期占位符 1">
-            <a:extLst>
-              <a:ext uri="{FF2B5EF4-FFF2-40B4-BE49-F238E27FC236}">
-                <a16:creationId xmlns:a16="http://schemas.microsoft.com/office/drawing/2014/main" id="{AE7502EC-4D1E-7548-50FA-37D2944C8C58}"/>
-              </a:ext>
-            </a:extLst>
-          </p:cNvPr>
+          <p:cNvPr id="2" name="日期占位符 1"/>
           <p:cNvSpPr>
             <a:spLocks noGrp="1"/>
           </p:cNvSpPr>
@@ -2085,7 +1812,6 @@
           <a:p>
             <a:fld id="{5F436CC1-8A58-4025-8674-AC4643FC1143}" type="datetimeFigureOut">
               <a:rPr lang="zh-CN" altLang="en-US" smtClean="0"/>
-              <a:t>2024/5/13</a:t>
             </a:fld>
             <a:endParaRPr lang="zh-CN" altLang="en-US"/>
           </a:p>
@@ -2093,13 +1819,7 @@
       </p:sp>
       <p:sp>
         <p:nvSpPr>
-          <p:cNvPr id="3" name="页脚占位符 2">
-            <a:extLst>
-              <a:ext uri="{FF2B5EF4-FFF2-40B4-BE49-F238E27FC236}">
-                <a16:creationId xmlns:a16="http://schemas.microsoft.com/office/drawing/2014/main" id="{06720F4B-0D5F-F1C3-5AA9-89012236981D}"/>
-              </a:ext>
-            </a:extLst>
-          </p:cNvPr>
+          <p:cNvPr id="3" name="页脚占位符 2"/>
           <p:cNvSpPr>
             <a:spLocks noGrp="1"/>
           </p:cNvSpPr>
@@ -2118,13 +1838,7 @@
       </p:sp>
       <p:sp>
         <p:nvSpPr>
-          <p:cNvPr id="4" name="灯片编号占位符 3">
-            <a:extLst>
-              <a:ext uri="{FF2B5EF4-FFF2-40B4-BE49-F238E27FC236}">
-                <a16:creationId xmlns:a16="http://schemas.microsoft.com/office/drawing/2014/main" id="{6945BB65-3CF6-12C9-0F89-B23247AA3994}"/>
-              </a:ext>
-            </a:extLst>
-          </p:cNvPr>
+          <p:cNvPr id="4" name="灯片编号占位符 3"/>
           <p:cNvSpPr>
             <a:spLocks noGrp="1"/>
           </p:cNvSpPr>
@@ -2139,18 +1853,12 @@
           <a:p>
             <a:fld id="{DC94044A-7ABA-45EB-8F13-95CB6439284F}" type="slidenum">
               <a:rPr lang="zh-CN" altLang="en-US" smtClean="0"/>
-              <a:t>‹#›</a:t>
             </a:fld>
             <a:endParaRPr lang="zh-CN" altLang="en-US"/>
           </a:p>
         </p:txBody>
       </p:sp>
     </p:spTree>
-    <p:extLst>
-      <p:ext uri="{BB962C8B-B14F-4D97-AF65-F5344CB8AC3E}">
-        <p14:creationId xmlns:p14="http://schemas.microsoft.com/office/powerpoint/2010/main" val="1231026457"/>
-      </p:ext>
-    </p:extLst>
   </p:cSld>
   <p:clrMapOvr>
     <a:masterClrMapping/>
@@ -2177,13 +1885,7 @@
       </p:grpSpPr>
       <p:sp>
         <p:nvSpPr>
-          <p:cNvPr id="2" name="标题 1">
-            <a:extLst>
-              <a:ext uri="{FF2B5EF4-FFF2-40B4-BE49-F238E27FC236}">
-                <a16:creationId xmlns:a16="http://schemas.microsoft.com/office/drawing/2014/main" id="{BAC65B7A-E284-9A72-59B4-A639064D9ABB}"/>
-              </a:ext>
-            </a:extLst>
-          </p:cNvPr>
+          <p:cNvPr id="2" name="标题 1"/>
           <p:cNvSpPr>
             <a:spLocks noGrp="1"/>
           </p:cNvSpPr>
@@ -2209,18 +1911,13 @@
               <a:rPr lang="zh-CN" altLang="en-US"/>
               <a:t>单击此处编辑母版标题样式</a:t>
             </a:r>
-          </a:p>
-        </p:txBody>
-      </p:sp>
-      <p:sp>
-        <p:nvSpPr>
-          <p:cNvPr id="3" name="内容占位符 2">
-            <a:extLst>
-              <a:ext uri="{FF2B5EF4-FFF2-40B4-BE49-F238E27FC236}">
-                <a16:creationId xmlns:a16="http://schemas.microsoft.com/office/drawing/2014/main" id="{508D9E50-07CB-8532-0607-9C384A3B7B3A}"/>
-              </a:ext>
-            </a:extLst>
-          </p:cNvPr>
+            <a:endParaRPr lang="zh-CN" altLang="en-US"/>
+          </a:p>
+        </p:txBody>
+      </p:sp>
+      <p:sp>
+        <p:nvSpPr>
+          <p:cNvPr id="3" name="内容占位符 2"/>
           <p:cNvSpPr>
             <a:spLocks noGrp="1"/>
           </p:cNvSpPr>
@@ -2271,6 +1968,7 @@
               <a:rPr lang="zh-CN" altLang="en-US"/>
               <a:t>单击此处编辑母版文本样式</a:t>
             </a:r>
+            <a:endParaRPr lang="zh-CN" altLang="en-US"/>
           </a:p>
           <a:p>
             <a:pPr lvl="1"/>
@@ -2278,6 +1976,7 @@
               <a:rPr lang="zh-CN" altLang="en-US"/>
               <a:t>二级</a:t>
             </a:r>
+            <a:endParaRPr lang="zh-CN" altLang="en-US"/>
           </a:p>
           <a:p>
             <a:pPr lvl="2"/>
@@ -2285,6 +1984,7 @@
               <a:rPr lang="zh-CN" altLang="en-US"/>
               <a:t>三级</a:t>
             </a:r>
+            <a:endParaRPr lang="zh-CN" altLang="en-US"/>
           </a:p>
           <a:p>
             <a:pPr lvl="3"/>
@@ -2292,6 +1992,7 @@
               <a:rPr lang="zh-CN" altLang="en-US"/>
               <a:t>四级</a:t>
             </a:r>
+            <a:endParaRPr lang="zh-CN" altLang="en-US"/>
           </a:p>
           <a:p>
             <a:pPr lvl="4"/>
@@ -2299,18 +2000,13 @@
               <a:rPr lang="zh-CN" altLang="en-US"/>
               <a:t>五级</a:t>
             </a:r>
-          </a:p>
-        </p:txBody>
-      </p:sp>
-      <p:sp>
-        <p:nvSpPr>
-          <p:cNvPr id="4" name="文本占位符 3">
-            <a:extLst>
-              <a:ext uri="{FF2B5EF4-FFF2-40B4-BE49-F238E27FC236}">
-                <a16:creationId xmlns:a16="http://schemas.microsoft.com/office/drawing/2014/main" id="{64462028-B212-7878-8E41-5816FC8FBD5D}"/>
-              </a:ext>
-            </a:extLst>
-          </p:cNvPr>
+            <a:endParaRPr lang="zh-CN" altLang="en-US"/>
+          </a:p>
+        </p:txBody>
+      </p:sp>
+      <p:sp>
+        <p:nvSpPr>
+          <p:cNvPr id="4" name="文本占位符 3"/>
           <p:cNvSpPr>
             <a:spLocks noGrp="1"/>
           </p:cNvSpPr>
@@ -2370,18 +2066,13 @@
               <a:rPr lang="zh-CN" altLang="en-US"/>
               <a:t>单击此处编辑母版文本样式</a:t>
             </a:r>
-          </a:p>
-        </p:txBody>
-      </p:sp>
-      <p:sp>
-        <p:nvSpPr>
-          <p:cNvPr id="5" name="日期占位符 4">
-            <a:extLst>
-              <a:ext uri="{FF2B5EF4-FFF2-40B4-BE49-F238E27FC236}">
-                <a16:creationId xmlns:a16="http://schemas.microsoft.com/office/drawing/2014/main" id="{22E09707-FCDE-D799-0760-5763BDF310DE}"/>
-              </a:ext>
-            </a:extLst>
-          </p:cNvPr>
+            <a:endParaRPr lang="zh-CN" altLang="en-US"/>
+          </a:p>
+        </p:txBody>
+      </p:sp>
+      <p:sp>
+        <p:nvSpPr>
+          <p:cNvPr id="5" name="日期占位符 4"/>
           <p:cNvSpPr>
             <a:spLocks noGrp="1"/>
           </p:cNvSpPr>
@@ -2396,7 +2087,6 @@
           <a:p>
             <a:fld id="{5F436CC1-8A58-4025-8674-AC4643FC1143}" type="datetimeFigureOut">
               <a:rPr lang="zh-CN" altLang="en-US" smtClean="0"/>
-              <a:t>2024/5/13</a:t>
             </a:fld>
             <a:endParaRPr lang="zh-CN" altLang="en-US"/>
           </a:p>
@@ -2404,13 +2094,7 @@
       </p:sp>
       <p:sp>
         <p:nvSpPr>
-          <p:cNvPr id="6" name="页脚占位符 5">
-            <a:extLst>
-              <a:ext uri="{FF2B5EF4-FFF2-40B4-BE49-F238E27FC236}">
-                <a16:creationId xmlns:a16="http://schemas.microsoft.com/office/drawing/2014/main" id="{F62FE11D-2BE8-201F-AFCF-C0D77DAF5AC1}"/>
-              </a:ext>
-            </a:extLst>
-          </p:cNvPr>
+          <p:cNvPr id="6" name="页脚占位符 5"/>
           <p:cNvSpPr>
             <a:spLocks noGrp="1"/>
           </p:cNvSpPr>
@@ -2429,13 +2113,7 @@
       </p:sp>
       <p:sp>
         <p:nvSpPr>
-          <p:cNvPr id="7" name="灯片编号占位符 6">
-            <a:extLst>
-              <a:ext uri="{FF2B5EF4-FFF2-40B4-BE49-F238E27FC236}">
-                <a16:creationId xmlns:a16="http://schemas.microsoft.com/office/drawing/2014/main" id="{11BD1164-87AB-AE6B-0CF2-CB9DA31AECD9}"/>
-              </a:ext>
-            </a:extLst>
-          </p:cNvPr>
+          <p:cNvPr id="7" name="灯片编号占位符 6"/>
           <p:cNvSpPr>
             <a:spLocks noGrp="1"/>
           </p:cNvSpPr>
@@ -2450,18 +2128,12 @@
           <a:p>
             <a:fld id="{DC94044A-7ABA-45EB-8F13-95CB6439284F}" type="slidenum">
               <a:rPr lang="zh-CN" altLang="en-US" smtClean="0"/>
-              <a:t>‹#›</a:t>
             </a:fld>
             <a:endParaRPr lang="zh-CN" altLang="en-US"/>
           </a:p>
         </p:txBody>
       </p:sp>
     </p:spTree>
-    <p:extLst>
-      <p:ext uri="{BB962C8B-B14F-4D97-AF65-F5344CB8AC3E}">
-        <p14:creationId xmlns:p14="http://schemas.microsoft.com/office/powerpoint/2010/main" val="984792250"/>
-      </p:ext>
-    </p:extLst>
   </p:cSld>
   <p:clrMapOvr>
     <a:masterClrMapping/>
@@ -2488,13 +2160,7 @@
       </p:grpSpPr>
       <p:sp>
         <p:nvSpPr>
-          <p:cNvPr id="2" name="标题 1">
-            <a:extLst>
-              <a:ext uri="{FF2B5EF4-FFF2-40B4-BE49-F238E27FC236}">
-                <a16:creationId xmlns:a16="http://schemas.microsoft.com/office/drawing/2014/main" id="{96A223D0-95CC-D3D0-3FE0-15CD54FBF5F1}"/>
-              </a:ext>
-            </a:extLst>
-          </p:cNvPr>
+          <p:cNvPr id="2" name="标题 1"/>
           <p:cNvSpPr>
             <a:spLocks noGrp="1"/>
           </p:cNvSpPr>
@@ -2520,18 +2186,13 @@
               <a:rPr lang="zh-CN" altLang="en-US"/>
               <a:t>单击此处编辑母版标题样式</a:t>
             </a:r>
-          </a:p>
-        </p:txBody>
-      </p:sp>
-      <p:sp>
-        <p:nvSpPr>
-          <p:cNvPr id="3" name="图片占位符 2">
-            <a:extLst>
-              <a:ext uri="{FF2B5EF4-FFF2-40B4-BE49-F238E27FC236}">
-                <a16:creationId xmlns:a16="http://schemas.microsoft.com/office/drawing/2014/main" id="{55A07E46-8B53-773D-7E61-DEED1BF38A15}"/>
-              </a:ext>
-            </a:extLst>
-          </p:cNvPr>
+            <a:endParaRPr lang="zh-CN" altLang="en-US"/>
+          </a:p>
+        </p:txBody>
+      </p:sp>
+      <p:sp>
+        <p:nvSpPr>
+          <p:cNvPr id="3" name="图片占位符 2"/>
           <p:cNvSpPr>
             <a:spLocks noGrp="1"/>
           </p:cNvSpPr>
@@ -2592,13 +2253,7 @@
       </p:sp>
       <p:sp>
         <p:nvSpPr>
-          <p:cNvPr id="4" name="文本占位符 3">
-            <a:extLst>
-              <a:ext uri="{FF2B5EF4-FFF2-40B4-BE49-F238E27FC236}">
-                <a16:creationId xmlns:a16="http://schemas.microsoft.com/office/drawing/2014/main" id="{A76A8AF5-A3EA-DB81-F446-10D0C314C6B2}"/>
-              </a:ext>
-            </a:extLst>
-          </p:cNvPr>
+          <p:cNvPr id="4" name="文本占位符 3"/>
           <p:cNvSpPr>
             <a:spLocks noGrp="1"/>
           </p:cNvSpPr>
@@ -2658,18 +2313,13 @@
               <a:rPr lang="zh-CN" altLang="en-US"/>
               <a:t>单击此处编辑母版文本样式</a:t>
             </a:r>
-          </a:p>
-        </p:txBody>
-      </p:sp>
-      <p:sp>
-        <p:nvSpPr>
-          <p:cNvPr id="5" name="日期占位符 4">
-            <a:extLst>
-              <a:ext uri="{FF2B5EF4-FFF2-40B4-BE49-F238E27FC236}">
-                <a16:creationId xmlns:a16="http://schemas.microsoft.com/office/drawing/2014/main" id="{BF28D9BE-239B-3837-E361-12E8F5A363F1}"/>
-              </a:ext>
-            </a:extLst>
-          </p:cNvPr>
+            <a:endParaRPr lang="zh-CN" altLang="en-US"/>
+          </a:p>
+        </p:txBody>
+      </p:sp>
+      <p:sp>
+        <p:nvSpPr>
+          <p:cNvPr id="5" name="日期占位符 4"/>
           <p:cNvSpPr>
             <a:spLocks noGrp="1"/>
           </p:cNvSpPr>
@@ -2684,7 +2334,6 @@
           <a:p>
             <a:fld id="{5F436CC1-8A58-4025-8674-AC4643FC1143}" type="datetimeFigureOut">
               <a:rPr lang="zh-CN" altLang="en-US" smtClean="0"/>
-              <a:t>2024/5/13</a:t>
             </a:fld>
             <a:endParaRPr lang="zh-CN" altLang="en-US"/>
           </a:p>
@@ -2692,13 +2341,7 @@
       </p:sp>
       <p:sp>
         <p:nvSpPr>
-          <p:cNvPr id="6" name="页脚占位符 5">
-            <a:extLst>
-              <a:ext uri="{FF2B5EF4-FFF2-40B4-BE49-F238E27FC236}">
-                <a16:creationId xmlns:a16="http://schemas.microsoft.com/office/drawing/2014/main" id="{32F9AAA2-4CD9-9905-781F-C98D462E020B}"/>
-              </a:ext>
-            </a:extLst>
-          </p:cNvPr>
+          <p:cNvPr id="6" name="页脚占位符 5"/>
           <p:cNvSpPr>
             <a:spLocks noGrp="1"/>
           </p:cNvSpPr>
@@ -2717,13 +2360,7 @@
       </p:sp>
       <p:sp>
         <p:nvSpPr>
-          <p:cNvPr id="7" name="灯片编号占位符 6">
-            <a:extLst>
-              <a:ext uri="{FF2B5EF4-FFF2-40B4-BE49-F238E27FC236}">
-                <a16:creationId xmlns:a16="http://schemas.microsoft.com/office/drawing/2014/main" id="{4B604C98-95CF-D224-1DC4-ABAAE1207588}"/>
-              </a:ext>
-            </a:extLst>
-          </p:cNvPr>
+          <p:cNvPr id="7" name="灯片编号占位符 6"/>
           <p:cNvSpPr>
             <a:spLocks noGrp="1"/>
           </p:cNvSpPr>
@@ -2738,18 +2375,12 @@
           <a:p>
             <a:fld id="{DC94044A-7ABA-45EB-8F13-95CB6439284F}" type="slidenum">
               <a:rPr lang="zh-CN" altLang="en-US" smtClean="0"/>
-              <a:t>‹#›</a:t>
             </a:fld>
             <a:endParaRPr lang="zh-CN" altLang="en-US"/>
           </a:p>
         </p:txBody>
       </p:sp>
     </p:spTree>
-    <p:extLst>
-      <p:ext uri="{BB962C8B-B14F-4D97-AF65-F5344CB8AC3E}">
-        <p14:creationId xmlns:p14="http://schemas.microsoft.com/office/powerpoint/2010/main" val="2006995963"/>
-      </p:ext>
-    </p:extLst>
   </p:cSld>
   <p:clrMapOvr>
     <a:masterClrMapping/>
@@ -2781,13 +2412,7 @@
       </p:grpSpPr>
       <p:sp>
         <p:nvSpPr>
-          <p:cNvPr id="2" name="标题占位符 1">
-            <a:extLst>
-              <a:ext uri="{FF2B5EF4-FFF2-40B4-BE49-F238E27FC236}">
-                <a16:creationId xmlns:a16="http://schemas.microsoft.com/office/drawing/2014/main" id="{4E84ACAA-CD4F-31F6-0CE4-9AB7D17937B1}"/>
-              </a:ext>
-            </a:extLst>
-          </p:cNvPr>
+          <p:cNvPr id="2" name="标题占位符 1"/>
           <p:cNvSpPr>
             <a:spLocks noGrp="1"/>
           </p:cNvSpPr>
@@ -2814,18 +2439,13 @@
               <a:rPr lang="zh-CN" altLang="en-US"/>
               <a:t>单击此处编辑母版标题样式</a:t>
             </a:r>
-          </a:p>
-        </p:txBody>
-      </p:sp>
-      <p:sp>
-        <p:nvSpPr>
-          <p:cNvPr id="3" name="文本占位符 2">
-            <a:extLst>
-              <a:ext uri="{FF2B5EF4-FFF2-40B4-BE49-F238E27FC236}">
-                <a16:creationId xmlns:a16="http://schemas.microsoft.com/office/drawing/2014/main" id="{9825A305-F5BF-1504-C443-F3B32B8E21D4}"/>
-              </a:ext>
-            </a:extLst>
-          </p:cNvPr>
+            <a:endParaRPr lang="zh-CN" altLang="en-US"/>
+          </a:p>
+        </p:txBody>
+      </p:sp>
+      <p:sp>
+        <p:nvSpPr>
+          <p:cNvPr id="3" name="文本占位符 2"/>
           <p:cNvSpPr>
             <a:spLocks noGrp="1"/>
           </p:cNvSpPr>
@@ -2853,6 +2473,7 @@
               <a:rPr lang="zh-CN" altLang="en-US"/>
               <a:t>单击此处编辑母版文本样式</a:t>
             </a:r>
+            <a:endParaRPr lang="zh-CN" altLang="en-US"/>
           </a:p>
           <a:p>
             <a:pPr lvl="1"/>
@@ -2860,6 +2481,7 @@
               <a:rPr lang="zh-CN" altLang="en-US"/>
               <a:t>二级</a:t>
             </a:r>
+            <a:endParaRPr lang="zh-CN" altLang="en-US"/>
           </a:p>
           <a:p>
             <a:pPr lvl="2"/>
@@ -2867,6 +2489,7 @@
               <a:rPr lang="zh-CN" altLang="en-US"/>
               <a:t>三级</a:t>
             </a:r>
+            <a:endParaRPr lang="zh-CN" altLang="en-US"/>
           </a:p>
           <a:p>
             <a:pPr lvl="3"/>
@@ -2874,6 +2497,7 @@
               <a:rPr lang="zh-CN" altLang="en-US"/>
               <a:t>四级</a:t>
             </a:r>
+            <a:endParaRPr lang="zh-CN" altLang="en-US"/>
           </a:p>
           <a:p>
             <a:pPr lvl="4"/>
@@ -2881,18 +2505,13 @@
               <a:rPr lang="zh-CN" altLang="en-US"/>
               <a:t>五级</a:t>
             </a:r>
-          </a:p>
-        </p:txBody>
-      </p:sp>
-      <p:sp>
-        <p:nvSpPr>
-          <p:cNvPr id="4" name="日期占位符 3">
-            <a:extLst>
-              <a:ext uri="{FF2B5EF4-FFF2-40B4-BE49-F238E27FC236}">
-                <a16:creationId xmlns:a16="http://schemas.microsoft.com/office/drawing/2014/main" id="{9A429397-836D-4DAD-0C16-37ACCE808E8A}"/>
-              </a:ext>
-            </a:extLst>
-          </p:cNvPr>
+            <a:endParaRPr lang="zh-CN" altLang="en-US"/>
+          </a:p>
+        </p:txBody>
+      </p:sp>
+      <p:sp>
+        <p:nvSpPr>
+          <p:cNvPr id="4" name="日期占位符 3"/>
           <p:cNvSpPr>
             <a:spLocks noGrp="1"/>
           </p:cNvSpPr>
@@ -2925,7 +2544,6 @@
           <a:p>
             <a:fld id="{5F436CC1-8A58-4025-8674-AC4643FC1143}" type="datetimeFigureOut">
               <a:rPr lang="zh-CN" altLang="en-US" smtClean="0"/>
-              <a:t>2024/5/13</a:t>
             </a:fld>
             <a:endParaRPr lang="zh-CN" altLang="en-US"/>
           </a:p>
@@ -2933,13 +2551,7 @@
       </p:sp>
       <p:sp>
         <p:nvSpPr>
-          <p:cNvPr id="5" name="页脚占位符 4">
-            <a:extLst>
-              <a:ext uri="{FF2B5EF4-FFF2-40B4-BE49-F238E27FC236}">
-                <a16:creationId xmlns:a16="http://schemas.microsoft.com/office/drawing/2014/main" id="{A1AC1DDB-EAE2-E5DB-E682-1EAD44472B00}"/>
-              </a:ext>
-            </a:extLst>
-          </p:cNvPr>
+          <p:cNvPr id="5" name="页脚占位符 4"/>
           <p:cNvSpPr>
             <a:spLocks noGrp="1"/>
           </p:cNvSpPr>
@@ -2976,13 +2588,7 @@
       </p:sp>
       <p:sp>
         <p:nvSpPr>
-          <p:cNvPr id="6" name="灯片编号占位符 5">
-            <a:extLst>
-              <a:ext uri="{FF2B5EF4-FFF2-40B4-BE49-F238E27FC236}">
-                <a16:creationId xmlns:a16="http://schemas.microsoft.com/office/drawing/2014/main" id="{ACB4042B-AA3E-7214-B3EB-9EE828C1549E}"/>
-              </a:ext>
-            </a:extLst>
-          </p:cNvPr>
+          <p:cNvPr id="6" name="灯片编号占位符 5"/>
           <p:cNvSpPr>
             <a:spLocks noGrp="1"/>
           </p:cNvSpPr>
@@ -3015,18 +2621,12 @@
           <a:p>
             <a:fld id="{DC94044A-7ABA-45EB-8F13-95CB6439284F}" type="slidenum">
               <a:rPr lang="zh-CN" altLang="en-US" smtClean="0"/>
-              <a:t>‹#›</a:t>
             </a:fld>
             <a:endParaRPr lang="zh-CN" altLang="en-US"/>
           </a:p>
         </p:txBody>
       </p:sp>
     </p:spTree>
-    <p:extLst>
-      <p:ext uri="{BB962C8B-B14F-4D97-AF65-F5344CB8AC3E}">
-        <p14:creationId xmlns:p14="http://schemas.microsoft.com/office/powerpoint/2010/main" val="185903762"/>
-      </p:ext>
-    </p:extLst>
   </p:cSld>
   <p:clrMap bg1="lt1" tx1="dk1" bg2="lt2" tx2="dk2" accent1="accent1" accent2="accent2" accent3="accent3" accent4="accent4" accent5="accent5" accent6="accent6" hlink="hlink" folHlink="folHlink"/>
   <p:sldLayoutIdLst>
@@ -3070,7 +2670,7 @@
         <a:spcBef>
           <a:spcPts val="1000"/>
         </a:spcBef>
-        <a:buFont typeface="Arial" panose="020B0604020202020204" pitchFamily="34" charset="0"/>
+        <a:buFont typeface="Arial" panose="020B0604020202090204" pitchFamily="34" charset="0"/>
         <a:buChar char="•"/>
         <a:defRPr sz="2800" kern="1200">
           <a:solidFill>
@@ -3088,7 +2688,7 @@
         <a:spcBef>
           <a:spcPts val="500"/>
         </a:spcBef>
-        <a:buFont typeface="Arial" panose="020B0604020202020204" pitchFamily="34" charset="0"/>
+        <a:buFont typeface="Arial" panose="020B0604020202090204" pitchFamily="34" charset="0"/>
         <a:buChar char="•"/>
         <a:defRPr sz="2400" kern="1200">
           <a:solidFill>
@@ -3106,7 +2706,7 @@
         <a:spcBef>
           <a:spcPts val="500"/>
         </a:spcBef>
-        <a:buFont typeface="Arial" panose="020B0604020202020204" pitchFamily="34" charset="0"/>
+        <a:buFont typeface="Arial" panose="020B0604020202090204" pitchFamily="34" charset="0"/>
         <a:buChar char="•"/>
         <a:defRPr sz="2000" kern="1200">
           <a:solidFill>
@@ -3124,7 +2724,7 @@
         <a:spcBef>
           <a:spcPts val="500"/>
         </a:spcBef>
-        <a:buFont typeface="Arial" panose="020B0604020202020204" pitchFamily="34" charset="0"/>
+        <a:buFont typeface="Arial" panose="020B0604020202090204" pitchFamily="34" charset="0"/>
         <a:buChar char="•"/>
         <a:defRPr sz="1800" kern="1200">
           <a:solidFill>
@@ -3142,7 +2742,7 @@
         <a:spcBef>
           <a:spcPts val="500"/>
         </a:spcBef>
-        <a:buFont typeface="Arial" panose="020B0604020202020204" pitchFamily="34" charset="0"/>
+        <a:buFont typeface="Arial" panose="020B0604020202090204" pitchFamily="34" charset="0"/>
         <a:buChar char="•"/>
         <a:defRPr sz="1800" kern="1200">
           <a:solidFill>
@@ -3160,7 +2760,7 @@
         <a:spcBef>
           <a:spcPts val="500"/>
         </a:spcBef>
-        <a:buFont typeface="Arial" panose="020B0604020202020204" pitchFamily="34" charset="0"/>
+        <a:buFont typeface="Arial" panose="020B0604020202090204" pitchFamily="34" charset="0"/>
         <a:buChar char="•"/>
         <a:defRPr sz="1800" kern="1200">
           <a:solidFill>
@@ -3178,7 +2778,7 @@
         <a:spcBef>
           <a:spcPts val="500"/>
         </a:spcBef>
-        <a:buFont typeface="Arial" panose="020B0604020202020204" pitchFamily="34" charset="0"/>
+        <a:buFont typeface="Arial" panose="020B0604020202090204" pitchFamily="34" charset="0"/>
         <a:buChar char="•"/>
         <a:defRPr sz="1800" kern="1200">
           <a:solidFill>
@@ -3196,7 +2796,7 @@
         <a:spcBef>
           <a:spcPts val="500"/>
         </a:spcBef>
-        <a:buFont typeface="Arial" panose="020B0604020202020204" pitchFamily="34" charset="0"/>
+        <a:buFont typeface="Arial" panose="020B0604020202090204" pitchFamily="34" charset="0"/>
         <a:buChar char="•"/>
         <a:defRPr sz="1800" kern="1200">
           <a:solidFill>
@@ -3214,7 +2814,7 @@
         <a:spcBef>
           <a:spcPts val="500"/>
         </a:spcBef>
-        <a:buFont typeface="Arial" panose="020B0604020202020204" pitchFamily="34" charset="0"/>
+        <a:buFont typeface="Arial" panose="020B0604020202090204" pitchFamily="34" charset="0"/>
         <a:buChar char="•"/>
         <a:defRPr sz="1800" kern="1200">
           <a:solidFill>
@@ -3344,13 +2944,7 @@
       </p:grpSpPr>
       <p:sp>
         <p:nvSpPr>
-          <p:cNvPr id="3" name="内容占位符 2">
-            <a:extLst>
-              <a:ext uri="{FF2B5EF4-FFF2-40B4-BE49-F238E27FC236}">
-                <a16:creationId xmlns:a16="http://schemas.microsoft.com/office/drawing/2014/main" id="{2A5B09C6-B8EC-A0C8-23EF-448E6308F2BC}"/>
-              </a:ext>
-            </a:extLst>
-          </p:cNvPr>
+          <p:cNvPr id="3" name="内容占位符 2"/>
           <p:cNvSpPr>
             <a:spLocks noGrp="1"/>
           </p:cNvSpPr>
@@ -3371,45 +2965,42 @@
           <a:lstStyle/>
           <a:p>
             <a:r>
-              <a:rPr lang="en-US" altLang="zh-CN" dirty="0"/>
+              <a:rPr lang="en-US" altLang="zh-CN" sz="2400" dirty="0"/>
               <a:t>SEAM - An Optimal Message Synchronizer in ROS with Well-Bounded Time Disparity</a:t>
             </a:r>
             <a:r>
-              <a:rPr lang="zh-CN" altLang="en-US" dirty="0"/>
+              <a:rPr lang="zh-CN" altLang="en-US" sz="2400" dirty="0"/>
               <a:t>（</a:t>
             </a:r>
             <a:r>
-              <a:rPr lang="en-US" altLang="zh-CN" dirty="0"/>
+              <a:rPr lang="en-US" altLang="zh-CN" sz="2400" dirty="0"/>
               <a:t>RTSS2023</a:t>
             </a:r>
             <a:r>
-              <a:rPr lang="zh-CN" altLang="en-US" dirty="0"/>
+              <a:rPr lang="zh-CN" altLang="en-US" sz="2400" dirty="0"/>
               <a:t>）</a:t>
             </a:r>
-            <a:endParaRPr lang="en-US" altLang="zh-CN" dirty="0"/>
-          </a:p>
-          <a:p>
-            <a:r>
-              <a:rPr lang="en-US" altLang="zh-CN" sz="2400" dirty="0"/>
-              <a:t>The message synchronization mechanism in ROS 2 has been improved to support multi-sensor data fusion and ensure time consistency (simply put, the earliest is synchronized within a certain range)</a:t>
-            </a:r>
-          </a:p>
-          <a:p>
-            <a:r>
-              <a:rPr lang="en-US" altLang="zh-CN" sz="2400" dirty="0"/>
+            <a:endParaRPr lang="en-US" altLang="zh-CN" sz="2400" dirty="0"/>
+          </a:p>
+          <a:p>
+            <a:r>
+              <a:rPr lang="en-US" altLang="zh-CN" sz="2000" dirty="0"/>
+              <a:t>The message synchronization mechanism in ROS 2 has been improved to support multi-sensor data fusion and ensure time consistency (simply put, the earliest</a:t>
+            </a:r>
+            <a:r>
+              <a:rPr lang="zh-CN" altLang="en-US" sz="2000" dirty="0"/>
+              <a:t> </a:t>
+            </a:r>
+            <a:r>
+              <a:rPr lang="en-US" altLang="zh-CN" sz="2000" dirty="0"/>
+              <a:t>message is synchronized within a certain range)</a:t>
+            </a:r>
+            <a:endParaRPr lang="en-US" altLang="zh-CN" sz="2000" dirty="0"/>
+          </a:p>
+          <a:p>
+            <a:r>
+              <a:rPr lang="en-US" altLang="zh-CN" sz="2000" dirty="0"/>
               <a:t>Traditional message synchronization </a:t>
-            </a:r>
-            <a:r>
-              <a:rPr lang="zh-CN" altLang="en-US" sz="2400" dirty="0"/>
-              <a:t>：</a:t>
-            </a:r>
-            <a:endParaRPr lang="en-US" altLang="zh-CN" sz="2400" dirty="0"/>
-          </a:p>
-          <a:p>
-            <a:pPr lvl="1"/>
-            <a:r>
-              <a:rPr lang="en-US" altLang="zh-CN" sz="2000" dirty="0" err="1"/>
-              <a:t>ExactTime</a:t>
             </a:r>
             <a:r>
               <a:rPr lang="zh-CN" altLang="en-US" sz="2000" dirty="0"/>
@@ -3418,95 +3009,155 @@
             <a:endParaRPr lang="en-US" altLang="zh-CN" sz="2000" dirty="0"/>
           </a:p>
           <a:p>
+            <a:pPr lvl="1"/>
+            <a:r>
+              <a:rPr lang="en-US" altLang="zh-CN" sz="1800" dirty="0" err="1"/>
+              <a:t>ExactTime</a:t>
+            </a:r>
+            <a:r>
+              <a:rPr lang="zh-CN" altLang="en-US" sz="1800" dirty="0"/>
+              <a:t>：</a:t>
+            </a:r>
+            <a:endParaRPr lang="en-US" altLang="zh-CN" sz="1800" dirty="0"/>
+          </a:p>
+          <a:p>
             <a:pPr lvl="2"/>
             <a:r>
+              <a:rPr lang="en-US" altLang="zh-CN" sz="1600" dirty="0"/>
+              <a:t>Messages with exactly the same timestamps are selected for synchronization to form an output message set, while other messages that are not strictly synchronized are discarded.</a:t>
+            </a:r>
+            <a:endParaRPr lang="en-US" altLang="zh-CN" sz="1600" dirty="0"/>
+          </a:p>
+          <a:p>
+            <a:pPr lvl="2"/>
+            <a:r>
+              <a:rPr lang="en-US" altLang="zh-CN" sz="1600" dirty="0"/>
+              <a:t>Too strict and difficult to achieve</a:t>
+            </a:r>
+            <a:endParaRPr lang="en-US" altLang="zh-CN" sz="1600" dirty="0"/>
+          </a:p>
+          <a:p>
+            <a:pPr lvl="1"/>
+            <a:r>
+              <a:rPr lang="en-US" altLang="zh-CN" sz="1800" dirty="0" err="1"/>
+              <a:t>ApproximateTime</a:t>
+            </a:r>
+            <a:r>
+              <a:rPr lang="zh-CN" altLang="en-US" sz="1800" dirty="0"/>
+              <a:t>，</a:t>
+            </a:r>
+            <a:endParaRPr lang="en-US" altLang="zh-CN" sz="1800" dirty="0"/>
+          </a:p>
+          <a:p>
+            <a:pPr lvl="2"/>
+            <a:r>
+              <a:rPr lang="en-US" altLang="zh-CN" sz="1600" dirty="0"/>
+              <a:t>Select the message output set by predicting arrival time</a:t>
+            </a:r>
+            <a:r>
+              <a:rPr lang="zh-CN" altLang="en-US" sz="1600" dirty="0"/>
+              <a:t> （</a:t>
+            </a:r>
+            <a:r>
+              <a:rPr lang="it-IT" altLang="zh-CN" sz="1600" dirty="0"/>
+              <a:t> </a:t>
+            </a:r>
+            <a:r>
+              <a:rPr lang="it-IT" altLang="zh-CN" sz="1600" dirty="0" err="1"/>
+              <a:t>Predict</a:t>
+            </a:r>
+            <a:r>
+              <a:rPr lang="it-IT" altLang="zh-CN" sz="1600" dirty="0"/>
+              <a:t> the time of the </a:t>
+            </a:r>
+            <a:r>
+              <a:rPr lang="it-IT" altLang="zh-CN" sz="1600" dirty="0" err="1"/>
+              <a:t>next</a:t>
+            </a:r>
+            <a:r>
+              <a:rPr lang="it-IT" altLang="zh-CN" sz="1600" dirty="0"/>
+              <a:t> </a:t>
+            </a:r>
+            <a:r>
+              <a:rPr lang="it-IT" altLang="zh-CN" sz="1600" dirty="0" err="1"/>
+              <a:t>message</a:t>
+            </a:r>
+            <a:r>
+              <a:rPr lang="it-IT" altLang="zh-CN" sz="1600" dirty="0"/>
+              <a:t> and </a:t>
+            </a:r>
+            <a:r>
+              <a:rPr lang="it-IT" altLang="zh-CN" sz="1600" dirty="0" err="1"/>
+              <a:t>calculate</a:t>
+            </a:r>
+            <a:r>
+              <a:rPr lang="it-IT" altLang="zh-CN" sz="1600" dirty="0"/>
+              <a:t> the time </a:t>
+            </a:r>
+            <a:r>
+              <a:rPr lang="it-IT" altLang="zh-CN" sz="1600" dirty="0" err="1"/>
+              <a:t>difference</a:t>
+            </a:r>
+            <a:r>
+              <a:rPr lang="it-IT" altLang="zh-CN" sz="1600" dirty="0"/>
+              <a:t> </a:t>
+            </a:r>
+            <a:r>
+              <a:rPr lang="zh-CN" altLang="en-US" sz="1600" dirty="0"/>
+              <a:t>）</a:t>
+            </a:r>
+            <a:endParaRPr lang="en-US" altLang="zh-CN" sz="1600" dirty="0"/>
+          </a:p>
+          <a:p>
+            <a:pPr lvl="2"/>
+            <a:r>
+              <a:rPr lang="en-US" altLang="zh-CN" sz="1600" dirty="0"/>
+              <a:t>Rely heavily on prediction, failure of prediction will lead to serious consequences for subsequent synchronization</a:t>
+            </a:r>
+            <a:r>
+              <a:rPr lang="zh-CN" altLang="en-US" sz="1600" dirty="0"/>
+              <a:t> </a:t>
+            </a:r>
+            <a:endParaRPr lang="zh-CN" altLang="en-US" sz="1600" dirty="0"/>
+          </a:p>
+          <a:p>
+            <a:r>
+              <a:rPr lang="en-US" altLang="zh-CN" sz="2000" dirty="0"/>
+              <a:t>SEAM</a:t>
+            </a:r>
+            <a:r>
+              <a:rPr lang="zh-CN" altLang="en-US" sz="2000" dirty="0"/>
+              <a:t>：</a:t>
+            </a:r>
+            <a:endParaRPr lang="en-US" altLang="zh-CN" sz="2000" dirty="0"/>
+          </a:p>
+          <a:p>
+            <a:pPr lvl="1"/>
+            <a:r>
               <a:rPr lang="en-US" altLang="zh-CN" sz="1800" dirty="0"/>
-              <a:t>Messages with exactly the same timestamps are selected for synchronization to form an output message set, while other messages that are not strictly synchronized are discarded.</a:t>
-            </a:r>
+              <a:t>It does not rely on strict synchronization, does not rely on prediction, has a small amount of calculation, and is proven to be the optimal synchronization strategy. </a:t>
+            </a:r>
+            <a:endParaRPr lang="en-US" altLang="zh-CN" sz="1800" dirty="0"/>
           </a:p>
           <a:p>
             <a:pPr lvl="2"/>
             <a:r>
+              <a:rPr lang="en-US" altLang="zh-CN" sz="1600" dirty="0"/>
+              <a:t> For message sequences, the synchronization algorithm that generates more valid messages within a certain period of time is more optimal.</a:t>
+            </a:r>
+            <a:endParaRPr lang="en-US" altLang="zh-CN" sz="1600" dirty="0"/>
+          </a:p>
+          <a:p>
+            <a:pPr lvl="1"/>
+            <a:r>
               <a:rPr lang="en-US" altLang="zh-CN" sz="1800" dirty="0"/>
-              <a:t>Too strict and difficult to achieve</a:t>
-            </a:r>
-          </a:p>
-          <a:p>
-            <a:pPr lvl="1"/>
-            <a:r>
-              <a:rPr lang="en-US" altLang="zh-CN" sz="2000" dirty="0" err="1"/>
-              <a:t>ApproximateTime</a:t>
-            </a:r>
-            <a:r>
-              <a:rPr lang="zh-CN" altLang="en-US" sz="2000" dirty="0"/>
-              <a:t>，</a:t>
-            </a:r>
-            <a:endParaRPr lang="en-US" altLang="zh-CN" sz="2000" dirty="0"/>
-          </a:p>
-          <a:p>
-            <a:pPr lvl="2"/>
-            <a:r>
-              <a:rPr lang="en-US" altLang="zh-CN" sz="1800" dirty="0"/>
-              <a:t>Select the message output set by predicting arrival time</a:t>
-            </a:r>
-            <a:r>
-              <a:rPr lang="zh-CN" altLang="en-US" sz="1800" dirty="0"/>
-              <a:t> </a:t>
-            </a:r>
-            <a:endParaRPr lang="en-US" altLang="zh-CN" sz="1800" dirty="0"/>
-          </a:p>
-          <a:p>
-            <a:pPr lvl="2"/>
-            <a:r>
-              <a:rPr lang="en-US" altLang="zh-CN" sz="1800" dirty="0"/>
-              <a:t>Rely heavily on prediction, failure of prediction will lead to serious consequences for subsequent synchronization</a:t>
-            </a:r>
-            <a:r>
-              <a:rPr lang="zh-CN" altLang="en-US" sz="1800" dirty="0"/>
-              <a:t> </a:t>
-            </a:r>
-          </a:p>
-          <a:p>
-            <a:r>
-              <a:rPr lang="en-US" altLang="zh-CN" sz="2400" dirty="0"/>
-              <a:t>SEAM</a:t>
-            </a:r>
-            <a:r>
-              <a:rPr lang="zh-CN" altLang="en-US" sz="2400" dirty="0"/>
-              <a:t>：</a:t>
-            </a:r>
-            <a:endParaRPr lang="en-US" altLang="zh-CN" sz="2400" dirty="0"/>
-          </a:p>
-          <a:p>
-            <a:pPr lvl="1"/>
-            <a:r>
-              <a:rPr lang="en-US" altLang="zh-CN" sz="2000" dirty="0"/>
-              <a:t>It does not rely on strict synchronization, does not rely on prediction, has a small amount of calculation, and is proven to be the optimal synchronization strategy. </a:t>
-            </a:r>
-          </a:p>
-          <a:p>
-            <a:pPr lvl="2"/>
-            <a:r>
-              <a:rPr lang="en-US" altLang="zh-CN" sz="1800" dirty="0"/>
-              <a:t> For message sequences, the synchronization algorithm that generates more valid messages within a certain period of time is more optimal.</a:t>
-            </a:r>
-          </a:p>
-          <a:p>
-            <a:pPr lvl="1"/>
-            <a:r>
-              <a:rPr lang="en-US" altLang="zh-CN" sz="2000" dirty="0"/>
               <a:t>Only as part of ros2</a:t>
             </a:r>
-            <a:endParaRPr lang="zh-CN" altLang="en-US" sz="2000" dirty="0"/>
+            <a:endParaRPr lang="zh-CN" altLang="en-US" sz="1800" dirty="0"/>
           </a:p>
         </p:txBody>
       </p:sp>
     </p:spTree>
-    <p:extLst>
-      <p:ext uri="{BB962C8B-B14F-4D97-AF65-F5344CB8AC3E}">
-        <p14:creationId xmlns:p14="http://schemas.microsoft.com/office/powerpoint/2010/main" val="2653087655"/>
-      </p:ext>
-    </p:extLst>
   </p:cSld>
   <p:clrMapOvr>
     <a:masterClrMapping/>
@@ -3533,13 +3184,7 @@
       </p:grpSpPr>
       <p:sp>
         <p:nvSpPr>
-          <p:cNvPr id="3" name="内容占位符 2">
-            <a:extLst>
-              <a:ext uri="{FF2B5EF4-FFF2-40B4-BE49-F238E27FC236}">
-                <a16:creationId xmlns:a16="http://schemas.microsoft.com/office/drawing/2014/main" id="{2A5B09C6-B8EC-A0C8-23EF-448E6308F2BC}"/>
-              </a:ext>
-            </a:extLst>
-          </p:cNvPr>
+          <p:cNvPr id="3" name="内容占位符 2"/>
           <p:cNvSpPr>
             <a:spLocks noGrp="1"/>
           </p:cNvSpPr>
@@ -3560,75 +3205,103 @@
           <a:lstStyle/>
           <a:p>
             <a:r>
-              <a:rPr lang="en-US" altLang="zh-CN" dirty="0"/>
+              <a:rPr lang="en-US" altLang="zh-CN" sz="2400" dirty="0"/>
               <a:t>SEAM</a:t>
             </a:r>
             <a:r>
-              <a:rPr lang="zh-CN" altLang="en-US" dirty="0"/>
+              <a:rPr lang="zh-CN" altLang="en-US" sz="2400" dirty="0"/>
               <a:t>：</a:t>
             </a:r>
-            <a:endParaRPr lang="en-US" altLang="zh-CN" dirty="0"/>
+            <a:endParaRPr lang="en-US" altLang="zh-CN" sz="2400" dirty="0"/>
           </a:p>
           <a:p>
             <a:pPr lvl="1"/>
             <a:r>
-              <a:rPr lang="en-US" altLang="zh-CN" sz="2000" dirty="0"/>
+              <a:rPr lang="en-US" altLang="zh-CN" sz="1800" dirty="0"/>
               <a:t>Message synchronization is specified within a range of time windows.</a:t>
             </a:r>
+            <a:endParaRPr lang="en-US" altLang="zh-CN" sz="1800" dirty="0"/>
           </a:p>
           <a:p>
             <a:pPr lvl="1"/>
             <a:r>
-              <a:rPr lang="en-US" altLang="zh-CN" sz="2000" dirty="0"/>
-              <a:t>When new messages enter the synchronizer they are added to their respective queues.</a:t>
-            </a:r>
+              <a:rPr lang="en-US" altLang="zh-CN" sz="1800" dirty="0"/>
+              <a:t>When new messages enter the synchronizer they are added to their respective queues </a:t>
+            </a:r>
+            <a:r>
+              <a:rPr lang="zh-CN" altLang="en-US" sz="1800" dirty="0"/>
+              <a:t>（</a:t>
+            </a:r>
+            <a:r>
+              <a:rPr lang="en-US" altLang="zh-CN" sz="1800" dirty="0"/>
+              <a:t>where their from</a:t>
+            </a:r>
+            <a:r>
+              <a:rPr lang="zh-CN" altLang="en-US" sz="1800" dirty="0"/>
+              <a:t>）</a:t>
+            </a:r>
+            <a:r>
+              <a:rPr lang="en-US" altLang="zh-CN" sz="1800" dirty="0"/>
+              <a:t>.</a:t>
+            </a:r>
+            <a:endParaRPr lang="en-US" altLang="zh-CN" sz="1800" dirty="0"/>
           </a:p>
           <a:p>
             <a:pPr lvl="1"/>
             <a:r>
-              <a:rPr lang="en-US" altLang="zh-CN" sz="2000" dirty="0"/>
-              <a:t>Until each queue has a message, the one with the largest timestamp in the queue is selected as the basic message.</a:t>
-            </a:r>
+              <a:rPr lang="en-US" altLang="zh-CN" sz="1800" dirty="0"/>
+              <a:t>Until each queue has a message, the one with the largest timestamp in </a:t>
+            </a:r>
+            <a:r>
+              <a:rPr lang="en-US" altLang="zh-CN" sz="1800" dirty="0"/>
+              <a:t>all the queue is selected as the basic message.</a:t>
+            </a:r>
+            <a:endParaRPr lang="en-US" altLang="zh-CN" sz="1800" dirty="0"/>
           </a:p>
           <a:p>
             <a:pPr lvl="1"/>
             <a:r>
-              <a:rPr lang="en-US" altLang="zh-CN" sz="2000" dirty="0"/>
+              <a:rPr lang="en-US" altLang="zh-CN" sz="1800" dirty="0"/>
               <a:t>Find messages within the specified range (compared to the base message) and add them to the selection set.</a:t>
             </a:r>
+            <a:endParaRPr lang="en-US" altLang="zh-CN" sz="1800" dirty="0"/>
           </a:p>
           <a:p>
             <a:pPr lvl="1"/>
             <a:r>
-              <a:rPr lang="en-US" altLang="zh-CN" sz="2000" dirty="0"/>
-              <a:t>In the candidate set, find the earliest time in each queue and add it to the output set. If no matching messages are added to a queue, delete all the queues.</a:t>
-            </a:r>
+              <a:rPr lang="en-US" altLang="zh-CN" sz="1800" dirty="0"/>
+              <a:t>In the candidate set, find the earliest time in each queue and add it to the output set. </a:t>
+            </a:r>
+            <a:endParaRPr lang="en-US" altLang="zh-CN" sz="1800" dirty="0"/>
           </a:p>
           <a:p>
             <a:pPr lvl="1"/>
             <a:r>
-              <a:rPr lang="en-US" altLang="zh-CN" sz="2000" dirty="0"/>
-              <a:t>If the output set includes messages from all queues, consolidate the messages and output them, and then remove all messages before the basic message in the candidate set. The output set does not contain all queues, wait until satisfied</a:t>
-            </a:r>
+              <a:rPr lang="en-US" altLang="zh-CN" sz="1800" dirty="0"/>
+              <a:t>If the output set includes messages from all queues, consolidate the messages and output them, and then remove all messages before the basic message in the candidate set. </a:t>
+            </a:r>
+            <a:endParaRPr lang="en-US" altLang="zh-CN" sz="1800" dirty="0"/>
+          </a:p>
+          <a:p>
+            <a:pPr lvl="1"/>
+            <a:r>
+              <a:rPr lang="en-US" altLang="zh-CN" sz="1800" dirty="0"/>
+              <a:t>If does not contain all queues, wait until satisfied</a:t>
+            </a:r>
+            <a:endParaRPr lang="en-US" altLang="zh-CN" sz="1800" dirty="0"/>
           </a:p>
         </p:txBody>
       </p:sp>
       <p:pic>
         <p:nvPicPr>
-          <p:cNvPr id="5" name="图片 4">
-            <a:extLst>
-              <a:ext uri="{FF2B5EF4-FFF2-40B4-BE49-F238E27FC236}">
-                <a16:creationId xmlns:a16="http://schemas.microsoft.com/office/drawing/2014/main" id="{E099789F-C81C-F7C6-5A6C-51E0FC173B4E}"/>
-              </a:ext>
-            </a:extLst>
-          </p:cNvPr>
+          <p:cNvPr id="5" name="图片 4"/>
           <p:cNvPicPr>
             <a:picLocks noChangeAspect="1"/>
           </p:cNvPicPr>
           <p:nvPr/>
         </p:nvPicPr>
         <p:blipFill>
-          <a:blip r:embed="rId2"/>
+          <a:blip r:embed="rId1"/>
           <a:stretch>
             <a:fillRect/>
           </a:stretch>
@@ -3644,11 +3317,6 @@
         </p:spPr>
       </p:pic>
     </p:spTree>
-    <p:extLst>
-      <p:ext uri="{BB962C8B-B14F-4D97-AF65-F5344CB8AC3E}">
-        <p14:creationId xmlns:p14="http://schemas.microsoft.com/office/powerpoint/2010/main" val="395299576"/>
-      </p:ext>
-    </p:extLst>
   </p:cSld>
   <p:clrMapOvr>
     <a:masterClrMapping/>
@@ -3675,13 +3343,7 @@
       </p:grpSpPr>
       <p:sp>
         <p:nvSpPr>
-          <p:cNvPr id="3" name="内容占位符 2">
-            <a:extLst>
-              <a:ext uri="{FF2B5EF4-FFF2-40B4-BE49-F238E27FC236}">
-                <a16:creationId xmlns:a16="http://schemas.microsoft.com/office/drawing/2014/main" id="{2A5B09C6-B8EC-A0C8-23EF-448E6308F2BC}"/>
-              </a:ext>
-            </a:extLst>
-          </p:cNvPr>
+          <p:cNvPr id="3" name="内容占位符 2"/>
           <p:cNvSpPr>
             <a:spLocks noGrp="1"/>
           </p:cNvSpPr>
@@ -3702,76 +3364,86 @@
           <a:lstStyle/>
           <a:p>
             <a:r>
-              <a:rPr lang="en-US" altLang="zh-CN" dirty="0"/>
+              <a:rPr lang="en-US" altLang="zh-CN" sz="2400" dirty="0"/>
               <a:t>Parallel Path Progression DAG Scheduling</a:t>
             </a:r>
             <a:r>
-              <a:rPr lang="zh-CN" altLang="en-US" dirty="0"/>
+              <a:rPr lang="zh-CN" altLang="en-US" sz="2400" dirty="0"/>
               <a:t>（</a:t>
             </a:r>
             <a:r>
-              <a:rPr lang="en-US" altLang="zh-CN" dirty="0"/>
+              <a:rPr lang="en-US" altLang="zh-CN" sz="2400" dirty="0"/>
               <a:t>ITC2023</a:t>
             </a:r>
             <a:r>
-              <a:rPr lang="zh-CN" altLang="en-US" dirty="0"/>
+              <a:rPr lang="zh-CN" altLang="en-US" sz="2400" dirty="0"/>
               <a:t>）</a:t>
             </a:r>
-            <a:endParaRPr lang="en-US" altLang="zh-CN" dirty="0"/>
-          </a:p>
-          <a:p>
-            <a:r>
-              <a:rPr lang="en-US" altLang="zh-CN" sz="2400" dirty="0"/>
+            <a:endParaRPr lang="en-US" altLang="zh-CN" sz="2400" dirty="0"/>
+          </a:p>
+          <a:p>
+            <a:r>
+              <a:rPr lang="en-US" altLang="zh-CN" sz="2000" dirty="0"/>
               <a:t>Sustainable response time analysis for an arbitrary set of paths with a maximum number of processors</a:t>
             </a:r>
+            <a:endParaRPr lang="en-US" altLang="zh-CN" sz="2000" dirty="0"/>
           </a:p>
           <a:p>
             <a:pPr lvl="1"/>
             <a:r>
+              <a:rPr lang="en-US" altLang="zh-CN" sz="1710" dirty="0"/>
+              <a:t>if there M processors, it is M-paths analysis</a:t>
+            </a:r>
+            <a:endParaRPr lang="en-US" altLang="zh-CN" sz="1710" dirty="0"/>
+          </a:p>
+          <a:p>
+            <a:pPr lvl="1"/>
+            <a:r>
+              <a:rPr lang="en-US" altLang="zh-CN" sz="1800" dirty="0"/>
+              <a:t>Find a set of paths that completely cover the DAG or an approximation of a bounded worst-case response time via a polynomial-time algorithm. And consider the changes with resources to ensure sustainable analysis and find the approximate optimal solution within the range according to the polynomial algorithm.</a:t>
+            </a:r>
+            <a:endParaRPr lang="en-US" altLang="zh-CN" sz="1800" dirty="0"/>
+          </a:p>
+          <a:p>
+            <a:r>
               <a:rPr lang="en-US" altLang="zh-CN" sz="2000" dirty="0"/>
-              <a:t>Find a set of paths that completely cover the DAG or an approximation of a bounded worst-case response time via a polynomial-time algorithm. And consider the changes with resources to ensure sustainable analysis and find the approximate optimal solution within the range according to the polynomial algorithm.</a:t>
-            </a:r>
-          </a:p>
-          <a:p>
-            <a:r>
-              <a:rPr lang="en-US" altLang="zh-CN" sz="2400" dirty="0"/>
               <a:t>Based on the above analysis, hierarchical scheduling is proposed:</a:t>
             </a:r>
-          </a:p>
-          <a:p>
-            <a:r>
-              <a:rPr lang="en-US" altLang="zh-CN" sz="2400" dirty="0"/>
+            <a:endParaRPr lang="en-US" altLang="zh-CN" sz="2000" dirty="0"/>
+          </a:p>
+          <a:p>
+            <a:r>
+              <a:rPr lang="en-US" altLang="zh-CN" sz="2000" dirty="0"/>
               <a:t>Gang Reservation Provisioning:</a:t>
             </a:r>
+            <a:endParaRPr lang="en-US" altLang="zh-CN" sz="2000" dirty="0"/>
           </a:p>
           <a:p>
             <a:pPr lvl="1"/>
             <a:r>
+              <a:rPr lang="en-US" altLang="zh-CN" sz="1800" dirty="0"/>
+              <a:t>A group of processors are required to be available to complete a task together. The task first tries to find a set of processors that need to be all idle during execution. It is suitable for parallel work that requires a large number of processors to reduce switching overhead. But a waste of resources. .</a:t>
+            </a:r>
+            <a:endParaRPr lang="en-US" altLang="zh-CN" sz="1800" dirty="0"/>
+          </a:p>
+          <a:p>
+            <a:r>
               <a:rPr lang="en-US" altLang="zh-CN" sz="2000" dirty="0"/>
-              <a:t>A group of processors are required to be available to complete a task together. The task first tries to find a set of processors that need to be all idle during execution. It is suitable for parallel work that requires a large number of processors to reduce switching overhead. But a waste of resources. .</a:t>
-            </a:r>
-          </a:p>
-          <a:p>
-            <a:r>
-              <a:rPr lang="en-US" altLang="zh-CN" sz="2400" dirty="0"/>
               <a:t>Ordinary Reservation Provisioning:</a:t>
             </a:r>
+            <a:endParaRPr lang="en-US" altLang="zh-CN" sz="2000" dirty="0"/>
           </a:p>
           <a:p>
             <a:pPr lvl="1"/>
             <a:r>
-              <a:rPr lang="en-US" altLang="zh-CN" sz="2000" dirty="0"/>
+              <a:rPr lang="en-US" altLang="zh-CN" sz="1800" dirty="0"/>
               <a:t>Distributed execution, each processor processes part of the task (ordinary DAG, task fragments do not need to be executed synchronously) makes better use of resources, but the implementation is complicated and considers how to allocate it among processors.</a:t>
             </a:r>
+            <a:endParaRPr lang="en-US" altLang="zh-CN" sz="1800" dirty="0"/>
           </a:p>
         </p:txBody>
       </p:sp>
     </p:spTree>
-    <p:extLst>
-      <p:ext uri="{BB962C8B-B14F-4D97-AF65-F5344CB8AC3E}">
-        <p14:creationId xmlns:p14="http://schemas.microsoft.com/office/powerpoint/2010/main" val="317125576"/>
-      </p:ext>
-    </p:extLst>
   </p:cSld>
   <p:clrMapOvr>
     <a:masterClrMapping/>
@@ -3798,13 +3470,7 @@
       </p:grpSpPr>
       <p:sp>
         <p:nvSpPr>
-          <p:cNvPr id="3" name="内容占位符 2">
-            <a:extLst>
-              <a:ext uri="{FF2B5EF4-FFF2-40B4-BE49-F238E27FC236}">
-                <a16:creationId xmlns:a16="http://schemas.microsoft.com/office/drawing/2014/main" id="{2A5B09C6-B8EC-A0C8-23EF-448E6308F2BC}"/>
-              </a:ext>
-            </a:extLst>
-          </p:cNvPr>
+          <p:cNvPr id="3" name="内容占位符 2"/>
           <p:cNvSpPr>
             <a:spLocks noGrp="1"/>
           </p:cNvSpPr>
@@ -3825,54 +3491,22 @@
           <a:lstStyle/>
           <a:p>
             <a:r>
-              <a:rPr lang="en-US" altLang="zh-CN" dirty="0"/>
+              <a:rPr lang="en-US" altLang="zh-CN" sz="2400" dirty="0"/>
               <a:t>Real-Time Scheduling of Autonomous Driving System with Guaranteed Timing Correctness</a:t>
             </a:r>
-          </a:p>
-          <a:p>
-            <a:r>
-              <a:rPr lang="en-US" altLang="zh-CN" sz="2400" dirty="0"/>
+            <a:endParaRPr lang="en-US" altLang="zh-CN" sz="2400" dirty="0"/>
+          </a:p>
+          <a:p>
+            <a:r>
+              <a:rPr lang="en-US" altLang="zh-CN" sz="2000" dirty="0"/>
               <a:t>Provide an automated design-analysis-redesign process to improve the design efficiency of autonomous driving systems.</a:t>
             </a:r>
-          </a:p>
-          <a:p>
-            <a:r>
-              <a:rPr lang="en-US" altLang="zh-CN" sz="2400" dirty="0"/>
+            <a:endParaRPr lang="en-US" altLang="zh-CN" sz="2000" dirty="0"/>
+          </a:p>
+          <a:p>
+            <a:r>
+              <a:rPr lang="en-US" altLang="zh-CN" sz="2000" dirty="0"/>
               <a:t>An integrated framework is proposed to jointly analyze the </a:t>
-            </a:r>
-            <a:r>
-              <a:rPr lang="en-US" altLang="zh-CN" sz="2400" dirty="0" err="1"/>
-              <a:t>schedulability</a:t>
-            </a:r>
-            <a:r>
-              <a:rPr lang="en-US" altLang="zh-CN" sz="2400" dirty="0"/>
-              <a:t> of individual tasks and the end-to-end latency of task chains in multi-rate DAGs.</a:t>
-            </a:r>
-          </a:p>
-          <a:p>
-            <a:r>
-              <a:rPr lang="en-US" altLang="zh-CN" sz="2400" dirty="0"/>
-              <a:t>Integer Linear Programming (ILP) techniques are designed to remove redundant workloads to increase the chance of meeting timing requirements.</a:t>
-            </a:r>
-          </a:p>
-          <a:p>
-            <a:r>
-              <a:rPr lang="en-US" altLang="zh-CN" sz="2400" dirty="0"/>
-              <a:t>The proposed framework realizes the automated process of iteratively creating, analyzing, and improving AD system design.</a:t>
-            </a:r>
-          </a:p>
-          <a:p>
-            <a:pPr lvl="1"/>
-            <a:r>
-              <a:rPr lang="en-US" altLang="zh-CN" sz="2000" dirty="0"/>
-              <a:t>That is, the analysis results of the previous iteration provide valuable guidance for redesigning the AD system in the next iteration.</a:t>
-            </a:r>
-          </a:p>
-          <a:p>
-            <a:pPr lvl="1"/>
-            <a:r>
-              <a:rPr lang="en-US" altLang="zh-CN" sz="2000" dirty="0"/>
-              <a:t>During the iteration process, it is necessary to ensure that the system meets both network and physical time constraints, use ILP to reduce unnecessary workload, task set </a:t>
             </a:r>
             <a:r>
               <a:rPr lang="en-US" altLang="zh-CN" sz="2000" dirty="0" err="1"/>
@@ -3880,17 +3514,51 @@
             </a:r>
             <a:r>
               <a:rPr lang="en-US" altLang="zh-CN" sz="2000" dirty="0"/>
+              <a:t> of individual tasks and the end-to-end latency of task chains in multi-rate DAGs.</a:t>
+            </a:r>
+            <a:endParaRPr lang="en-US" altLang="zh-CN" sz="2000" dirty="0"/>
+          </a:p>
+          <a:p>
+            <a:r>
+              <a:rPr lang="en-US" altLang="zh-CN" sz="2000" dirty="0"/>
+              <a:t>Integer Linear Programming (ILP) techniques are designed to remove redundant workloads to increase the chance of meeting timing requirements.</a:t>
+            </a:r>
+            <a:endParaRPr lang="en-US" altLang="zh-CN" sz="2000" dirty="0"/>
+          </a:p>
+          <a:p>
+            <a:r>
+              <a:rPr lang="en-US" altLang="zh-CN" sz="2000" dirty="0"/>
+              <a:t>The proposed framework realizes the automated process of iteratively creating, analyzing, and improving AD system design.</a:t>
+            </a:r>
+            <a:endParaRPr lang="en-US" altLang="zh-CN" sz="2000" dirty="0"/>
+          </a:p>
+          <a:p>
+            <a:pPr lvl="1"/>
+            <a:r>
+              <a:rPr lang="en-US" altLang="zh-CN" sz="1800" dirty="0"/>
+              <a:t>That is, the analysis results of the previous iteration provide valuable guidance for redesigning the AD system in the next iteration.</a:t>
+            </a:r>
+            <a:endParaRPr lang="en-US" altLang="zh-CN" sz="1800" dirty="0"/>
+          </a:p>
+          <a:p>
+            <a:pPr lvl="1"/>
+            <a:r>
+              <a:rPr lang="en-US" altLang="zh-CN" sz="1800" dirty="0"/>
+              <a:t>During the iteration process, it is necessary to ensure that the system meets both network and physical time constraints, use ILP to reduce unnecessary workload, task set </a:t>
+            </a:r>
+            <a:r>
+              <a:rPr lang="en-US" altLang="zh-CN" sz="1800" dirty="0" err="1"/>
+              <a:t>schedulability</a:t>
+            </a:r>
+            <a:r>
+              <a:rPr lang="en-US" altLang="zh-CN" sz="1800" dirty="0"/>
               <a:t> and end-to-end timing. Unsatisfied iterations will have additional constraints.</a:t>
             </a:r>
+            <a:endParaRPr lang="en-US" altLang="zh-CN" sz="1800" dirty="0"/>
           </a:p>
         </p:txBody>
       </p:sp>
     </p:spTree>
-    <p:extLst>
-      <p:ext uri="{BB962C8B-B14F-4D97-AF65-F5344CB8AC3E}">
-        <p14:creationId xmlns:p14="http://schemas.microsoft.com/office/powerpoint/2010/main" val="4156391247"/>
-      </p:ext>
-    </p:extLst>
   </p:cSld>
   <p:clrMapOvr>
     <a:masterClrMapping/>
@@ -3917,13 +3585,7 @@
       </p:grpSpPr>
       <p:sp>
         <p:nvSpPr>
-          <p:cNvPr id="3" name="内容占位符 2">
-            <a:extLst>
-              <a:ext uri="{FF2B5EF4-FFF2-40B4-BE49-F238E27FC236}">
-                <a16:creationId xmlns:a16="http://schemas.microsoft.com/office/drawing/2014/main" id="{2A5B09C6-B8EC-A0C8-23EF-448E6308F2BC}"/>
-              </a:ext>
-            </a:extLst>
-          </p:cNvPr>
+          <p:cNvPr id="3" name="内容占位符 2"/>
           <p:cNvSpPr>
             <a:spLocks noGrp="1"/>
           </p:cNvSpPr>
@@ -3944,64 +3606,66 @@
           <a:lstStyle/>
           <a:p>
             <a:r>
-              <a:rPr lang="en-US" altLang="zh-CN" dirty="0"/>
+              <a:rPr lang="en-US" altLang="zh-CN" sz="2400" dirty="0"/>
               <a:t>Bounding the Response Time of DAG Tasks Using Long </a:t>
             </a:r>
-          </a:p>
-          <a:p>
-            <a:r>
-              <a:rPr lang="en-US" altLang="zh-CN" sz="2400" dirty="0"/>
+            <a:endParaRPr lang="en-US" altLang="zh-CN" sz="2400" dirty="0"/>
+          </a:p>
+          <a:p>
+            <a:r>
+              <a:rPr lang="en-US" altLang="zh-CN" sz="2000" dirty="0"/>
               <a:t>The traditional Graham bound method is too conservative in some cases because it assumes that vertices on non-longest paths will execute in parallel with vertices on the longest path, thus interfering with each other.</a:t>
             </a:r>
-          </a:p>
-          <a:p>
-            <a:r>
-              <a:rPr lang="en-US" altLang="zh-CN" sz="2400" dirty="0"/>
+            <a:endParaRPr lang="en-US" altLang="zh-CN" sz="2000" dirty="0"/>
+          </a:p>
+          <a:p>
+            <a:r>
+              <a:rPr lang="en-US" altLang="zh-CN" sz="2000" dirty="0"/>
               <a:t>A new response time bounding method is proposed that considers the length of multiple longer paths. Workloads that must execute in parallel and cannot interfere with each other are more precisely identified (via virtual paths and constrained critical paths).</a:t>
             </a:r>
-          </a:p>
-          <a:p>
-            <a:r>
-              <a:rPr lang="en-US" altLang="zh-CN" sz="2400" dirty="0"/>
+            <a:endParaRPr lang="en-US" altLang="zh-CN" sz="2000" dirty="0"/>
+          </a:p>
+          <a:p>
+            <a:r>
+              <a:rPr lang="en-US" altLang="zh-CN" sz="2000" dirty="0"/>
               <a:t>Virtual Path</a:t>
             </a:r>
+            <a:endParaRPr lang="en-US" altLang="zh-CN" sz="2000" dirty="0"/>
           </a:p>
           <a:p>
             <a:pPr lvl="1"/>
             <a:r>
+              <a:rPr lang="en-US" altLang="zh-CN" sz="1800" dirty="0"/>
+              <a:t>A collection of vertices executed in different time units. There is no direct sequential relationship between vertices. The length is the sum of the execution times of all vertices it contains</a:t>
+            </a:r>
+            <a:endParaRPr lang="en-US" altLang="zh-CN" sz="1800" dirty="0"/>
+          </a:p>
+          <a:p>
+            <a:pPr lvl="1"/>
+            <a:r>
+              <a:rPr lang="en-US" altLang="zh-CN" sz="1800" dirty="0"/>
+              <a:t>Since vertices on the virtual path will not be executed in parallel, those not on it are considered for parallel execution.</a:t>
+            </a:r>
+            <a:endParaRPr lang="en-US" altLang="zh-CN" sz="1800" dirty="0"/>
+          </a:p>
+          <a:p>
+            <a:r>
               <a:rPr lang="en-US" altLang="zh-CN" sz="2000" dirty="0"/>
-              <a:t>A collection of vertices executed in different time units. There is no direct sequential relationship between vertices. The length is the sum of the execution times of all vertices it contains</a:t>
-            </a:r>
+              <a:t>Restricted Critical Path</a:t>
+            </a:r>
+            <a:endParaRPr lang="en-US" altLang="zh-CN" sz="2000" dirty="0"/>
           </a:p>
           <a:p>
             <a:pPr lvl="1"/>
             <a:r>
-              <a:rPr lang="en-US" altLang="zh-CN" sz="2000" dirty="0"/>
-              <a:t>Since vertices on the virtual path will not be executed in parallel, those not on it are considered for parallel execution.</a:t>
-            </a:r>
-          </a:p>
-          <a:p>
-            <a:r>
-              <a:rPr lang="en-US" altLang="zh-CN" sz="2400" dirty="0"/>
-              <a:t>Restricted Critical Path</a:t>
-            </a:r>
-          </a:p>
-          <a:p>
-            <a:pPr lvl="1"/>
-            <a:r>
-              <a:rPr lang="en-US" altLang="zh-CN" sz="2000" dirty="0"/>
+              <a:rPr lang="en-US" altLang="zh-CN" sz="1800" dirty="0"/>
               <a:t>A set of vertex sequences selected by a specific rule for a given execution sequence</a:t>
             </a:r>
-            <a:endParaRPr lang="en-US" altLang="zh-CN" dirty="0"/>
+            <a:endParaRPr lang="en-US" altLang="zh-CN" sz="2000" dirty="0"/>
           </a:p>
         </p:txBody>
       </p:sp>
     </p:spTree>
-    <p:extLst>
-      <p:ext uri="{BB962C8B-B14F-4D97-AF65-F5344CB8AC3E}">
-        <p14:creationId xmlns:p14="http://schemas.microsoft.com/office/powerpoint/2010/main" val="21637461"/>
-      </p:ext>
-    </p:extLst>
   </p:cSld>
   <p:clrMapOvr>
     <a:masterClrMapping/>
@@ -4028,13 +3692,7 @@
       </p:grpSpPr>
       <p:sp>
         <p:nvSpPr>
-          <p:cNvPr id="3" name="内容占位符 2">
-            <a:extLst>
-              <a:ext uri="{FF2B5EF4-FFF2-40B4-BE49-F238E27FC236}">
-                <a16:creationId xmlns:a16="http://schemas.microsoft.com/office/drawing/2014/main" id="{2A5B09C6-B8EC-A0C8-23EF-448E6308F2BC}"/>
-              </a:ext>
-            </a:extLst>
-          </p:cNvPr>
+          <p:cNvPr id="3" name="内容占位符 2"/>
           <p:cNvSpPr>
             <a:spLocks noGrp="1"/>
           </p:cNvSpPr>
@@ -4055,77 +3713,82 @@
           <a:lstStyle/>
           <a:p>
             <a:r>
-              <a:rPr lang="en-US" altLang="zh-CN" dirty="0"/>
+              <a:rPr lang="en-US" altLang="zh-CN" sz="2400" dirty="0"/>
               <a:t>Minimizing Probabilistic End-to-end Latencies of Autonomous Driving </a:t>
             </a:r>
-          </a:p>
-          <a:p>
-            <a:r>
-              <a:rPr lang="en-US" altLang="zh-CN" sz="2400" dirty="0"/>
+            <a:endParaRPr lang="en-US" altLang="zh-CN" sz="2400" dirty="0"/>
+          </a:p>
+          <a:p>
+            <a:r>
+              <a:rPr lang="en-US" altLang="zh-CN" sz="2000" dirty="0"/>
               <a:t>Reduce the probabilistic end-to-end delays (PEELs) of task sequences through two stages.</a:t>
             </a:r>
+            <a:endParaRPr lang="en-US" altLang="zh-CN" sz="2000" dirty="0"/>
           </a:p>
           <a:p>
             <a:pPr lvl="1"/>
             <a:r>
+              <a:rPr lang="en-US" altLang="zh-CN" sz="1800" dirty="0"/>
+              <a:t>PEELs take into account the uncertainty of task execution time</a:t>
+            </a:r>
+            <a:endParaRPr lang="en-US" altLang="zh-CN" sz="1800" dirty="0"/>
+          </a:p>
+          <a:p>
+            <a:pPr lvl="1"/>
+            <a:r>
+              <a:rPr lang="en-US" altLang="zh-CN" sz="1800" dirty="0"/>
+              <a:t>PEELs can give the worst-case delay for task completion at a given confidence level. For example, it can be expressed as "With 99% confidence, the execution delay of the task will not exceed a certain value."</a:t>
+            </a:r>
+            <a:endParaRPr lang="en-US" altLang="zh-CN" sz="1800" dirty="0"/>
+          </a:p>
+          <a:p>
+            <a:r>
               <a:rPr lang="en-US" altLang="zh-CN" sz="2000" dirty="0"/>
-              <a:t>PEELs take into account the uncertainty of task execution time</a:t>
-            </a:r>
+              <a:t>Two stages:</a:t>
+            </a:r>
+            <a:endParaRPr lang="en-US" altLang="zh-CN" sz="2000" dirty="0"/>
+          </a:p>
+          <a:p>
+            <a:r>
+              <a:rPr lang="en-US" altLang="zh-CN" sz="2000" dirty="0"/>
+              <a:t>Baseline schedule generation</a:t>
+            </a:r>
+            <a:endParaRPr lang="en-US" altLang="zh-CN" sz="2000" dirty="0"/>
           </a:p>
           <a:p>
             <a:pPr lvl="1"/>
             <a:r>
+              <a:rPr lang="en-US" altLang="zh-CN" sz="1800" dirty="0"/>
+              <a:t>Estimate the lower bound of the total unavailable idle time and generate a baseline schedule to avoid unavailable idle time as much as possible, thereby improving the feasibility of scheduling.</a:t>
+            </a:r>
+            <a:endParaRPr lang="en-US" altLang="zh-CN" sz="1800" dirty="0"/>
+          </a:p>
+          <a:p>
+            <a:pPr lvl="1"/>
+            <a:r>
+              <a:rPr lang="en-US" altLang="zh-CN" sz="1800" dirty="0"/>
+              <a:t>Non-available idle time: The processor has no tasks to execute at a certain time, and this time period cannot be used to start subsequent tasks in advance.</a:t>
+            </a:r>
+            <a:endParaRPr lang="en-US" altLang="zh-CN" sz="1800" dirty="0"/>
+          </a:p>
+          <a:p>
+            <a:r>
               <a:rPr lang="en-US" altLang="zh-CN" sz="2000" dirty="0"/>
-              <a:t>PEELs can give the worst-case delay for task completion at a given confidence level. For example, it can be expressed as "With 99% confidence, the execution delay of the task will not exceed a certain value."</a:t>
-            </a:r>
-          </a:p>
-          <a:p>
-            <a:r>
-              <a:rPr lang="en-US" altLang="zh-CN" sz="2400" dirty="0"/>
-              <a:t>Two stages:</a:t>
-            </a:r>
-          </a:p>
-          <a:p>
-            <a:r>
-              <a:rPr lang="en-US" altLang="zh-CN" sz="2400" dirty="0"/>
-              <a:t>Baseline schedule generation</a:t>
-            </a:r>
+              <a:t>Mission phase optimization</a:t>
+            </a:r>
+            <a:endParaRPr lang="en-US" altLang="zh-CN" sz="2000" dirty="0"/>
           </a:p>
           <a:p>
             <a:pPr lvl="1"/>
             <a:r>
-              <a:rPr lang="en-US" altLang="zh-CN" sz="2000" dirty="0"/>
-              <a:t>Estimate the lower bound of the total unavailable idle time and generate a baseline schedule to avoid unavailable idle time as much as possible, thereby improving the feasibility of scheduling.</a:t>
-            </a:r>
-          </a:p>
-          <a:p>
-            <a:pPr lvl="1"/>
-            <a:r>
-              <a:rPr lang="en-US" altLang="zh-CN" sz="2000" dirty="0"/>
-              <a:t>Non-available idle time: The processor has no tasks to execute at a certain time, and this time period cannot be used to start subsequent tasks in advance.</a:t>
-            </a:r>
-          </a:p>
-          <a:p>
-            <a:r>
-              <a:rPr lang="en-US" altLang="zh-CN" sz="2400" dirty="0"/>
-              <a:t>Mission phase optimization</a:t>
-            </a:r>
-          </a:p>
-          <a:p>
-            <a:pPr lvl="1"/>
-            <a:r>
-              <a:rPr lang="en-US" altLang="zh-CN" sz="2000" dirty="0"/>
+              <a:rPr lang="en-US" altLang="zh-CN" sz="1800" dirty="0"/>
               <a:t>Search for optimal task phase combinations to further reduce PEELs for a specific task sequence</a:t>
             </a:r>
+            <a:endParaRPr lang="en-US" altLang="zh-CN" sz="1800" dirty="0"/>
           </a:p>
         </p:txBody>
       </p:sp>
     </p:spTree>
-    <p:extLst>
-      <p:ext uri="{BB962C8B-B14F-4D97-AF65-F5344CB8AC3E}">
-        <p14:creationId xmlns:p14="http://schemas.microsoft.com/office/powerpoint/2010/main" val="2279364020"/>
-      </p:ext>
-    </p:extLst>
   </p:cSld>
   <p:clrMapOvr>
     <a:masterClrMapping/>
@@ -4176,7 +3839,7 @@
     </a:clrScheme>
     <a:fontScheme name="Office">
       <a:majorFont>
-        <a:latin typeface="等线 Light" panose="020F0302020204030204"/>
+        <a:latin typeface="等线 Light"/>
         <a:ea typeface=""/>
         <a:cs typeface=""/>
         <a:font script="Jpan" typeface="游ゴシック Light"/>
@@ -4209,26 +3872,9 @@
         <a:font script="Viet" typeface="Times New Roman"/>
         <a:font script="Uigh" typeface="Microsoft Uighur"/>
         <a:font script="Geor" typeface="Sylfaen"/>
-        <a:font script="Armn" typeface="Arial"/>
-        <a:font script="Bugi" typeface="Leelawadee UI"/>
-        <a:font script="Bopo" typeface="Microsoft JhengHei"/>
-        <a:font script="Java" typeface="Javanese Text"/>
-        <a:font script="Lisu" typeface="Segoe UI"/>
-        <a:font script="Mymr" typeface="Myanmar Text"/>
-        <a:font script="Nkoo" typeface="Ebrima"/>
-        <a:font script="Olck" typeface="Nirmala UI"/>
-        <a:font script="Osma" typeface="Ebrima"/>
-        <a:font script="Phag" typeface="Phagspa"/>
-        <a:font script="Syrn" typeface="Estrangelo Edessa"/>
-        <a:font script="Syrj" typeface="Estrangelo Edessa"/>
-        <a:font script="Syre" typeface="Estrangelo Edessa"/>
-        <a:font script="Sora" typeface="Nirmala UI"/>
-        <a:font script="Tale" typeface="Microsoft Tai Le"/>
-        <a:font script="Talu" typeface="Microsoft New Tai Lue"/>
-        <a:font script="Tfng" typeface="Ebrima"/>
       </a:majorFont>
       <a:minorFont>
-        <a:latin typeface="等线" panose="020F0502020204030204"/>
+        <a:latin typeface="等线"/>
         <a:ea typeface=""/>
         <a:cs typeface=""/>
         <a:font script="Jpan" typeface="游ゴシック"/>
@@ -4261,23 +3907,6 @@
         <a:font script="Viet" typeface="Arial"/>
         <a:font script="Uigh" typeface="Microsoft Uighur"/>
         <a:font script="Geor" typeface="Sylfaen"/>
-        <a:font script="Armn" typeface="Arial"/>
-        <a:font script="Bugi" typeface="Leelawadee UI"/>
-        <a:font script="Bopo" typeface="Microsoft JhengHei"/>
-        <a:font script="Java" typeface="Javanese Text"/>
-        <a:font script="Lisu" typeface="Segoe UI"/>
-        <a:font script="Mymr" typeface="Myanmar Text"/>
-        <a:font script="Nkoo" typeface="Ebrima"/>
-        <a:font script="Olck" typeface="Nirmala UI"/>
-        <a:font script="Osma" typeface="Ebrima"/>
-        <a:font script="Phag" typeface="Phagspa"/>
-        <a:font script="Syrn" typeface="Estrangelo Edessa"/>
-        <a:font script="Syrj" typeface="Estrangelo Edessa"/>
-        <a:font script="Syre" typeface="Estrangelo Edessa"/>
-        <a:font script="Sora" typeface="Nirmala UI"/>
-        <a:font script="Tale" typeface="Microsoft Tai Le"/>
-        <a:font script="Talu" typeface="Microsoft New Tai Lue"/>
-        <a:font script="Tfng" typeface="Ebrima"/>
       </a:minorFont>
     </a:fontScheme>
     <a:fmtScheme name="Office">
@@ -4418,8 +4047,6 @@
       </a:bgFillStyleLst>
     </a:fmtScheme>
   </a:themeElements>
-  <a:objectDefaults/>
-  <a:extraClrSchemeLst/>
   <a:extLst>
     <a:ext uri="{05A4C25C-085E-4340-85A3-A5531E510DB2}">
       <thm15:themeFamily xmlns:thm15="http://schemas.microsoft.com/office/thememl/2012/main" name="Office Theme" id="{62F939B6-93AF-4DB8-9C6B-D6C7DFDC589F}" vid="{4A3C46E8-61CC-4603-A589-7422A47A8E4A}"/>

--- a/06-ppt/discussion/0514.pptx
+++ b/06-ppt/discussion/0514.pptx
@@ -3,14 +3,16 @@
 <p:presentation xmlns:a="http://schemas.openxmlformats.org/drawingml/2006/main" xmlns:r="http://schemas.openxmlformats.org/officeDocument/2006/relationships" xmlns:p="http://schemas.openxmlformats.org/presentationml/2006/main">
   <p:sldMasterIdLst>
     <p:sldMasterId id="2147483648" r:id="rId1"/>
+    <p:sldMasterId id="2147483660" r:id="rId3"/>
   </p:sldMasterIdLst>
   <p:sldIdLst>
-    <p:sldId id="257" r:id="rId3"/>
-    <p:sldId id="260" r:id="rId4"/>
-    <p:sldId id="258" r:id="rId5"/>
-    <p:sldId id="259" r:id="rId6"/>
-    <p:sldId id="261" r:id="rId7"/>
-    <p:sldId id="262" r:id="rId8"/>
+    <p:sldId id="257" r:id="rId4"/>
+    <p:sldId id="260" r:id="rId5"/>
+    <p:sldId id="265" r:id="rId6"/>
+    <p:sldId id="258" r:id="rId7"/>
+    <p:sldId id="259" r:id="rId8"/>
+    <p:sldId id="261" r:id="rId9"/>
+    <p:sldId id="262" r:id="rId10"/>
   </p:sldIdLst>
   <p:sldSz cx="12192000" cy="6858000"/>
   <p:notesSz cx="6858000" cy="9144000"/>
@@ -657,6 +659,1675 @@
 </p:sldLayout>
 </file>
 
+<file path=ppt/slideLayouts/slideLayout12.xml><?xml version="1.0" encoding="utf-8"?>
+<p:sldLayout xmlns:a="http://schemas.openxmlformats.org/drawingml/2006/main" xmlns:r="http://schemas.openxmlformats.org/officeDocument/2006/relationships" xmlns:p="http://schemas.openxmlformats.org/presentationml/2006/main" type="title" preserve="1">
+  <p:cSld name="标题幻灯片">
+    <p:spTree>
+      <p:nvGrpSpPr>
+        <p:cNvPr id="1" name=""/>
+        <p:cNvGrpSpPr/>
+        <p:nvPr/>
+      </p:nvGrpSpPr>
+      <p:grpSpPr>
+        <a:xfrm>
+          <a:off x="0" y="0"/>
+          <a:ext cx="0" cy="0"/>
+          <a:chOff x="0" y="0"/>
+          <a:chExt cx="0" cy="0"/>
+        </a:xfrm>
+      </p:grpSpPr>
+      <p:sp>
+        <p:nvSpPr>
+          <p:cNvPr id="2" name="标题 1"/>
+          <p:cNvSpPr>
+            <a:spLocks noGrp="1"/>
+          </p:cNvSpPr>
+          <p:nvPr>
+            <p:ph type="ctrTitle"/>
+          </p:nvPr>
+        </p:nvSpPr>
+        <p:spPr>
+          <a:xfrm>
+            <a:off x="1524000" y="1122363"/>
+            <a:ext cx="9144000" cy="2387600"/>
+          </a:xfrm>
+        </p:spPr>
+        <p:txBody>
+          <a:bodyPr anchor="b"/>
+          <a:lstStyle>
+            <a:lvl1pPr algn="ctr">
+              <a:defRPr sz="6000"/>
+            </a:lvl1pPr>
+          </a:lstStyle>
+          <a:p>
+            <a:r>
+              <a:rPr lang="zh-CN" altLang="en-US"/>
+              <a:t>单击此处编辑母版标题样式</a:t>
+            </a:r>
+            <a:endParaRPr lang="zh-CN" altLang="en-US"/>
+          </a:p>
+        </p:txBody>
+      </p:sp>
+      <p:sp>
+        <p:nvSpPr>
+          <p:cNvPr id="3" name="副标题 2"/>
+          <p:cNvSpPr>
+            <a:spLocks noGrp="1"/>
+          </p:cNvSpPr>
+          <p:nvPr>
+            <p:ph type="subTitle" idx="1"/>
+          </p:nvPr>
+        </p:nvSpPr>
+        <p:spPr>
+          <a:xfrm>
+            <a:off x="1524000" y="3602038"/>
+            <a:ext cx="9144000" cy="1655762"/>
+          </a:xfrm>
+        </p:spPr>
+        <p:txBody>
+          <a:bodyPr/>
+          <a:lstStyle>
+            <a:lvl1pPr marL="0" indent="0" algn="ctr">
+              <a:buNone/>
+              <a:defRPr sz="2400"/>
+            </a:lvl1pPr>
+            <a:lvl2pPr marL="457200" indent="0" algn="ctr">
+              <a:buNone/>
+              <a:defRPr sz="2000"/>
+            </a:lvl2pPr>
+            <a:lvl3pPr marL="914400" indent="0" algn="ctr">
+              <a:buNone/>
+              <a:defRPr sz="1800"/>
+            </a:lvl3pPr>
+            <a:lvl4pPr marL="1371600" indent="0" algn="ctr">
+              <a:buNone/>
+              <a:defRPr sz="1600"/>
+            </a:lvl4pPr>
+            <a:lvl5pPr marL="1828800" indent="0" algn="ctr">
+              <a:buNone/>
+              <a:defRPr sz="1600"/>
+            </a:lvl5pPr>
+            <a:lvl6pPr marL="2286000" indent="0" algn="ctr">
+              <a:buNone/>
+              <a:defRPr sz="1600"/>
+            </a:lvl6pPr>
+            <a:lvl7pPr marL="2743200" indent="0" algn="ctr">
+              <a:buNone/>
+              <a:defRPr sz="1600"/>
+            </a:lvl7pPr>
+            <a:lvl8pPr marL="3200400" indent="0" algn="ctr">
+              <a:buNone/>
+              <a:defRPr sz="1600"/>
+            </a:lvl8pPr>
+            <a:lvl9pPr marL="3657600" indent="0" algn="ctr">
+              <a:buNone/>
+              <a:defRPr sz="1600"/>
+            </a:lvl9pPr>
+          </a:lstStyle>
+          <a:p>
+            <a:r>
+              <a:rPr lang="zh-CN" altLang="en-US"/>
+              <a:t>单击此处编辑母版副标题样式</a:t>
+            </a:r>
+            <a:endParaRPr lang="zh-CN" altLang="en-US"/>
+          </a:p>
+        </p:txBody>
+      </p:sp>
+      <p:sp>
+        <p:nvSpPr>
+          <p:cNvPr id="4" name="日期占位符 3"/>
+          <p:cNvSpPr>
+            <a:spLocks noGrp="1"/>
+          </p:cNvSpPr>
+          <p:nvPr>
+            <p:ph type="dt" sz="half" idx="10"/>
+          </p:nvPr>
+        </p:nvSpPr>
+        <p:spPr/>
+        <p:txBody>
+          <a:bodyPr/>
+          <a:lstStyle/>
+          <a:p>
+            <a:fld id="{5F436CC1-8A58-4025-8674-AC4643FC1143}" type="datetimeFigureOut">
+              <a:rPr lang="zh-CN" altLang="en-US" smtClean="0"/>
+            </a:fld>
+            <a:endParaRPr lang="zh-CN" altLang="en-US"/>
+          </a:p>
+        </p:txBody>
+      </p:sp>
+      <p:sp>
+        <p:nvSpPr>
+          <p:cNvPr id="5" name="页脚占位符 4"/>
+          <p:cNvSpPr>
+            <a:spLocks noGrp="1"/>
+          </p:cNvSpPr>
+          <p:nvPr>
+            <p:ph type="ftr" sz="quarter" idx="11"/>
+          </p:nvPr>
+        </p:nvSpPr>
+        <p:spPr/>
+        <p:txBody>
+          <a:bodyPr/>
+          <a:lstStyle/>
+          <a:p>
+            <a:endParaRPr lang="zh-CN" altLang="en-US"/>
+          </a:p>
+        </p:txBody>
+      </p:sp>
+      <p:sp>
+        <p:nvSpPr>
+          <p:cNvPr id="6" name="灯片编号占位符 5"/>
+          <p:cNvSpPr>
+            <a:spLocks noGrp="1"/>
+          </p:cNvSpPr>
+          <p:nvPr>
+            <p:ph type="sldNum" sz="quarter" idx="12"/>
+          </p:nvPr>
+        </p:nvSpPr>
+        <p:spPr/>
+        <p:txBody>
+          <a:bodyPr/>
+          <a:lstStyle/>
+          <a:p>
+            <a:fld id="{DC94044A-7ABA-45EB-8F13-95CB6439284F}" type="slidenum">
+              <a:rPr lang="zh-CN" altLang="en-US" smtClean="0"/>
+            </a:fld>
+            <a:endParaRPr lang="zh-CN" altLang="en-US"/>
+          </a:p>
+        </p:txBody>
+      </p:sp>
+    </p:spTree>
+  </p:cSld>
+  <p:clrMapOvr>
+    <a:masterClrMapping/>
+  </p:clrMapOvr>
+</p:sldLayout>
+</file>
+
+<file path=ppt/slideLayouts/slideLayout13.xml><?xml version="1.0" encoding="utf-8"?>
+<p:sldLayout xmlns:a="http://schemas.openxmlformats.org/drawingml/2006/main" xmlns:r="http://schemas.openxmlformats.org/officeDocument/2006/relationships" xmlns:p="http://schemas.openxmlformats.org/presentationml/2006/main" type="obj" preserve="1">
+  <p:cSld name="标题和内容">
+    <p:spTree>
+      <p:nvGrpSpPr>
+        <p:cNvPr id="1" name=""/>
+        <p:cNvGrpSpPr/>
+        <p:nvPr/>
+      </p:nvGrpSpPr>
+      <p:grpSpPr>
+        <a:xfrm>
+          <a:off x="0" y="0"/>
+          <a:ext cx="0" cy="0"/>
+          <a:chOff x="0" y="0"/>
+          <a:chExt cx="0" cy="0"/>
+        </a:xfrm>
+      </p:grpSpPr>
+      <p:sp>
+        <p:nvSpPr>
+          <p:cNvPr id="2" name="标题 1"/>
+          <p:cNvSpPr>
+            <a:spLocks noGrp="1"/>
+          </p:cNvSpPr>
+          <p:nvPr>
+            <p:ph type="title"/>
+          </p:nvPr>
+        </p:nvSpPr>
+        <p:spPr/>
+        <p:txBody>
+          <a:bodyPr/>
+          <a:lstStyle/>
+          <a:p>
+            <a:r>
+              <a:rPr lang="zh-CN" altLang="en-US"/>
+              <a:t>单击此处编辑母版标题样式</a:t>
+            </a:r>
+            <a:endParaRPr lang="zh-CN" altLang="en-US"/>
+          </a:p>
+        </p:txBody>
+      </p:sp>
+      <p:sp>
+        <p:nvSpPr>
+          <p:cNvPr id="3" name="内容占位符 2"/>
+          <p:cNvSpPr>
+            <a:spLocks noGrp="1"/>
+          </p:cNvSpPr>
+          <p:nvPr>
+            <p:ph idx="1"/>
+          </p:nvPr>
+        </p:nvSpPr>
+        <p:spPr/>
+        <p:txBody>
+          <a:bodyPr/>
+          <a:lstStyle/>
+          <a:p>
+            <a:pPr lvl="0"/>
+            <a:r>
+              <a:rPr lang="zh-CN" altLang="en-US"/>
+              <a:t>单击此处编辑母版文本样式</a:t>
+            </a:r>
+            <a:endParaRPr lang="zh-CN" altLang="en-US"/>
+          </a:p>
+          <a:p>
+            <a:pPr lvl="1"/>
+            <a:r>
+              <a:rPr lang="zh-CN" altLang="en-US"/>
+              <a:t>二级</a:t>
+            </a:r>
+            <a:endParaRPr lang="zh-CN" altLang="en-US"/>
+          </a:p>
+          <a:p>
+            <a:pPr lvl="2"/>
+            <a:r>
+              <a:rPr lang="zh-CN" altLang="en-US"/>
+              <a:t>三级</a:t>
+            </a:r>
+            <a:endParaRPr lang="zh-CN" altLang="en-US"/>
+          </a:p>
+          <a:p>
+            <a:pPr lvl="3"/>
+            <a:r>
+              <a:rPr lang="zh-CN" altLang="en-US"/>
+              <a:t>四级</a:t>
+            </a:r>
+            <a:endParaRPr lang="zh-CN" altLang="en-US"/>
+          </a:p>
+          <a:p>
+            <a:pPr lvl="4"/>
+            <a:r>
+              <a:rPr lang="zh-CN" altLang="en-US"/>
+              <a:t>五级</a:t>
+            </a:r>
+            <a:endParaRPr lang="zh-CN" altLang="en-US"/>
+          </a:p>
+        </p:txBody>
+      </p:sp>
+      <p:sp>
+        <p:nvSpPr>
+          <p:cNvPr id="4" name="日期占位符 3"/>
+          <p:cNvSpPr>
+            <a:spLocks noGrp="1"/>
+          </p:cNvSpPr>
+          <p:nvPr>
+            <p:ph type="dt" sz="half" idx="10"/>
+          </p:nvPr>
+        </p:nvSpPr>
+        <p:spPr/>
+        <p:txBody>
+          <a:bodyPr/>
+          <a:lstStyle/>
+          <a:p>
+            <a:fld id="{5F436CC1-8A58-4025-8674-AC4643FC1143}" type="datetimeFigureOut">
+              <a:rPr lang="zh-CN" altLang="en-US" smtClean="0"/>
+            </a:fld>
+            <a:endParaRPr lang="zh-CN" altLang="en-US"/>
+          </a:p>
+        </p:txBody>
+      </p:sp>
+      <p:sp>
+        <p:nvSpPr>
+          <p:cNvPr id="5" name="页脚占位符 4"/>
+          <p:cNvSpPr>
+            <a:spLocks noGrp="1"/>
+          </p:cNvSpPr>
+          <p:nvPr>
+            <p:ph type="ftr" sz="quarter" idx="11"/>
+          </p:nvPr>
+        </p:nvSpPr>
+        <p:spPr/>
+        <p:txBody>
+          <a:bodyPr/>
+          <a:lstStyle/>
+          <a:p>
+            <a:endParaRPr lang="zh-CN" altLang="en-US"/>
+          </a:p>
+        </p:txBody>
+      </p:sp>
+      <p:sp>
+        <p:nvSpPr>
+          <p:cNvPr id="6" name="灯片编号占位符 5"/>
+          <p:cNvSpPr>
+            <a:spLocks noGrp="1"/>
+          </p:cNvSpPr>
+          <p:nvPr>
+            <p:ph type="sldNum" sz="quarter" idx="12"/>
+          </p:nvPr>
+        </p:nvSpPr>
+        <p:spPr/>
+        <p:txBody>
+          <a:bodyPr/>
+          <a:lstStyle/>
+          <a:p>
+            <a:fld id="{DC94044A-7ABA-45EB-8F13-95CB6439284F}" type="slidenum">
+              <a:rPr lang="zh-CN" altLang="en-US" smtClean="0"/>
+            </a:fld>
+            <a:endParaRPr lang="zh-CN" altLang="en-US"/>
+          </a:p>
+        </p:txBody>
+      </p:sp>
+    </p:spTree>
+  </p:cSld>
+  <p:clrMapOvr>
+    <a:masterClrMapping/>
+  </p:clrMapOvr>
+</p:sldLayout>
+</file>
+
+<file path=ppt/slideLayouts/slideLayout14.xml><?xml version="1.0" encoding="utf-8"?>
+<p:sldLayout xmlns:a="http://schemas.openxmlformats.org/drawingml/2006/main" xmlns:r="http://schemas.openxmlformats.org/officeDocument/2006/relationships" xmlns:p="http://schemas.openxmlformats.org/presentationml/2006/main" type="secHead" preserve="1">
+  <p:cSld name="节标题">
+    <p:spTree>
+      <p:nvGrpSpPr>
+        <p:cNvPr id="1" name=""/>
+        <p:cNvGrpSpPr/>
+        <p:nvPr/>
+      </p:nvGrpSpPr>
+      <p:grpSpPr>
+        <a:xfrm>
+          <a:off x="0" y="0"/>
+          <a:ext cx="0" cy="0"/>
+          <a:chOff x="0" y="0"/>
+          <a:chExt cx="0" cy="0"/>
+        </a:xfrm>
+      </p:grpSpPr>
+      <p:sp>
+        <p:nvSpPr>
+          <p:cNvPr id="2" name="标题 1"/>
+          <p:cNvSpPr>
+            <a:spLocks noGrp="1"/>
+          </p:cNvSpPr>
+          <p:nvPr>
+            <p:ph type="title"/>
+          </p:nvPr>
+        </p:nvSpPr>
+        <p:spPr>
+          <a:xfrm>
+            <a:off x="831850" y="1709738"/>
+            <a:ext cx="10515600" cy="2852737"/>
+          </a:xfrm>
+        </p:spPr>
+        <p:txBody>
+          <a:bodyPr anchor="b"/>
+          <a:lstStyle>
+            <a:lvl1pPr>
+              <a:defRPr sz="6000"/>
+            </a:lvl1pPr>
+          </a:lstStyle>
+          <a:p>
+            <a:r>
+              <a:rPr lang="zh-CN" altLang="en-US"/>
+              <a:t>单击此处编辑母版标题样式</a:t>
+            </a:r>
+            <a:endParaRPr lang="zh-CN" altLang="en-US"/>
+          </a:p>
+        </p:txBody>
+      </p:sp>
+      <p:sp>
+        <p:nvSpPr>
+          <p:cNvPr id="3" name="文本占位符 2"/>
+          <p:cNvSpPr>
+            <a:spLocks noGrp="1"/>
+          </p:cNvSpPr>
+          <p:nvPr>
+            <p:ph type="body" idx="1"/>
+          </p:nvPr>
+        </p:nvSpPr>
+        <p:spPr>
+          <a:xfrm>
+            <a:off x="831850" y="4589463"/>
+            <a:ext cx="10515600" cy="1500187"/>
+          </a:xfrm>
+        </p:spPr>
+        <p:txBody>
+          <a:bodyPr/>
+          <a:lstStyle>
+            <a:lvl1pPr marL="0" indent="0">
+              <a:buNone/>
+              <a:defRPr sz="2400">
+                <a:solidFill>
+                  <a:schemeClr val="tx1">
+                    <a:tint val="75000"/>
+                  </a:schemeClr>
+                </a:solidFill>
+              </a:defRPr>
+            </a:lvl1pPr>
+            <a:lvl2pPr marL="457200" indent="0">
+              <a:buNone/>
+              <a:defRPr sz="2000">
+                <a:solidFill>
+                  <a:schemeClr val="tx1">
+                    <a:tint val="75000"/>
+                  </a:schemeClr>
+                </a:solidFill>
+              </a:defRPr>
+            </a:lvl2pPr>
+            <a:lvl3pPr marL="914400" indent="0">
+              <a:buNone/>
+              <a:defRPr sz="1800">
+                <a:solidFill>
+                  <a:schemeClr val="tx1">
+                    <a:tint val="75000"/>
+                  </a:schemeClr>
+                </a:solidFill>
+              </a:defRPr>
+            </a:lvl3pPr>
+            <a:lvl4pPr marL="1371600" indent="0">
+              <a:buNone/>
+              <a:defRPr sz="1600">
+                <a:solidFill>
+                  <a:schemeClr val="tx1">
+                    <a:tint val="75000"/>
+                  </a:schemeClr>
+                </a:solidFill>
+              </a:defRPr>
+            </a:lvl4pPr>
+            <a:lvl5pPr marL="1828800" indent="0">
+              <a:buNone/>
+              <a:defRPr sz="1600">
+                <a:solidFill>
+                  <a:schemeClr val="tx1">
+                    <a:tint val="75000"/>
+                  </a:schemeClr>
+                </a:solidFill>
+              </a:defRPr>
+            </a:lvl5pPr>
+            <a:lvl6pPr marL="2286000" indent="0">
+              <a:buNone/>
+              <a:defRPr sz="1600">
+                <a:solidFill>
+                  <a:schemeClr val="tx1">
+                    <a:tint val="75000"/>
+                  </a:schemeClr>
+                </a:solidFill>
+              </a:defRPr>
+            </a:lvl6pPr>
+            <a:lvl7pPr marL="2743200" indent="0">
+              <a:buNone/>
+              <a:defRPr sz="1600">
+                <a:solidFill>
+                  <a:schemeClr val="tx1">
+                    <a:tint val="75000"/>
+                  </a:schemeClr>
+                </a:solidFill>
+              </a:defRPr>
+            </a:lvl7pPr>
+            <a:lvl8pPr marL="3200400" indent="0">
+              <a:buNone/>
+              <a:defRPr sz="1600">
+                <a:solidFill>
+                  <a:schemeClr val="tx1">
+                    <a:tint val="75000"/>
+                  </a:schemeClr>
+                </a:solidFill>
+              </a:defRPr>
+            </a:lvl8pPr>
+            <a:lvl9pPr marL="3657600" indent="0">
+              <a:buNone/>
+              <a:defRPr sz="1600">
+                <a:solidFill>
+                  <a:schemeClr val="tx1">
+                    <a:tint val="75000"/>
+                  </a:schemeClr>
+                </a:solidFill>
+              </a:defRPr>
+            </a:lvl9pPr>
+          </a:lstStyle>
+          <a:p>
+            <a:pPr lvl="0"/>
+            <a:r>
+              <a:rPr lang="zh-CN" altLang="en-US"/>
+              <a:t>单击此处编辑母版文本样式</a:t>
+            </a:r>
+            <a:endParaRPr lang="zh-CN" altLang="en-US"/>
+          </a:p>
+        </p:txBody>
+      </p:sp>
+      <p:sp>
+        <p:nvSpPr>
+          <p:cNvPr id="4" name="日期占位符 3"/>
+          <p:cNvSpPr>
+            <a:spLocks noGrp="1"/>
+          </p:cNvSpPr>
+          <p:nvPr>
+            <p:ph type="dt" sz="half" idx="10"/>
+          </p:nvPr>
+        </p:nvSpPr>
+        <p:spPr/>
+        <p:txBody>
+          <a:bodyPr/>
+          <a:lstStyle/>
+          <a:p>
+            <a:fld id="{5F436CC1-8A58-4025-8674-AC4643FC1143}" type="datetimeFigureOut">
+              <a:rPr lang="zh-CN" altLang="en-US" smtClean="0"/>
+            </a:fld>
+            <a:endParaRPr lang="zh-CN" altLang="en-US"/>
+          </a:p>
+        </p:txBody>
+      </p:sp>
+      <p:sp>
+        <p:nvSpPr>
+          <p:cNvPr id="5" name="页脚占位符 4"/>
+          <p:cNvSpPr>
+            <a:spLocks noGrp="1"/>
+          </p:cNvSpPr>
+          <p:nvPr>
+            <p:ph type="ftr" sz="quarter" idx="11"/>
+          </p:nvPr>
+        </p:nvSpPr>
+        <p:spPr/>
+        <p:txBody>
+          <a:bodyPr/>
+          <a:lstStyle/>
+          <a:p>
+            <a:endParaRPr lang="zh-CN" altLang="en-US"/>
+          </a:p>
+        </p:txBody>
+      </p:sp>
+      <p:sp>
+        <p:nvSpPr>
+          <p:cNvPr id="6" name="灯片编号占位符 5"/>
+          <p:cNvSpPr>
+            <a:spLocks noGrp="1"/>
+          </p:cNvSpPr>
+          <p:nvPr>
+            <p:ph type="sldNum" sz="quarter" idx="12"/>
+          </p:nvPr>
+        </p:nvSpPr>
+        <p:spPr/>
+        <p:txBody>
+          <a:bodyPr/>
+          <a:lstStyle/>
+          <a:p>
+            <a:fld id="{DC94044A-7ABA-45EB-8F13-95CB6439284F}" type="slidenum">
+              <a:rPr lang="zh-CN" altLang="en-US" smtClean="0"/>
+            </a:fld>
+            <a:endParaRPr lang="zh-CN" altLang="en-US"/>
+          </a:p>
+        </p:txBody>
+      </p:sp>
+    </p:spTree>
+  </p:cSld>
+  <p:clrMapOvr>
+    <a:masterClrMapping/>
+  </p:clrMapOvr>
+</p:sldLayout>
+</file>
+
+<file path=ppt/slideLayouts/slideLayout15.xml><?xml version="1.0" encoding="utf-8"?>
+<p:sldLayout xmlns:a="http://schemas.openxmlformats.org/drawingml/2006/main" xmlns:r="http://schemas.openxmlformats.org/officeDocument/2006/relationships" xmlns:p="http://schemas.openxmlformats.org/presentationml/2006/main" type="twoObj" preserve="1">
+  <p:cSld name="两栏内容">
+    <p:spTree>
+      <p:nvGrpSpPr>
+        <p:cNvPr id="1" name=""/>
+        <p:cNvGrpSpPr/>
+        <p:nvPr/>
+      </p:nvGrpSpPr>
+      <p:grpSpPr>
+        <a:xfrm>
+          <a:off x="0" y="0"/>
+          <a:ext cx="0" cy="0"/>
+          <a:chOff x="0" y="0"/>
+          <a:chExt cx="0" cy="0"/>
+        </a:xfrm>
+      </p:grpSpPr>
+      <p:sp>
+        <p:nvSpPr>
+          <p:cNvPr id="2" name="标题 1"/>
+          <p:cNvSpPr>
+            <a:spLocks noGrp="1"/>
+          </p:cNvSpPr>
+          <p:nvPr>
+            <p:ph type="title"/>
+          </p:nvPr>
+        </p:nvSpPr>
+        <p:spPr/>
+        <p:txBody>
+          <a:bodyPr/>
+          <a:lstStyle/>
+          <a:p>
+            <a:r>
+              <a:rPr lang="zh-CN" altLang="en-US"/>
+              <a:t>单击此处编辑母版标题样式</a:t>
+            </a:r>
+            <a:endParaRPr lang="zh-CN" altLang="en-US"/>
+          </a:p>
+        </p:txBody>
+      </p:sp>
+      <p:sp>
+        <p:nvSpPr>
+          <p:cNvPr id="3" name="内容占位符 2"/>
+          <p:cNvSpPr>
+            <a:spLocks noGrp="1"/>
+          </p:cNvSpPr>
+          <p:nvPr>
+            <p:ph sz="half" idx="1"/>
+          </p:nvPr>
+        </p:nvSpPr>
+        <p:spPr>
+          <a:xfrm>
+            <a:off x="838200" y="1825625"/>
+            <a:ext cx="5181600" cy="4351338"/>
+          </a:xfrm>
+        </p:spPr>
+        <p:txBody>
+          <a:bodyPr/>
+          <a:lstStyle/>
+          <a:p>
+            <a:pPr lvl="0"/>
+            <a:r>
+              <a:rPr lang="zh-CN" altLang="en-US"/>
+              <a:t>单击此处编辑母版文本样式</a:t>
+            </a:r>
+            <a:endParaRPr lang="zh-CN" altLang="en-US"/>
+          </a:p>
+          <a:p>
+            <a:pPr lvl="1"/>
+            <a:r>
+              <a:rPr lang="zh-CN" altLang="en-US"/>
+              <a:t>二级</a:t>
+            </a:r>
+            <a:endParaRPr lang="zh-CN" altLang="en-US"/>
+          </a:p>
+          <a:p>
+            <a:pPr lvl="2"/>
+            <a:r>
+              <a:rPr lang="zh-CN" altLang="en-US"/>
+              <a:t>三级</a:t>
+            </a:r>
+            <a:endParaRPr lang="zh-CN" altLang="en-US"/>
+          </a:p>
+          <a:p>
+            <a:pPr lvl="3"/>
+            <a:r>
+              <a:rPr lang="zh-CN" altLang="en-US"/>
+              <a:t>四级</a:t>
+            </a:r>
+            <a:endParaRPr lang="zh-CN" altLang="en-US"/>
+          </a:p>
+          <a:p>
+            <a:pPr lvl="4"/>
+            <a:r>
+              <a:rPr lang="zh-CN" altLang="en-US"/>
+              <a:t>五级</a:t>
+            </a:r>
+            <a:endParaRPr lang="zh-CN" altLang="en-US"/>
+          </a:p>
+        </p:txBody>
+      </p:sp>
+      <p:sp>
+        <p:nvSpPr>
+          <p:cNvPr id="4" name="内容占位符 3"/>
+          <p:cNvSpPr>
+            <a:spLocks noGrp="1"/>
+          </p:cNvSpPr>
+          <p:nvPr>
+            <p:ph sz="half" idx="2"/>
+          </p:nvPr>
+        </p:nvSpPr>
+        <p:spPr>
+          <a:xfrm>
+            <a:off x="6172200" y="1825625"/>
+            <a:ext cx="5181600" cy="4351338"/>
+          </a:xfrm>
+        </p:spPr>
+        <p:txBody>
+          <a:bodyPr/>
+          <a:lstStyle/>
+          <a:p>
+            <a:pPr lvl="0"/>
+            <a:r>
+              <a:rPr lang="zh-CN" altLang="en-US"/>
+              <a:t>单击此处编辑母版文本样式</a:t>
+            </a:r>
+            <a:endParaRPr lang="zh-CN" altLang="en-US"/>
+          </a:p>
+          <a:p>
+            <a:pPr lvl="1"/>
+            <a:r>
+              <a:rPr lang="zh-CN" altLang="en-US"/>
+              <a:t>二级</a:t>
+            </a:r>
+            <a:endParaRPr lang="zh-CN" altLang="en-US"/>
+          </a:p>
+          <a:p>
+            <a:pPr lvl="2"/>
+            <a:r>
+              <a:rPr lang="zh-CN" altLang="en-US"/>
+              <a:t>三级</a:t>
+            </a:r>
+            <a:endParaRPr lang="zh-CN" altLang="en-US"/>
+          </a:p>
+          <a:p>
+            <a:pPr lvl="3"/>
+            <a:r>
+              <a:rPr lang="zh-CN" altLang="en-US"/>
+              <a:t>四级</a:t>
+            </a:r>
+            <a:endParaRPr lang="zh-CN" altLang="en-US"/>
+          </a:p>
+          <a:p>
+            <a:pPr lvl="4"/>
+            <a:r>
+              <a:rPr lang="zh-CN" altLang="en-US"/>
+              <a:t>五级</a:t>
+            </a:r>
+            <a:endParaRPr lang="zh-CN" altLang="en-US"/>
+          </a:p>
+        </p:txBody>
+      </p:sp>
+      <p:sp>
+        <p:nvSpPr>
+          <p:cNvPr id="5" name="日期占位符 4"/>
+          <p:cNvSpPr>
+            <a:spLocks noGrp="1"/>
+          </p:cNvSpPr>
+          <p:nvPr>
+            <p:ph type="dt" sz="half" idx="10"/>
+          </p:nvPr>
+        </p:nvSpPr>
+        <p:spPr/>
+        <p:txBody>
+          <a:bodyPr/>
+          <a:lstStyle/>
+          <a:p>
+            <a:fld id="{5F436CC1-8A58-4025-8674-AC4643FC1143}" type="datetimeFigureOut">
+              <a:rPr lang="zh-CN" altLang="en-US" smtClean="0"/>
+            </a:fld>
+            <a:endParaRPr lang="zh-CN" altLang="en-US"/>
+          </a:p>
+        </p:txBody>
+      </p:sp>
+      <p:sp>
+        <p:nvSpPr>
+          <p:cNvPr id="6" name="页脚占位符 5"/>
+          <p:cNvSpPr>
+            <a:spLocks noGrp="1"/>
+          </p:cNvSpPr>
+          <p:nvPr>
+            <p:ph type="ftr" sz="quarter" idx="11"/>
+          </p:nvPr>
+        </p:nvSpPr>
+        <p:spPr/>
+        <p:txBody>
+          <a:bodyPr/>
+          <a:lstStyle/>
+          <a:p>
+            <a:endParaRPr lang="zh-CN" altLang="en-US"/>
+          </a:p>
+        </p:txBody>
+      </p:sp>
+      <p:sp>
+        <p:nvSpPr>
+          <p:cNvPr id="7" name="灯片编号占位符 6"/>
+          <p:cNvSpPr>
+            <a:spLocks noGrp="1"/>
+          </p:cNvSpPr>
+          <p:nvPr>
+            <p:ph type="sldNum" sz="quarter" idx="12"/>
+          </p:nvPr>
+        </p:nvSpPr>
+        <p:spPr/>
+        <p:txBody>
+          <a:bodyPr/>
+          <a:lstStyle/>
+          <a:p>
+            <a:fld id="{DC94044A-7ABA-45EB-8F13-95CB6439284F}" type="slidenum">
+              <a:rPr lang="zh-CN" altLang="en-US" smtClean="0"/>
+            </a:fld>
+            <a:endParaRPr lang="zh-CN" altLang="en-US"/>
+          </a:p>
+        </p:txBody>
+      </p:sp>
+    </p:spTree>
+  </p:cSld>
+  <p:clrMapOvr>
+    <a:masterClrMapping/>
+  </p:clrMapOvr>
+</p:sldLayout>
+</file>
+
+<file path=ppt/slideLayouts/slideLayout16.xml><?xml version="1.0" encoding="utf-8"?>
+<p:sldLayout xmlns:a="http://schemas.openxmlformats.org/drawingml/2006/main" xmlns:r="http://schemas.openxmlformats.org/officeDocument/2006/relationships" xmlns:p="http://schemas.openxmlformats.org/presentationml/2006/main" type="twoTxTwoObj" preserve="1">
+  <p:cSld name="比较">
+    <p:spTree>
+      <p:nvGrpSpPr>
+        <p:cNvPr id="1" name=""/>
+        <p:cNvGrpSpPr/>
+        <p:nvPr/>
+      </p:nvGrpSpPr>
+      <p:grpSpPr>
+        <a:xfrm>
+          <a:off x="0" y="0"/>
+          <a:ext cx="0" cy="0"/>
+          <a:chOff x="0" y="0"/>
+          <a:chExt cx="0" cy="0"/>
+        </a:xfrm>
+      </p:grpSpPr>
+      <p:sp>
+        <p:nvSpPr>
+          <p:cNvPr id="2" name="标题 1"/>
+          <p:cNvSpPr>
+            <a:spLocks noGrp="1"/>
+          </p:cNvSpPr>
+          <p:nvPr>
+            <p:ph type="title"/>
+          </p:nvPr>
+        </p:nvSpPr>
+        <p:spPr>
+          <a:xfrm>
+            <a:off x="839788" y="365125"/>
+            <a:ext cx="10515600" cy="1325563"/>
+          </a:xfrm>
+        </p:spPr>
+        <p:txBody>
+          <a:bodyPr/>
+          <a:lstStyle/>
+          <a:p>
+            <a:r>
+              <a:rPr lang="zh-CN" altLang="en-US"/>
+              <a:t>单击此处编辑母版标题样式</a:t>
+            </a:r>
+            <a:endParaRPr lang="zh-CN" altLang="en-US"/>
+          </a:p>
+        </p:txBody>
+      </p:sp>
+      <p:sp>
+        <p:nvSpPr>
+          <p:cNvPr id="3" name="文本占位符 2"/>
+          <p:cNvSpPr>
+            <a:spLocks noGrp="1"/>
+          </p:cNvSpPr>
+          <p:nvPr>
+            <p:ph type="body" idx="1"/>
+          </p:nvPr>
+        </p:nvSpPr>
+        <p:spPr>
+          <a:xfrm>
+            <a:off x="839788" y="1681163"/>
+            <a:ext cx="5157787" cy="823912"/>
+          </a:xfrm>
+        </p:spPr>
+        <p:txBody>
+          <a:bodyPr anchor="b"/>
+          <a:lstStyle>
+            <a:lvl1pPr marL="0" indent="0">
+              <a:buNone/>
+              <a:defRPr sz="2400" b="1"/>
+            </a:lvl1pPr>
+            <a:lvl2pPr marL="457200" indent="0">
+              <a:buNone/>
+              <a:defRPr sz="2000" b="1"/>
+            </a:lvl2pPr>
+            <a:lvl3pPr marL="914400" indent="0">
+              <a:buNone/>
+              <a:defRPr sz="1800" b="1"/>
+            </a:lvl3pPr>
+            <a:lvl4pPr marL="1371600" indent="0">
+              <a:buNone/>
+              <a:defRPr sz="1600" b="1"/>
+            </a:lvl4pPr>
+            <a:lvl5pPr marL="1828800" indent="0">
+              <a:buNone/>
+              <a:defRPr sz="1600" b="1"/>
+            </a:lvl5pPr>
+            <a:lvl6pPr marL="2286000" indent="0">
+              <a:buNone/>
+              <a:defRPr sz="1600" b="1"/>
+            </a:lvl6pPr>
+            <a:lvl7pPr marL="2743200" indent="0">
+              <a:buNone/>
+              <a:defRPr sz="1600" b="1"/>
+            </a:lvl7pPr>
+            <a:lvl8pPr marL="3200400" indent="0">
+              <a:buNone/>
+              <a:defRPr sz="1600" b="1"/>
+            </a:lvl8pPr>
+            <a:lvl9pPr marL="3657600" indent="0">
+              <a:buNone/>
+              <a:defRPr sz="1600" b="1"/>
+            </a:lvl9pPr>
+          </a:lstStyle>
+          <a:p>
+            <a:pPr lvl="0"/>
+            <a:r>
+              <a:rPr lang="zh-CN" altLang="en-US"/>
+              <a:t>单击此处编辑母版文本样式</a:t>
+            </a:r>
+            <a:endParaRPr lang="zh-CN" altLang="en-US"/>
+          </a:p>
+        </p:txBody>
+      </p:sp>
+      <p:sp>
+        <p:nvSpPr>
+          <p:cNvPr id="4" name="内容占位符 3"/>
+          <p:cNvSpPr>
+            <a:spLocks noGrp="1"/>
+          </p:cNvSpPr>
+          <p:nvPr>
+            <p:ph sz="half" idx="2"/>
+          </p:nvPr>
+        </p:nvSpPr>
+        <p:spPr>
+          <a:xfrm>
+            <a:off x="839788" y="2505075"/>
+            <a:ext cx="5157787" cy="3684588"/>
+          </a:xfrm>
+        </p:spPr>
+        <p:txBody>
+          <a:bodyPr/>
+          <a:lstStyle/>
+          <a:p>
+            <a:pPr lvl="0"/>
+            <a:r>
+              <a:rPr lang="zh-CN" altLang="en-US"/>
+              <a:t>单击此处编辑母版文本样式</a:t>
+            </a:r>
+            <a:endParaRPr lang="zh-CN" altLang="en-US"/>
+          </a:p>
+          <a:p>
+            <a:pPr lvl="1"/>
+            <a:r>
+              <a:rPr lang="zh-CN" altLang="en-US"/>
+              <a:t>二级</a:t>
+            </a:r>
+            <a:endParaRPr lang="zh-CN" altLang="en-US"/>
+          </a:p>
+          <a:p>
+            <a:pPr lvl="2"/>
+            <a:r>
+              <a:rPr lang="zh-CN" altLang="en-US"/>
+              <a:t>三级</a:t>
+            </a:r>
+            <a:endParaRPr lang="zh-CN" altLang="en-US"/>
+          </a:p>
+          <a:p>
+            <a:pPr lvl="3"/>
+            <a:r>
+              <a:rPr lang="zh-CN" altLang="en-US"/>
+              <a:t>四级</a:t>
+            </a:r>
+            <a:endParaRPr lang="zh-CN" altLang="en-US"/>
+          </a:p>
+          <a:p>
+            <a:pPr lvl="4"/>
+            <a:r>
+              <a:rPr lang="zh-CN" altLang="en-US"/>
+              <a:t>五级</a:t>
+            </a:r>
+            <a:endParaRPr lang="zh-CN" altLang="en-US"/>
+          </a:p>
+        </p:txBody>
+      </p:sp>
+      <p:sp>
+        <p:nvSpPr>
+          <p:cNvPr id="5" name="文本占位符 4"/>
+          <p:cNvSpPr>
+            <a:spLocks noGrp="1"/>
+          </p:cNvSpPr>
+          <p:nvPr>
+            <p:ph type="body" sz="quarter" idx="3"/>
+          </p:nvPr>
+        </p:nvSpPr>
+        <p:spPr>
+          <a:xfrm>
+            <a:off x="6172200" y="1681163"/>
+            <a:ext cx="5183188" cy="823912"/>
+          </a:xfrm>
+        </p:spPr>
+        <p:txBody>
+          <a:bodyPr anchor="b"/>
+          <a:lstStyle>
+            <a:lvl1pPr marL="0" indent="0">
+              <a:buNone/>
+              <a:defRPr sz="2400" b="1"/>
+            </a:lvl1pPr>
+            <a:lvl2pPr marL="457200" indent="0">
+              <a:buNone/>
+              <a:defRPr sz="2000" b="1"/>
+            </a:lvl2pPr>
+            <a:lvl3pPr marL="914400" indent="0">
+              <a:buNone/>
+              <a:defRPr sz="1800" b="1"/>
+            </a:lvl3pPr>
+            <a:lvl4pPr marL="1371600" indent="0">
+              <a:buNone/>
+              <a:defRPr sz="1600" b="1"/>
+            </a:lvl4pPr>
+            <a:lvl5pPr marL="1828800" indent="0">
+              <a:buNone/>
+              <a:defRPr sz="1600" b="1"/>
+            </a:lvl5pPr>
+            <a:lvl6pPr marL="2286000" indent="0">
+              <a:buNone/>
+              <a:defRPr sz="1600" b="1"/>
+            </a:lvl6pPr>
+            <a:lvl7pPr marL="2743200" indent="0">
+              <a:buNone/>
+              <a:defRPr sz="1600" b="1"/>
+            </a:lvl7pPr>
+            <a:lvl8pPr marL="3200400" indent="0">
+              <a:buNone/>
+              <a:defRPr sz="1600" b="1"/>
+            </a:lvl8pPr>
+            <a:lvl9pPr marL="3657600" indent="0">
+              <a:buNone/>
+              <a:defRPr sz="1600" b="1"/>
+            </a:lvl9pPr>
+          </a:lstStyle>
+          <a:p>
+            <a:pPr lvl="0"/>
+            <a:r>
+              <a:rPr lang="zh-CN" altLang="en-US"/>
+              <a:t>单击此处编辑母版文本样式</a:t>
+            </a:r>
+            <a:endParaRPr lang="zh-CN" altLang="en-US"/>
+          </a:p>
+        </p:txBody>
+      </p:sp>
+      <p:sp>
+        <p:nvSpPr>
+          <p:cNvPr id="6" name="内容占位符 5"/>
+          <p:cNvSpPr>
+            <a:spLocks noGrp="1"/>
+          </p:cNvSpPr>
+          <p:nvPr>
+            <p:ph sz="quarter" idx="4"/>
+          </p:nvPr>
+        </p:nvSpPr>
+        <p:spPr>
+          <a:xfrm>
+            <a:off x="6172200" y="2505075"/>
+            <a:ext cx="5183188" cy="3684588"/>
+          </a:xfrm>
+        </p:spPr>
+        <p:txBody>
+          <a:bodyPr/>
+          <a:lstStyle/>
+          <a:p>
+            <a:pPr lvl="0"/>
+            <a:r>
+              <a:rPr lang="zh-CN" altLang="en-US"/>
+              <a:t>单击此处编辑母版文本样式</a:t>
+            </a:r>
+            <a:endParaRPr lang="zh-CN" altLang="en-US"/>
+          </a:p>
+          <a:p>
+            <a:pPr lvl="1"/>
+            <a:r>
+              <a:rPr lang="zh-CN" altLang="en-US"/>
+              <a:t>二级</a:t>
+            </a:r>
+            <a:endParaRPr lang="zh-CN" altLang="en-US"/>
+          </a:p>
+          <a:p>
+            <a:pPr lvl="2"/>
+            <a:r>
+              <a:rPr lang="zh-CN" altLang="en-US"/>
+              <a:t>三级</a:t>
+            </a:r>
+            <a:endParaRPr lang="zh-CN" altLang="en-US"/>
+          </a:p>
+          <a:p>
+            <a:pPr lvl="3"/>
+            <a:r>
+              <a:rPr lang="zh-CN" altLang="en-US"/>
+              <a:t>四级</a:t>
+            </a:r>
+            <a:endParaRPr lang="zh-CN" altLang="en-US"/>
+          </a:p>
+          <a:p>
+            <a:pPr lvl="4"/>
+            <a:r>
+              <a:rPr lang="zh-CN" altLang="en-US"/>
+              <a:t>五级</a:t>
+            </a:r>
+            <a:endParaRPr lang="zh-CN" altLang="en-US"/>
+          </a:p>
+        </p:txBody>
+      </p:sp>
+      <p:sp>
+        <p:nvSpPr>
+          <p:cNvPr id="7" name="日期占位符 6"/>
+          <p:cNvSpPr>
+            <a:spLocks noGrp="1"/>
+          </p:cNvSpPr>
+          <p:nvPr>
+            <p:ph type="dt" sz="half" idx="10"/>
+          </p:nvPr>
+        </p:nvSpPr>
+        <p:spPr/>
+        <p:txBody>
+          <a:bodyPr/>
+          <a:lstStyle/>
+          <a:p>
+            <a:fld id="{5F436CC1-8A58-4025-8674-AC4643FC1143}" type="datetimeFigureOut">
+              <a:rPr lang="zh-CN" altLang="en-US" smtClean="0"/>
+            </a:fld>
+            <a:endParaRPr lang="zh-CN" altLang="en-US"/>
+          </a:p>
+        </p:txBody>
+      </p:sp>
+      <p:sp>
+        <p:nvSpPr>
+          <p:cNvPr id="8" name="页脚占位符 7"/>
+          <p:cNvSpPr>
+            <a:spLocks noGrp="1"/>
+          </p:cNvSpPr>
+          <p:nvPr>
+            <p:ph type="ftr" sz="quarter" idx="11"/>
+          </p:nvPr>
+        </p:nvSpPr>
+        <p:spPr/>
+        <p:txBody>
+          <a:bodyPr/>
+          <a:lstStyle/>
+          <a:p>
+            <a:endParaRPr lang="zh-CN" altLang="en-US"/>
+          </a:p>
+        </p:txBody>
+      </p:sp>
+      <p:sp>
+        <p:nvSpPr>
+          <p:cNvPr id="9" name="灯片编号占位符 8"/>
+          <p:cNvSpPr>
+            <a:spLocks noGrp="1"/>
+          </p:cNvSpPr>
+          <p:nvPr>
+            <p:ph type="sldNum" sz="quarter" idx="12"/>
+          </p:nvPr>
+        </p:nvSpPr>
+        <p:spPr/>
+        <p:txBody>
+          <a:bodyPr/>
+          <a:lstStyle/>
+          <a:p>
+            <a:fld id="{DC94044A-7ABA-45EB-8F13-95CB6439284F}" type="slidenum">
+              <a:rPr lang="zh-CN" altLang="en-US" smtClean="0"/>
+            </a:fld>
+            <a:endParaRPr lang="zh-CN" altLang="en-US"/>
+          </a:p>
+        </p:txBody>
+      </p:sp>
+    </p:spTree>
+  </p:cSld>
+  <p:clrMapOvr>
+    <a:masterClrMapping/>
+  </p:clrMapOvr>
+</p:sldLayout>
+</file>
+
+<file path=ppt/slideLayouts/slideLayout17.xml><?xml version="1.0" encoding="utf-8"?>
+<p:sldLayout xmlns:a="http://schemas.openxmlformats.org/drawingml/2006/main" xmlns:r="http://schemas.openxmlformats.org/officeDocument/2006/relationships" xmlns:p="http://schemas.openxmlformats.org/presentationml/2006/main" type="titleOnly" preserve="1">
+  <p:cSld name="仅标题">
+    <p:spTree>
+      <p:nvGrpSpPr>
+        <p:cNvPr id="1" name=""/>
+        <p:cNvGrpSpPr/>
+        <p:nvPr/>
+      </p:nvGrpSpPr>
+      <p:grpSpPr>
+        <a:xfrm>
+          <a:off x="0" y="0"/>
+          <a:ext cx="0" cy="0"/>
+          <a:chOff x="0" y="0"/>
+          <a:chExt cx="0" cy="0"/>
+        </a:xfrm>
+      </p:grpSpPr>
+      <p:sp>
+        <p:nvSpPr>
+          <p:cNvPr id="2" name="标题 1"/>
+          <p:cNvSpPr>
+            <a:spLocks noGrp="1"/>
+          </p:cNvSpPr>
+          <p:nvPr>
+            <p:ph type="title"/>
+          </p:nvPr>
+        </p:nvSpPr>
+        <p:spPr/>
+        <p:txBody>
+          <a:bodyPr/>
+          <a:lstStyle/>
+          <a:p>
+            <a:r>
+              <a:rPr lang="zh-CN" altLang="en-US"/>
+              <a:t>单击此处编辑母版标题样式</a:t>
+            </a:r>
+            <a:endParaRPr lang="zh-CN" altLang="en-US"/>
+          </a:p>
+        </p:txBody>
+      </p:sp>
+      <p:sp>
+        <p:nvSpPr>
+          <p:cNvPr id="3" name="日期占位符 2"/>
+          <p:cNvSpPr>
+            <a:spLocks noGrp="1"/>
+          </p:cNvSpPr>
+          <p:nvPr>
+            <p:ph type="dt" sz="half" idx="10"/>
+          </p:nvPr>
+        </p:nvSpPr>
+        <p:spPr/>
+        <p:txBody>
+          <a:bodyPr/>
+          <a:lstStyle/>
+          <a:p>
+            <a:fld id="{5F436CC1-8A58-4025-8674-AC4643FC1143}" type="datetimeFigureOut">
+              <a:rPr lang="zh-CN" altLang="en-US" smtClean="0"/>
+            </a:fld>
+            <a:endParaRPr lang="zh-CN" altLang="en-US"/>
+          </a:p>
+        </p:txBody>
+      </p:sp>
+      <p:sp>
+        <p:nvSpPr>
+          <p:cNvPr id="4" name="页脚占位符 3"/>
+          <p:cNvSpPr>
+            <a:spLocks noGrp="1"/>
+          </p:cNvSpPr>
+          <p:nvPr>
+            <p:ph type="ftr" sz="quarter" idx="11"/>
+          </p:nvPr>
+        </p:nvSpPr>
+        <p:spPr/>
+        <p:txBody>
+          <a:bodyPr/>
+          <a:lstStyle/>
+          <a:p>
+            <a:endParaRPr lang="zh-CN" altLang="en-US"/>
+          </a:p>
+        </p:txBody>
+      </p:sp>
+      <p:sp>
+        <p:nvSpPr>
+          <p:cNvPr id="5" name="灯片编号占位符 4"/>
+          <p:cNvSpPr>
+            <a:spLocks noGrp="1"/>
+          </p:cNvSpPr>
+          <p:nvPr>
+            <p:ph type="sldNum" sz="quarter" idx="12"/>
+          </p:nvPr>
+        </p:nvSpPr>
+        <p:spPr/>
+        <p:txBody>
+          <a:bodyPr/>
+          <a:lstStyle/>
+          <a:p>
+            <a:fld id="{DC94044A-7ABA-45EB-8F13-95CB6439284F}" type="slidenum">
+              <a:rPr lang="zh-CN" altLang="en-US" smtClean="0"/>
+            </a:fld>
+            <a:endParaRPr lang="zh-CN" altLang="en-US"/>
+          </a:p>
+        </p:txBody>
+      </p:sp>
+    </p:spTree>
+  </p:cSld>
+  <p:clrMapOvr>
+    <a:masterClrMapping/>
+  </p:clrMapOvr>
+</p:sldLayout>
+</file>
+
+<file path=ppt/slideLayouts/slideLayout18.xml><?xml version="1.0" encoding="utf-8"?>
+<p:sldLayout xmlns:a="http://schemas.openxmlformats.org/drawingml/2006/main" xmlns:r="http://schemas.openxmlformats.org/officeDocument/2006/relationships" xmlns:p="http://schemas.openxmlformats.org/presentationml/2006/main" type="blank" preserve="1">
+  <p:cSld name="空白">
+    <p:spTree>
+      <p:nvGrpSpPr>
+        <p:cNvPr id="1" name=""/>
+        <p:cNvGrpSpPr/>
+        <p:nvPr/>
+      </p:nvGrpSpPr>
+      <p:grpSpPr>
+        <a:xfrm>
+          <a:off x="0" y="0"/>
+          <a:ext cx="0" cy="0"/>
+          <a:chOff x="0" y="0"/>
+          <a:chExt cx="0" cy="0"/>
+        </a:xfrm>
+      </p:grpSpPr>
+      <p:sp>
+        <p:nvSpPr>
+          <p:cNvPr id="2" name="日期占位符 1"/>
+          <p:cNvSpPr>
+            <a:spLocks noGrp="1"/>
+          </p:cNvSpPr>
+          <p:nvPr>
+            <p:ph type="dt" sz="half" idx="10"/>
+          </p:nvPr>
+        </p:nvSpPr>
+        <p:spPr/>
+        <p:txBody>
+          <a:bodyPr/>
+          <a:lstStyle/>
+          <a:p>
+            <a:fld id="{5F436CC1-8A58-4025-8674-AC4643FC1143}" type="datetimeFigureOut">
+              <a:rPr lang="zh-CN" altLang="en-US" smtClean="0"/>
+            </a:fld>
+            <a:endParaRPr lang="zh-CN" altLang="en-US"/>
+          </a:p>
+        </p:txBody>
+      </p:sp>
+      <p:sp>
+        <p:nvSpPr>
+          <p:cNvPr id="3" name="页脚占位符 2"/>
+          <p:cNvSpPr>
+            <a:spLocks noGrp="1"/>
+          </p:cNvSpPr>
+          <p:nvPr>
+            <p:ph type="ftr" sz="quarter" idx="11"/>
+          </p:nvPr>
+        </p:nvSpPr>
+        <p:spPr/>
+        <p:txBody>
+          <a:bodyPr/>
+          <a:lstStyle/>
+          <a:p>
+            <a:endParaRPr lang="zh-CN" altLang="en-US"/>
+          </a:p>
+        </p:txBody>
+      </p:sp>
+      <p:sp>
+        <p:nvSpPr>
+          <p:cNvPr id="4" name="灯片编号占位符 3"/>
+          <p:cNvSpPr>
+            <a:spLocks noGrp="1"/>
+          </p:cNvSpPr>
+          <p:nvPr>
+            <p:ph type="sldNum" sz="quarter" idx="12"/>
+          </p:nvPr>
+        </p:nvSpPr>
+        <p:spPr/>
+        <p:txBody>
+          <a:bodyPr/>
+          <a:lstStyle/>
+          <a:p>
+            <a:fld id="{DC94044A-7ABA-45EB-8F13-95CB6439284F}" type="slidenum">
+              <a:rPr lang="zh-CN" altLang="en-US" smtClean="0"/>
+            </a:fld>
+            <a:endParaRPr lang="zh-CN" altLang="en-US"/>
+          </a:p>
+        </p:txBody>
+      </p:sp>
+    </p:spTree>
+  </p:cSld>
+  <p:clrMapOvr>
+    <a:masterClrMapping/>
+  </p:clrMapOvr>
+</p:sldLayout>
+</file>
+
+<file path=ppt/slideLayouts/slideLayout19.xml><?xml version="1.0" encoding="utf-8"?>
+<p:sldLayout xmlns:a="http://schemas.openxmlformats.org/drawingml/2006/main" xmlns:r="http://schemas.openxmlformats.org/officeDocument/2006/relationships" xmlns:p="http://schemas.openxmlformats.org/presentationml/2006/main" type="objTx" preserve="1">
+  <p:cSld name="内容与标题">
+    <p:spTree>
+      <p:nvGrpSpPr>
+        <p:cNvPr id="1" name=""/>
+        <p:cNvGrpSpPr/>
+        <p:nvPr/>
+      </p:nvGrpSpPr>
+      <p:grpSpPr>
+        <a:xfrm>
+          <a:off x="0" y="0"/>
+          <a:ext cx="0" cy="0"/>
+          <a:chOff x="0" y="0"/>
+          <a:chExt cx="0" cy="0"/>
+        </a:xfrm>
+      </p:grpSpPr>
+      <p:sp>
+        <p:nvSpPr>
+          <p:cNvPr id="2" name="标题 1"/>
+          <p:cNvSpPr>
+            <a:spLocks noGrp="1"/>
+          </p:cNvSpPr>
+          <p:nvPr>
+            <p:ph type="title"/>
+          </p:nvPr>
+        </p:nvSpPr>
+        <p:spPr>
+          <a:xfrm>
+            <a:off x="839788" y="457200"/>
+            <a:ext cx="3932237" cy="1600200"/>
+          </a:xfrm>
+        </p:spPr>
+        <p:txBody>
+          <a:bodyPr anchor="b"/>
+          <a:lstStyle>
+            <a:lvl1pPr>
+              <a:defRPr sz="3200"/>
+            </a:lvl1pPr>
+          </a:lstStyle>
+          <a:p>
+            <a:r>
+              <a:rPr lang="zh-CN" altLang="en-US"/>
+              <a:t>单击此处编辑母版标题样式</a:t>
+            </a:r>
+            <a:endParaRPr lang="zh-CN" altLang="en-US"/>
+          </a:p>
+        </p:txBody>
+      </p:sp>
+      <p:sp>
+        <p:nvSpPr>
+          <p:cNvPr id="3" name="内容占位符 2"/>
+          <p:cNvSpPr>
+            <a:spLocks noGrp="1"/>
+          </p:cNvSpPr>
+          <p:nvPr>
+            <p:ph idx="1"/>
+          </p:nvPr>
+        </p:nvSpPr>
+        <p:spPr>
+          <a:xfrm>
+            <a:off x="5183188" y="987425"/>
+            <a:ext cx="6172200" cy="4873625"/>
+          </a:xfrm>
+        </p:spPr>
+        <p:txBody>
+          <a:bodyPr/>
+          <a:lstStyle>
+            <a:lvl1pPr>
+              <a:defRPr sz="3200"/>
+            </a:lvl1pPr>
+            <a:lvl2pPr>
+              <a:defRPr sz="2800"/>
+            </a:lvl2pPr>
+            <a:lvl3pPr>
+              <a:defRPr sz="2400"/>
+            </a:lvl3pPr>
+            <a:lvl4pPr>
+              <a:defRPr sz="2000"/>
+            </a:lvl4pPr>
+            <a:lvl5pPr>
+              <a:defRPr sz="2000"/>
+            </a:lvl5pPr>
+            <a:lvl6pPr>
+              <a:defRPr sz="2000"/>
+            </a:lvl6pPr>
+            <a:lvl7pPr>
+              <a:defRPr sz="2000"/>
+            </a:lvl7pPr>
+            <a:lvl8pPr>
+              <a:defRPr sz="2000"/>
+            </a:lvl8pPr>
+            <a:lvl9pPr>
+              <a:defRPr sz="2000"/>
+            </a:lvl9pPr>
+          </a:lstStyle>
+          <a:p>
+            <a:pPr lvl="0"/>
+            <a:r>
+              <a:rPr lang="zh-CN" altLang="en-US"/>
+              <a:t>单击此处编辑母版文本样式</a:t>
+            </a:r>
+            <a:endParaRPr lang="zh-CN" altLang="en-US"/>
+          </a:p>
+          <a:p>
+            <a:pPr lvl="1"/>
+            <a:r>
+              <a:rPr lang="zh-CN" altLang="en-US"/>
+              <a:t>二级</a:t>
+            </a:r>
+            <a:endParaRPr lang="zh-CN" altLang="en-US"/>
+          </a:p>
+          <a:p>
+            <a:pPr lvl="2"/>
+            <a:r>
+              <a:rPr lang="zh-CN" altLang="en-US"/>
+              <a:t>三级</a:t>
+            </a:r>
+            <a:endParaRPr lang="zh-CN" altLang="en-US"/>
+          </a:p>
+          <a:p>
+            <a:pPr lvl="3"/>
+            <a:r>
+              <a:rPr lang="zh-CN" altLang="en-US"/>
+              <a:t>四级</a:t>
+            </a:r>
+            <a:endParaRPr lang="zh-CN" altLang="en-US"/>
+          </a:p>
+          <a:p>
+            <a:pPr lvl="4"/>
+            <a:r>
+              <a:rPr lang="zh-CN" altLang="en-US"/>
+              <a:t>五级</a:t>
+            </a:r>
+            <a:endParaRPr lang="zh-CN" altLang="en-US"/>
+          </a:p>
+        </p:txBody>
+      </p:sp>
+      <p:sp>
+        <p:nvSpPr>
+          <p:cNvPr id="4" name="文本占位符 3"/>
+          <p:cNvSpPr>
+            <a:spLocks noGrp="1"/>
+          </p:cNvSpPr>
+          <p:nvPr>
+            <p:ph type="body" sz="half" idx="2"/>
+          </p:nvPr>
+        </p:nvSpPr>
+        <p:spPr>
+          <a:xfrm>
+            <a:off x="839788" y="2057400"/>
+            <a:ext cx="3932237" cy="3811588"/>
+          </a:xfrm>
+        </p:spPr>
+        <p:txBody>
+          <a:bodyPr/>
+          <a:lstStyle>
+            <a:lvl1pPr marL="0" indent="0">
+              <a:buNone/>
+              <a:defRPr sz="1600"/>
+            </a:lvl1pPr>
+            <a:lvl2pPr marL="457200" indent="0">
+              <a:buNone/>
+              <a:defRPr sz="1400"/>
+            </a:lvl2pPr>
+            <a:lvl3pPr marL="914400" indent="0">
+              <a:buNone/>
+              <a:defRPr sz="1200"/>
+            </a:lvl3pPr>
+            <a:lvl4pPr marL="1371600" indent="0">
+              <a:buNone/>
+              <a:defRPr sz="1000"/>
+            </a:lvl4pPr>
+            <a:lvl5pPr marL="1828800" indent="0">
+              <a:buNone/>
+              <a:defRPr sz="1000"/>
+            </a:lvl5pPr>
+            <a:lvl6pPr marL="2286000" indent="0">
+              <a:buNone/>
+              <a:defRPr sz="1000"/>
+            </a:lvl6pPr>
+            <a:lvl7pPr marL="2743200" indent="0">
+              <a:buNone/>
+              <a:defRPr sz="1000"/>
+            </a:lvl7pPr>
+            <a:lvl8pPr marL="3200400" indent="0">
+              <a:buNone/>
+              <a:defRPr sz="1000"/>
+            </a:lvl8pPr>
+            <a:lvl9pPr marL="3657600" indent="0">
+              <a:buNone/>
+              <a:defRPr sz="1000"/>
+            </a:lvl9pPr>
+          </a:lstStyle>
+          <a:p>
+            <a:pPr lvl="0"/>
+            <a:r>
+              <a:rPr lang="zh-CN" altLang="en-US"/>
+              <a:t>单击此处编辑母版文本样式</a:t>
+            </a:r>
+            <a:endParaRPr lang="zh-CN" altLang="en-US"/>
+          </a:p>
+        </p:txBody>
+      </p:sp>
+      <p:sp>
+        <p:nvSpPr>
+          <p:cNvPr id="5" name="日期占位符 4"/>
+          <p:cNvSpPr>
+            <a:spLocks noGrp="1"/>
+          </p:cNvSpPr>
+          <p:nvPr>
+            <p:ph type="dt" sz="half" idx="10"/>
+          </p:nvPr>
+        </p:nvSpPr>
+        <p:spPr/>
+        <p:txBody>
+          <a:bodyPr/>
+          <a:lstStyle/>
+          <a:p>
+            <a:fld id="{5F436CC1-8A58-4025-8674-AC4643FC1143}" type="datetimeFigureOut">
+              <a:rPr lang="zh-CN" altLang="en-US" smtClean="0"/>
+            </a:fld>
+            <a:endParaRPr lang="zh-CN" altLang="en-US"/>
+          </a:p>
+        </p:txBody>
+      </p:sp>
+      <p:sp>
+        <p:nvSpPr>
+          <p:cNvPr id="6" name="页脚占位符 5"/>
+          <p:cNvSpPr>
+            <a:spLocks noGrp="1"/>
+          </p:cNvSpPr>
+          <p:nvPr>
+            <p:ph type="ftr" sz="quarter" idx="11"/>
+          </p:nvPr>
+        </p:nvSpPr>
+        <p:spPr/>
+        <p:txBody>
+          <a:bodyPr/>
+          <a:lstStyle/>
+          <a:p>
+            <a:endParaRPr lang="zh-CN" altLang="en-US"/>
+          </a:p>
+        </p:txBody>
+      </p:sp>
+      <p:sp>
+        <p:nvSpPr>
+          <p:cNvPr id="7" name="灯片编号占位符 6"/>
+          <p:cNvSpPr>
+            <a:spLocks noGrp="1"/>
+          </p:cNvSpPr>
+          <p:nvPr>
+            <p:ph type="sldNum" sz="quarter" idx="12"/>
+          </p:nvPr>
+        </p:nvSpPr>
+        <p:spPr/>
+        <p:txBody>
+          <a:bodyPr/>
+          <a:lstStyle/>
+          <a:p>
+            <a:fld id="{DC94044A-7ABA-45EB-8F13-95CB6439284F}" type="slidenum">
+              <a:rPr lang="zh-CN" altLang="en-US" smtClean="0"/>
+            </a:fld>
+            <a:endParaRPr lang="zh-CN" altLang="en-US"/>
+          </a:p>
+        </p:txBody>
+      </p:sp>
+    </p:spTree>
+  </p:cSld>
+  <p:clrMapOvr>
+    <a:masterClrMapping/>
+  </p:clrMapOvr>
+</p:sldLayout>
+</file>
+
 <file path=ppt/slideLayouts/slideLayout2.xml><?xml version="1.0" encoding="utf-8"?>
 <p:sldLayout xmlns:a="http://schemas.openxmlformats.org/drawingml/2006/main" xmlns:r="http://schemas.openxmlformats.org/officeDocument/2006/relationships" xmlns:p="http://schemas.openxmlformats.org/presentationml/2006/main" type="obj" preserve="1">
   <p:cSld name="标题和内容">
@@ -710,6 +2381,597 @@
         <p:spPr/>
         <p:txBody>
           <a:bodyPr/>
+          <a:lstStyle/>
+          <a:p>
+            <a:pPr lvl="0"/>
+            <a:r>
+              <a:rPr lang="zh-CN" altLang="en-US"/>
+              <a:t>单击此处编辑母版文本样式</a:t>
+            </a:r>
+            <a:endParaRPr lang="zh-CN" altLang="en-US"/>
+          </a:p>
+          <a:p>
+            <a:pPr lvl="1"/>
+            <a:r>
+              <a:rPr lang="zh-CN" altLang="en-US"/>
+              <a:t>二级</a:t>
+            </a:r>
+            <a:endParaRPr lang="zh-CN" altLang="en-US"/>
+          </a:p>
+          <a:p>
+            <a:pPr lvl="2"/>
+            <a:r>
+              <a:rPr lang="zh-CN" altLang="en-US"/>
+              <a:t>三级</a:t>
+            </a:r>
+            <a:endParaRPr lang="zh-CN" altLang="en-US"/>
+          </a:p>
+          <a:p>
+            <a:pPr lvl="3"/>
+            <a:r>
+              <a:rPr lang="zh-CN" altLang="en-US"/>
+              <a:t>四级</a:t>
+            </a:r>
+            <a:endParaRPr lang="zh-CN" altLang="en-US"/>
+          </a:p>
+          <a:p>
+            <a:pPr lvl="4"/>
+            <a:r>
+              <a:rPr lang="zh-CN" altLang="en-US"/>
+              <a:t>五级</a:t>
+            </a:r>
+            <a:endParaRPr lang="zh-CN" altLang="en-US"/>
+          </a:p>
+        </p:txBody>
+      </p:sp>
+      <p:sp>
+        <p:nvSpPr>
+          <p:cNvPr id="4" name="日期占位符 3"/>
+          <p:cNvSpPr>
+            <a:spLocks noGrp="1"/>
+          </p:cNvSpPr>
+          <p:nvPr>
+            <p:ph type="dt" sz="half" idx="10"/>
+          </p:nvPr>
+        </p:nvSpPr>
+        <p:spPr/>
+        <p:txBody>
+          <a:bodyPr/>
+          <a:lstStyle/>
+          <a:p>
+            <a:fld id="{5F436CC1-8A58-4025-8674-AC4643FC1143}" type="datetimeFigureOut">
+              <a:rPr lang="zh-CN" altLang="en-US" smtClean="0"/>
+            </a:fld>
+            <a:endParaRPr lang="zh-CN" altLang="en-US"/>
+          </a:p>
+        </p:txBody>
+      </p:sp>
+      <p:sp>
+        <p:nvSpPr>
+          <p:cNvPr id="5" name="页脚占位符 4"/>
+          <p:cNvSpPr>
+            <a:spLocks noGrp="1"/>
+          </p:cNvSpPr>
+          <p:nvPr>
+            <p:ph type="ftr" sz="quarter" idx="11"/>
+          </p:nvPr>
+        </p:nvSpPr>
+        <p:spPr/>
+        <p:txBody>
+          <a:bodyPr/>
+          <a:lstStyle/>
+          <a:p>
+            <a:endParaRPr lang="zh-CN" altLang="en-US"/>
+          </a:p>
+        </p:txBody>
+      </p:sp>
+      <p:sp>
+        <p:nvSpPr>
+          <p:cNvPr id="6" name="灯片编号占位符 5"/>
+          <p:cNvSpPr>
+            <a:spLocks noGrp="1"/>
+          </p:cNvSpPr>
+          <p:nvPr>
+            <p:ph type="sldNum" sz="quarter" idx="12"/>
+          </p:nvPr>
+        </p:nvSpPr>
+        <p:spPr/>
+        <p:txBody>
+          <a:bodyPr/>
+          <a:lstStyle/>
+          <a:p>
+            <a:fld id="{DC94044A-7ABA-45EB-8F13-95CB6439284F}" type="slidenum">
+              <a:rPr lang="zh-CN" altLang="en-US" smtClean="0"/>
+            </a:fld>
+            <a:endParaRPr lang="zh-CN" altLang="en-US"/>
+          </a:p>
+        </p:txBody>
+      </p:sp>
+    </p:spTree>
+  </p:cSld>
+  <p:clrMapOvr>
+    <a:masterClrMapping/>
+  </p:clrMapOvr>
+</p:sldLayout>
+</file>
+
+<file path=ppt/slideLayouts/slideLayout20.xml><?xml version="1.0" encoding="utf-8"?>
+<p:sldLayout xmlns:a="http://schemas.openxmlformats.org/drawingml/2006/main" xmlns:r="http://schemas.openxmlformats.org/officeDocument/2006/relationships" xmlns:p="http://schemas.openxmlformats.org/presentationml/2006/main" type="picTx" preserve="1">
+  <p:cSld name="图片与标题">
+    <p:spTree>
+      <p:nvGrpSpPr>
+        <p:cNvPr id="1" name=""/>
+        <p:cNvGrpSpPr/>
+        <p:nvPr/>
+      </p:nvGrpSpPr>
+      <p:grpSpPr>
+        <a:xfrm>
+          <a:off x="0" y="0"/>
+          <a:ext cx="0" cy="0"/>
+          <a:chOff x="0" y="0"/>
+          <a:chExt cx="0" cy="0"/>
+        </a:xfrm>
+      </p:grpSpPr>
+      <p:sp>
+        <p:nvSpPr>
+          <p:cNvPr id="2" name="标题 1"/>
+          <p:cNvSpPr>
+            <a:spLocks noGrp="1"/>
+          </p:cNvSpPr>
+          <p:nvPr>
+            <p:ph type="title"/>
+          </p:nvPr>
+        </p:nvSpPr>
+        <p:spPr>
+          <a:xfrm>
+            <a:off x="839788" y="457200"/>
+            <a:ext cx="3932237" cy="1600200"/>
+          </a:xfrm>
+        </p:spPr>
+        <p:txBody>
+          <a:bodyPr anchor="b"/>
+          <a:lstStyle>
+            <a:lvl1pPr>
+              <a:defRPr sz="3200"/>
+            </a:lvl1pPr>
+          </a:lstStyle>
+          <a:p>
+            <a:r>
+              <a:rPr lang="zh-CN" altLang="en-US"/>
+              <a:t>单击此处编辑母版标题样式</a:t>
+            </a:r>
+            <a:endParaRPr lang="zh-CN" altLang="en-US"/>
+          </a:p>
+        </p:txBody>
+      </p:sp>
+      <p:sp>
+        <p:nvSpPr>
+          <p:cNvPr id="3" name="图片占位符 2"/>
+          <p:cNvSpPr>
+            <a:spLocks noGrp="1"/>
+          </p:cNvSpPr>
+          <p:nvPr>
+            <p:ph type="pic" idx="1"/>
+          </p:nvPr>
+        </p:nvSpPr>
+        <p:spPr>
+          <a:xfrm>
+            <a:off x="5183188" y="987425"/>
+            <a:ext cx="6172200" cy="4873625"/>
+          </a:xfrm>
+        </p:spPr>
+        <p:txBody>
+          <a:bodyPr/>
+          <a:lstStyle>
+            <a:lvl1pPr marL="0" indent="0">
+              <a:buNone/>
+              <a:defRPr sz="3200"/>
+            </a:lvl1pPr>
+            <a:lvl2pPr marL="457200" indent="0">
+              <a:buNone/>
+              <a:defRPr sz="2800"/>
+            </a:lvl2pPr>
+            <a:lvl3pPr marL="914400" indent="0">
+              <a:buNone/>
+              <a:defRPr sz="2400"/>
+            </a:lvl3pPr>
+            <a:lvl4pPr marL="1371600" indent="0">
+              <a:buNone/>
+              <a:defRPr sz="2000"/>
+            </a:lvl4pPr>
+            <a:lvl5pPr marL="1828800" indent="0">
+              <a:buNone/>
+              <a:defRPr sz="2000"/>
+            </a:lvl5pPr>
+            <a:lvl6pPr marL="2286000" indent="0">
+              <a:buNone/>
+              <a:defRPr sz="2000"/>
+            </a:lvl6pPr>
+            <a:lvl7pPr marL="2743200" indent="0">
+              <a:buNone/>
+              <a:defRPr sz="2000"/>
+            </a:lvl7pPr>
+            <a:lvl8pPr marL="3200400" indent="0">
+              <a:buNone/>
+              <a:defRPr sz="2000"/>
+            </a:lvl8pPr>
+            <a:lvl9pPr marL="3657600" indent="0">
+              <a:buNone/>
+              <a:defRPr sz="2000"/>
+            </a:lvl9pPr>
+          </a:lstStyle>
+          <a:p>
+            <a:endParaRPr lang="zh-CN" altLang="en-US"/>
+          </a:p>
+        </p:txBody>
+      </p:sp>
+      <p:sp>
+        <p:nvSpPr>
+          <p:cNvPr id="4" name="文本占位符 3"/>
+          <p:cNvSpPr>
+            <a:spLocks noGrp="1"/>
+          </p:cNvSpPr>
+          <p:nvPr>
+            <p:ph type="body" sz="half" idx="2"/>
+          </p:nvPr>
+        </p:nvSpPr>
+        <p:spPr>
+          <a:xfrm>
+            <a:off x="839788" y="2057400"/>
+            <a:ext cx="3932237" cy="3811588"/>
+          </a:xfrm>
+        </p:spPr>
+        <p:txBody>
+          <a:bodyPr/>
+          <a:lstStyle>
+            <a:lvl1pPr marL="0" indent="0">
+              <a:buNone/>
+              <a:defRPr sz="1600"/>
+            </a:lvl1pPr>
+            <a:lvl2pPr marL="457200" indent="0">
+              <a:buNone/>
+              <a:defRPr sz="1400"/>
+            </a:lvl2pPr>
+            <a:lvl3pPr marL="914400" indent="0">
+              <a:buNone/>
+              <a:defRPr sz="1200"/>
+            </a:lvl3pPr>
+            <a:lvl4pPr marL="1371600" indent="0">
+              <a:buNone/>
+              <a:defRPr sz="1000"/>
+            </a:lvl4pPr>
+            <a:lvl5pPr marL="1828800" indent="0">
+              <a:buNone/>
+              <a:defRPr sz="1000"/>
+            </a:lvl5pPr>
+            <a:lvl6pPr marL="2286000" indent="0">
+              <a:buNone/>
+              <a:defRPr sz="1000"/>
+            </a:lvl6pPr>
+            <a:lvl7pPr marL="2743200" indent="0">
+              <a:buNone/>
+              <a:defRPr sz="1000"/>
+            </a:lvl7pPr>
+            <a:lvl8pPr marL="3200400" indent="0">
+              <a:buNone/>
+              <a:defRPr sz="1000"/>
+            </a:lvl8pPr>
+            <a:lvl9pPr marL="3657600" indent="0">
+              <a:buNone/>
+              <a:defRPr sz="1000"/>
+            </a:lvl9pPr>
+          </a:lstStyle>
+          <a:p>
+            <a:pPr lvl="0"/>
+            <a:r>
+              <a:rPr lang="zh-CN" altLang="en-US"/>
+              <a:t>单击此处编辑母版文本样式</a:t>
+            </a:r>
+            <a:endParaRPr lang="zh-CN" altLang="en-US"/>
+          </a:p>
+        </p:txBody>
+      </p:sp>
+      <p:sp>
+        <p:nvSpPr>
+          <p:cNvPr id="5" name="日期占位符 4"/>
+          <p:cNvSpPr>
+            <a:spLocks noGrp="1"/>
+          </p:cNvSpPr>
+          <p:nvPr>
+            <p:ph type="dt" sz="half" idx="10"/>
+          </p:nvPr>
+        </p:nvSpPr>
+        <p:spPr/>
+        <p:txBody>
+          <a:bodyPr/>
+          <a:lstStyle/>
+          <a:p>
+            <a:fld id="{5F436CC1-8A58-4025-8674-AC4643FC1143}" type="datetimeFigureOut">
+              <a:rPr lang="zh-CN" altLang="en-US" smtClean="0"/>
+            </a:fld>
+            <a:endParaRPr lang="zh-CN" altLang="en-US"/>
+          </a:p>
+        </p:txBody>
+      </p:sp>
+      <p:sp>
+        <p:nvSpPr>
+          <p:cNvPr id="6" name="页脚占位符 5"/>
+          <p:cNvSpPr>
+            <a:spLocks noGrp="1"/>
+          </p:cNvSpPr>
+          <p:nvPr>
+            <p:ph type="ftr" sz="quarter" idx="11"/>
+          </p:nvPr>
+        </p:nvSpPr>
+        <p:spPr/>
+        <p:txBody>
+          <a:bodyPr/>
+          <a:lstStyle/>
+          <a:p>
+            <a:endParaRPr lang="zh-CN" altLang="en-US"/>
+          </a:p>
+        </p:txBody>
+      </p:sp>
+      <p:sp>
+        <p:nvSpPr>
+          <p:cNvPr id="7" name="灯片编号占位符 6"/>
+          <p:cNvSpPr>
+            <a:spLocks noGrp="1"/>
+          </p:cNvSpPr>
+          <p:nvPr>
+            <p:ph type="sldNum" sz="quarter" idx="12"/>
+          </p:nvPr>
+        </p:nvSpPr>
+        <p:spPr/>
+        <p:txBody>
+          <a:bodyPr/>
+          <a:lstStyle/>
+          <a:p>
+            <a:fld id="{DC94044A-7ABA-45EB-8F13-95CB6439284F}" type="slidenum">
+              <a:rPr lang="zh-CN" altLang="en-US" smtClean="0"/>
+            </a:fld>
+            <a:endParaRPr lang="zh-CN" altLang="en-US"/>
+          </a:p>
+        </p:txBody>
+      </p:sp>
+    </p:spTree>
+  </p:cSld>
+  <p:clrMapOvr>
+    <a:masterClrMapping/>
+  </p:clrMapOvr>
+</p:sldLayout>
+</file>
+
+<file path=ppt/slideLayouts/slideLayout21.xml><?xml version="1.0" encoding="utf-8"?>
+<p:sldLayout xmlns:a="http://schemas.openxmlformats.org/drawingml/2006/main" xmlns:r="http://schemas.openxmlformats.org/officeDocument/2006/relationships" xmlns:p="http://schemas.openxmlformats.org/presentationml/2006/main" type="vertTx" preserve="1">
+  <p:cSld name="标题和竖排文字">
+    <p:spTree>
+      <p:nvGrpSpPr>
+        <p:cNvPr id="1" name=""/>
+        <p:cNvGrpSpPr/>
+        <p:nvPr/>
+      </p:nvGrpSpPr>
+      <p:grpSpPr>
+        <a:xfrm>
+          <a:off x="0" y="0"/>
+          <a:ext cx="0" cy="0"/>
+          <a:chOff x="0" y="0"/>
+          <a:chExt cx="0" cy="0"/>
+        </a:xfrm>
+      </p:grpSpPr>
+      <p:sp>
+        <p:nvSpPr>
+          <p:cNvPr id="2" name="标题 1"/>
+          <p:cNvSpPr>
+            <a:spLocks noGrp="1"/>
+          </p:cNvSpPr>
+          <p:nvPr>
+            <p:ph type="title"/>
+          </p:nvPr>
+        </p:nvSpPr>
+        <p:spPr/>
+        <p:txBody>
+          <a:bodyPr/>
+          <a:lstStyle/>
+          <a:p>
+            <a:r>
+              <a:rPr lang="zh-CN" altLang="en-US"/>
+              <a:t>单击此处编辑母版标题样式</a:t>
+            </a:r>
+            <a:endParaRPr lang="zh-CN" altLang="en-US"/>
+          </a:p>
+        </p:txBody>
+      </p:sp>
+      <p:sp>
+        <p:nvSpPr>
+          <p:cNvPr id="3" name="竖排文字占位符 2"/>
+          <p:cNvSpPr>
+            <a:spLocks noGrp="1"/>
+          </p:cNvSpPr>
+          <p:nvPr>
+            <p:ph type="body" orient="vert" idx="1"/>
+          </p:nvPr>
+        </p:nvSpPr>
+        <p:spPr/>
+        <p:txBody>
+          <a:bodyPr vert="eaVert"/>
+          <a:lstStyle/>
+          <a:p>
+            <a:pPr lvl="0"/>
+            <a:r>
+              <a:rPr lang="zh-CN" altLang="en-US"/>
+              <a:t>单击此处编辑母版文本样式</a:t>
+            </a:r>
+            <a:endParaRPr lang="zh-CN" altLang="en-US"/>
+          </a:p>
+          <a:p>
+            <a:pPr lvl="1"/>
+            <a:r>
+              <a:rPr lang="zh-CN" altLang="en-US"/>
+              <a:t>二级</a:t>
+            </a:r>
+            <a:endParaRPr lang="zh-CN" altLang="en-US"/>
+          </a:p>
+          <a:p>
+            <a:pPr lvl="2"/>
+            <a:r>
+              <a:rPr lang="zh-CN" altLang="en-US"/>
+              <a:t>三级</a:t>
+            </a:r>
+            <a:endParaRPr lang="zh-CN" altLang="en-US"/>
+          </a:p>
+          <a:p>
+            <a:pPr lvl="3"/>
+            <a:r>
+              <a:rPr lang="zh-CN" altLang="en-US"/>
+              <a:t>四级</a:t>
+            </a:r>
+            <a:endParaRPr lang="zh-CN" altLang="en-US"/>
+          </a:p>
+          <a:p>
+            <a:pPr lvl="4"/>
+            <a:r>
+              <a:rPr lang="zh-CN" altLang="en-US"/>
+              <a:t>五级</a:t>
+            </a:r>
+            <a:endParaRPr lang="zh-CN" altLang="en-US"/>
+          </a:p>
+        </p:txBody>
+      </p:sp>
+      <p:sp>
+        <p:nvSpPr>
+          <p:cNvPr id="4" name="日期占位符 3"/>
+          <p:cNvSpPr>
+            <a:spLocks noGrp="1"/>
+          </p:cNvSpPr>
+          <p:nvPr>
+            <p:ph type="dt" sz="half" idx="10"/>
+          </p:nvPr>
+        </p:nvSpPr>
+        <p:spPr/>
+        <p:txBody>
+          <a:bodyPr/>
+          <a:lstStyle/>
+          <a:p>
+            <a:fld id="{5F436CC1-8A58-4025-8674-AC4643FC1143}" type="datetimeFigureOut">
+              <a:rPr lang="zh-CN" altLang="en-US" smtClean="0"/>
+            </a:fld>
+            <a:endParaRPr lang="zh-CN" altLang="en-US"/>
+          </a:p>
+        </p:txBody>
+      </p:sp>
+      <p:sp>
+        <p:nvSpPr>
+          <p:cNvPr id="5" name="页脚占位符 4"/>
+          <p:cNvSpPr>
+            <a:spLocks noGrp="1"/>
+          </p:cNvSpPr>
+          <p:nvPr>
+            <p:ph type="ftr" sz="quarter" idx="11"/>
+          </p:nvPr>
+        </p:nvSpPr>
+        <p:spPr/>
+        <p:txBody>
+          <a:bodyPr/>
+          <a:lstStyle/>
+          <a:p>
+            <a:endParaRPr lang="zh-CN" altLang="en-US"/>
+          </a:p>
+        </p:txBody>
+      </p:sp>
+      <p:sp>
+        <p:nvSpPr>
+          <p:cNvPr id="6" name="灯片编号占位符 5"/>
+          <p:cNvSpPr>
+            <a:spLocks noGrp="1"/>
+          </p:cNvSpPr>
+          <p:nvPr>
+            <p:ph type="sldNum" sz="quarter" idx="12"/>
+          </p:nvPr>
+        </p:nvSpPr>
+        <p:spPr/>
+        <p:txBody>
+          <a:bodyPr/>
+          <a:lstStyle/>
+          <a:p>
+            <a:fld id="{DC94044A-7ABA-45EB-8F13-95CB6439284F}" type="slidenum">
+              <a:rPr lang="zh-CN" altLang="en-US" smtClean="0"/>
+            </a:fld>
+            <a:endParaRPr lang="zh-CN" altLang="en-US"/>
+          </a:p>
+        </p:txBody>
+      </p:sp>
+    </p:spTree>
+  </p:cSld>
+  <p:clrMapOvr>
+    <a:masterClrMapping/>
+  </p:clrMapOvr>
+</p:sldLayout>
+</file>
+
+<file path=ppt/slideLayouts/slideLayout22.xml><?xml version="1.0" encoding="utf-8"?>
+<p:sldLayout xmlns:a="http://schemas.openxmlformats.org/drawingml/2006/main" xmlns:r="http://schemas.openxmlformats.org/officeDocument/2006/relationships" xmlns:p="http://schemas.openxmlformats.org/presentationml/2006/main" type="vertTitleAndTx" preserve="1">
+  <p:cSld name="竖排标题与文本">
+    <p:spTree>
+      <p:nvGrpSpPr>
+        <p:cNvPr id="1" name=""/>
+        <p:cNvGrpSpPr/>
+        <p:nvPr/>
+      </p:nvGrpSpPr>
+      <p:grpSpPr>
+        <a:xfrm>
+          <a:off x="0" y="0"/>
+          <a:ext cx="0" cy="0"/>
+          <a:chOff x="0" y="0"/>
+          <a:chExt cx="0" cy="0"/>
+        </a:xfrm>
+      </p:grpSpPr>
+      <p:sp>
+        <p:nvSpPr>
+          <p:cNvPr id="2" name="竖排标题 1"/>
+          <p:cNvSpPr>
+            <a:spLocks noGrp="1"/>
+          </p:cNvSpPr>
+          <p:nvPr>
+            <p:ph type="title" orient="vert"/>
+          </p:nvPr>
+        </p:nvSpPr>
+        <p:spPr>
+          <a:xfrm>
+            <a:off x="8724900" y="365125"/>
+            <a:ext cx="2628900" cy="5811838"/>
+          </a:xfrm>
+        </p:spPr>
+        <p:txBody>
+          <a:bodyPr vert="eaVert"/>
+          <a:lstStyle/>
+          <a:p>
+            <a:r>
+              <a:rPr lang="zh-CN" altLang="en-US"/>
+              <a:t>单击此处编辑母版标题样式</a:t>
+            </a:r>
+            <a:endParaRPr lang="zh-CN" altLang="en-US"/>
+          </a:p>
+        </p:txBody>
+      </p:sp>
+      <p:sp>
+        <p:nvSpPr>
+          <p:cNvPr id="3" name="竖排文字占位符 2"/>
+          <p:cNvSpPr>
+            <a:spLocks noGrp="1"/>
+          </p:cNvSpPr>
+          <p:nvPr>
+            <p:ph type="body" orient="vert" idx="1"/>
+          </p:nvPr>
+        </p:nvSpPr>
+        <p:spPr>
+          <a:xfrm>
+            <a:off x="838200" y="365125"/>
+            <a:ext cx="7734300" cy="5811838"/>
+          </a:xfrm>
+        </p:spPr>
+        <p:txBody>
+          <a:bodyPr vert="eaVert"/>
           <a:lstStyle/>
           <a:p>
             <a:pPr lvl="0"/>
@@ -2641,6 +4903,543 @@
     <p:sldLayoutId id="2147483657" r:id="rId9"/>
     <p:sldLayoutId id="2147483658" r:id="rId10"/>
     <p:sldLayoutId id="2147483659" r:id="rId11"/>
+  </p:sldLayoutIdLst>
+  <p:txStyles>
+    <p:titleStyle>
+      <a:lvl1pPr algn="l" defTabSz="914400" rtl="0" eaLnBrk="1" latinLnBrk="0" hangingPunct="1">
+        <a:lnSpc>
+          <a:spcPct val="90000"/>
+        </a:lnSpc>
+        <a:spcBef>
+          <a:spcPct val="0"/>
+        </a:spcBef>
+        <a:buNone/>
+        <a:defRPr sz="4400" kern="1200">
+          <a:solidFill>
+            <a:schemeClr val="tx1"/>
+          </a:solidFill>
+          <a:latin typeface="+mj-lt"/>
+          <a:ea typeface="+mj-ea"/>
+          <a:cs typeface="+mj-cs"/>
+        </a:defRPr>
+      </a:lvl1pPr>
+    </p:titleStyle>
+    <p:bodyStyle>
+      <a:lvl1pPr marL="228600" indent="-228600" algn="l" defTabSz="914400" rtl="0" eaLnBrk="1" latinLnBrk="0" hangingPunct="1">
+        <a:lnSpc>
+          <a:spcPct val="90000"/>
+        </a:lnSpc>
+        <a:spcBef>
+          <a:spcPts val="1000"/>
+        </a:spcBef>
+        <a:buFont typeface="Arial" panose="020B0604020202090204" pitchFamily="34" charset="0"/>
+        <a:buChar char="•"/>
+        <a:defRPr sz="2800" kern="1200">
+          <a:solidFill>
+            <a:schemeClr val="tx1"/>
+          </a:solidFill>
+          <a:latin typeface="+mn-lt"/>
+          <a:ea typeface="+mn-ea"/>
+          <a:cs typeface="+mn-cs"/>
+        </a:defRPr>
+      </a:lvl1pPr>
+      <a:lvl2pPr marL="685800" indent="-228600" algn="l" defTabSz="914400" rtl="0" eaLnBrk="1" latinLnBrk="0" hangingPunct="1">
+        <a:lnSpc>
+          <a:spcPct val="90000"/>
+        </a:lnSpc>
+        <a:spcBef>
+          <a:spcPts val="500"/>
+        </a:spcBef>
+        <a:buFont typeface="Arial" panose="020B0604020202090204" pitchFamily="34" charset="0"/>
+        <a:buChar char="•"/>
+        <a:defRPr sz="2400" kern="1200">
+          <a:solidFill>
+            <a:schemeClr val="tx1"/>
+          </a:solidFill>
+          <a:latin typeface="+mn-lt"/>
+          <a:ea typeface="+mn-ea"/>
+          <a:cs typeface="+mn-cs"/>
+        </a:defRPr>
+      </a:lvl2pPr>
+      <a:lvl3pPr marL="1143000" indent="-228600" algn="l" defTabSz="914400" rtl="0" eaLnBrk="1" latinLnBrk="0" hangingPunct="1">
+        <a:lnSpc>
+          <a:spcPct val="90000"/>
+        </a:lnSpc>
+        <a:spcBef>
+          <a:spcPts val="500"/>
+        </a:spcBef>
+        <a:buFont typeface="Arial" panose="020B0604020202090204" pitchFamily="34" charset="0"/>
+        <a:buChar char="•"/>
+        <a:defRPr sz="2000" kern="1200">
+          <a:solidFill>
+            <a:schemeClr val="tx1"/>
+          </a:solidFill>
+          <a:latin typeface="+mn-lt"/>
+          <a:ea typeface="+mn-ea"/>
+          <a:cs typeface="+mn-cs"/>
+        </a:defRPr>
+      </a:lvl3pPr>
+      <a:lvl4pPr marL="1600200" indent="-228600" algn="l" defTabSz="914400" rtl="0" eaLnBrk="1" latinLnBrk="0" hangingPunct="1">
+        <a:lnSpc>
+          <a:spcPct val="90000"/>
+        </a:lnSpc>
+        <a:spcBef>
+          <a:spcPts val="500"/>
+        </a:spcBef>
+        <a:buFont typeface="Arial" panose="020B0604020202090204" pitchFamily="34" charset="0"/>
+        <a:buChar char="•"/>
+        <a:defRPr sz="1800" kern="1200">
+          <a:solidFill>
+            <a:schemeClr val="tx1"/>
+          </a:solidFill>
+          <a:latin typeface="+mn-lt"/>
+          <a:ea typeface="+mn-ea"/>
+          <a:cs typeface="+mn-cs"/>
+        </a:defRPr>
+      </a:lvl4pPr>
+      <a:lvl5pPr marL="2057400" indent="-228600" algn="l" defTabSz="914400" rtl="0" eaLnBrk="1" latinLnBrk="0" hangingPunct="1">
+        <a:lnSpc>
+          <a:spcPct val="90000"/>
+        </a:lnSpc>
+        <a:spcBef>
+          <a:spcPts val="500"/>
+        </a:spcBef>
+        <a:buFont typeface="Arial" panose="020B0604020202090204" pitchFamily="34" charset="0"/>
+        <a:buChar char="•"/>
+        <a:defRPr sz="1800" kern="1200">
+          <a:solidFill>
+            <a:schemeClr val="tx1"/>
+          </a:solidFill>
+          <a:latin typeface="+mn-lt"/>
+          <a:ea typeface="+mn-ea"/>
+          <a:cs typeface="+mn-cs"/>
+        </a:defRPr>
+      </a:lvl5pPr>
+      <a:lvl6pPr marL="2514600" indent="-228600" algn="l" defTabSz="914400" rtl="0" eaLnBrk="1" latinLnBrk="0" hangingPunct="1">
+        <a:lnSpc>
+          <a:spcPct val="90000"/>
+        </a:lnSpc>
+        <a:spcBef>
+          <a:spcPts val="500"/>
+        </a:spcBef>
+        <a:buFont typeface="Arial" panose="020B0604020202090204" pitchFamily="34" charset="0"/>
+        <a:buChar char="•"/>
+        <a:defRPr sz="1800" kern="1200">
+          <a:solidFill>
+            <a:schemeClr val="tx1"/>
+          </a:solidFill>
+          <a:latin typeface="+mn-lt"/>
+          <a:ea typeface="+mn-ea"/>
+          <a:cs typeface="+mn-cs"/>
+        </a:defRPr>
+      </a:lvl6pPr>
+      <a:lvl7pPr marL="2971800" indent="-228600" algn="l" defTabSz="914400" rtl="0" eaLnBrk="1" latinLnBrk="0" hangingPunct="1">
+        <a:lnSpc>
+          <a:spcPct val="90000"/>
+        </a:lnSpc>
+        <a:spcBef>
+          <a:spcPts val="500"/>
+        </a:spcBef>
+        <a:buFont typeface="Arial" panose="020B0604020202090204" pitchFamily="34" charset="0"/>
+        <a:buChar char="•"/>
+        <a:defRPr sz="1800" kern="1200">
+          <a:solidFill>
+            <a:schemeClr val="tx1"/>
+          </a:solidFill>
+          <a:latin typeface="+mn-lt"/>
+          <a:ea typeface="+mn-ea"/>
+          <a:cs typeface="+mn-cs"/>
+        </a:defRPr>
+      </a:lvl7pPr>
+      <a:lvl8pPr marL="3429000" indent="-228600" algn="l" defTabSz="914400" rtl="0" eaLnBrk="1" latinLnBrk="0" hangingPunct="1">
+        <a:lnSpc>
+          <a:spcPct val="90000"/>
+        </a:lnSpc>
+        <a:spcBef>
+          <a:spcPts val="500"/>
+        </a:spcBef>
+        <a:buFont typeface="Arial" panose="020B0604020202090204" pitchFamily="34" charset="0"/>
+        <a:buChar char="•"/>
+        <a:defRPr sz="1800" kern="1200">
+          <a:solidFill>
+            <a:schemeClr val="tx1"/>
+          </a:solidFill>
+          <a:latin typeface="+mn-lt"/>
+          <a:ea typeface="+mn-ea"/>
+          <a:cs typeface="+mn-cs"/>
+        </a:defRPr>
+      </a:lvl8pPr>
+      <a:lvl9pPr marL="3886200" indent="-228600" algn="l" defTabSz="914400" rtl="0" eaLnBrk="1" latinLnBrk="0" hangingPunct="1">
+        <a:lnSpc>
+          <a:spcPct val="90000"/>
+        </a:lnSpc>
+        <a:spcBef>
+          <a:spcPts val="500"/>
+        </a:spcBef>
+        <a:buFont typeface="Arial" panose="020B0604020202090204" pitchFamily="34" charset="0"/>
+        <a:buChar char="•"/>
+        <a:defRPr sz="1800" kern="1200">
+          <a:solidFill>
+            <a:schemeClr val="tx1"/>
+          </a:solidFill>
+          <a:latin typeface="+mn-lt"/>
+          <a:ea typeface="+mn-ea"/>
+          <a:cs typeface="+mn-cs"/>
+        </a:defRPr>
+      </a:lvl9pPr>
+    </p:bodyStyle>
+    <p:otherStyle>
+      <a:defPPr>
+        <a:defRPr lang="zh-CN"/>
+      </a:defPPr>
+      <a:lvl1pPr marL="0" algn="l" defTabSz="914400" rtl="0" eaLnBrk="1" latinLnBrk="0" hangingPunct="1">
+        <a:defRPr sz="1800" kern="1200">
+          <a:solidFill>
+            <a:schemeClr val="tx1"/>
+          </a:solidFill>
+          <a:latin typeface="+mn-lt"/>
+          <a:ea typeface="+mn-ea"/>
+          <a:cs typeface="+mn-cs"/>
+        </a:defRPr>
+      </a:lvl1pPr>
+      <a:lvl2pPr marL="457200" algn="l" defTabSz="914400" rtl="0" eaLnBrk="1" latinLnBrk="0" hangingPunct="1">
+        <a:defRPr sz="1800" kern="1200">
+          <a:solidFill>
+            <a:schemeClr val="tx1"/>
+          </a:solidFill>
+          <a:latin typeface="+mn-lt"/>
+          <a:ea typeface="+mn-ea"/>
+          <a:cs typeface="+mn-cs"/>
+        </a:defRPr>
+      </a:lvl2pPr>
+      <a:lvl3pPr marL="914400" algn="l" defTabSz="914400" rtl="0" eaLnBrk="1" latinLnBrk="0" hangingPunct="1">
+        <a:defRPr sz="1800" kern="1200">
+          <a:solidFill>
+            <a:schemeClr val="tx1"/>
+          </a:solidFill>
+          <a:latin typeface="+mn-lt"/>
+          <a:ea typeface="+mn-ea"/>
+          <a:cs typeface="+mn-cs"/>
+        </a:defRPr>
+      </a:lvl3pPr>
+      <a:lvl4pPr marL="1371600" algn="l" defTabSz="914400" rtl="0" eaLnBrk="1" latinLnBrk="0" hangingPunct="1">
+        <a:defRPr sz="1800" kern="1200">
+          <a:solidFill>
+            <a:schemeClr val="tx1"/>
+          </a:solidFill>
+          <a:latin typeface="+mn-lt"/>
+          <a:ea typeface="+mn-ea"/>
+          <a:cs typeface="+mn-cs"/>
+        </a:defRPr>
+      </a:lvl4pPr>
+      <a:lvl5pPr marL="1828800" algn="l" defTabSz="914400" rtl="0" eaLnBrk="1" latinLnBrk="0" hangingPunct="1">
+        <a:defRPr sz="1800" kern="1200">
+          <a:solidFill>
+            <a:schemeClr val="tx1"/>
+          </a:solidFill>
+          <a:latin typeface="+mn-lt"/>
+          <a:ea typeface="+mn-ea"/>
+          <a:cs typeface="+mn-cs"/>
+        </a:defRPr>
+      </a:lvl5pPr>
+      <a:lvl6pPr marL="2286000" algn="l" defTabSz="914400" rtl="0" eaLnBrk="1" latinLnBrk="0" hangingPunct="1">
+        <a:defRPr sz="1800" kern="1200">
+          <a:solidFill>
+            <a:schemeClr val="tx1"/>
+          </a:solidFill>
+          <a:latin typeface="+mn-lt"/>
+          <a:ea typeface="+mn-ea"/>
+          <a:cs typeface="+mn-cs"/>
+        </a:defRPr>
+      </a:lvl6pPr>
+      <a:lvl7pPr marL="2743200" algn="l" defTabSz="914400" rtl="0" eaLnBrk="1" latinLnBrk="0" hangingPunct="1">
+        <a:defRPr sz="1800" kern="1200">
+          <a:solidFill>
+            <a:schemeClr val="tx1"/>
+          </a:solidFill>
+          <a:latin typeface="+mn-lt"/>
+          <a:ea typeface="+mn-ea"/>
+          <a:cs typeface="+mn-cs"/>
+        </a:defRPr>
+      </a:lvl7pPr>
+      <a:lvl8pPr marL="3200400" algn="l" defTabSz="914400" rtl="0" eaLnBrk="1" latinLnBrk="0" hangingPunct="1">
+        <a:defRPr sz="1800" kern="1200">
+          <a:solidFill>
+            <a:schemeClr val="tx1"/>
+          </a:solidFill>
+          <a:latin typeface="+mn-lt"/>
+          <a:ea typeface="+mn-ea"/>
+          <a:cs typeface="+mn-cs"/>
+        </a:defRPr>
+      </a:lvl8pPr>
+      <a:lvl9pPr marL="3657600" algn="l" defTabSz="914400" rtl="0" eaLnBrk="1" latinLnBrk="0" hangingPunct="1">
+        <a:defRPr sz="1800" kern="1200">
+          <a:solidFill>
+            <a:schemeClr val="tx1"/>
+          </a:solidFill>
+          <a:latin typeface="+mn-lt"/>
+          <a:ea typeface="+mn-ea"/>
+          <a:cs typeface="+mn-cs"/>
+        </a:defRPr>
+      </a:lvl9pPr>
+    </p:otherStyle>
+  </p:txStyles>
+</p:sldMaster>
+</file>
+
+<file path=ppt/slideMasters/slideMaster2.xml><?xml version="1.0" encoding="utf-8"?>
+<p:sldMaster xmlns:a="http://schemas.openxmlformats.org/drawingml/2006/main" xmlns:r="http://schemas.openxmlformats.org/officeDocument/2006/relationships" xmlns:p="http://schemas.openxmlformats.org/presentationml/2006/main">
+  <p:cSld>
+    <p:bg>
+      <p:bgRef idx="1001">
+        <a:schemeClr val="bg1"/>
+      </p:bgRef>
+    </p:bg>
+    <p:spTree>
+      <p:nvGrpSpPr>
+        <p:cNvPr id="1" name=""/>
+        <p:cNvGrpSpPr/>
+        <p:nvPr/>
+      </p:nvGrpSpPr>
+      <p:grpSpPr>
+        <a:xfrm>
+          <a:off x="0" y="0"/>
+          <a:ext cx="0" cy="0"/>
+          <a:chOff x="0" y="0"/>
+          <a:chExt cx="0" cy="0"/>
+        </a:xfrm>
+      </p:grpSpPr>
+      <p:sp>
+        <p:nvSpPr>
+          <p:cNvPr id="2" name="标题占位符 1"/>
+          <p:cNvSpPr>
+            <a:spLocks noGrp="1"/>
+          </p:cNvSpPr>
+          <p:nvPr>
+            <p:ph type="title"/>
+          </p:nvPr>
+        </p:nvSpPr>
+        <p:spPr>
+          <a:xfrm>
+            <a:off x="838200" y="365125"/>
+            <a:ext cx="10515600" cy="1325563"/>
+          </a:xfrm>
+          <a:prstGeom prst="rect">
+            <a:avLst/>
+          </a:prstGeom>
+        </p:spPr>
+        <p:txBody>
+          <a:bodyPr vert="horz" lIns="91440" tIns="45720" rIns="91440" bIns="45720" rtlCol="0" anchor="ctr">
+            <a:normAutofit/>
+          </a:bodyPr>
+          <a:lstStyle/>
+          <a:p>
+            <a:r>
+              <a:rPr lang="zh-CN" altLang="en-US"/>
+              <a:t>单击此处编辑母版标题样式</a:t>
+            </a:r>
+            <a:endParaRPr lang="zh-CN" altLang="en-US"/>
+          </a:p>
+        </p:txBody>
+      </p:sp>
+      <p:sp>
+        <p:nvSpPr>
+          <p:cNvPr id="3" name="文本占位符 2"/>
+          <p:cNvSpPr>
+            <a:spLocks noGrp="1"/>
+          </p:cNvSpPr>
+          <p:nvPr>
+            <p:ph type="body" idx="1"/>
+          </p:nvPr>
+        </p:nvSpPr>
+        <p:spPr>
+          <a:xfrm>
+            <a:off x="838200" y="1825625"/>
+            <a:ext cx="10515600" cy="4351338"/>
+          </a:xfrm>
+          <a:prstGeom prst="rect">
+            <a:avLst/>
+          </a:prstGeom>
+        </p:spPr>
+        <p:txBody>
+          <a:bodyPr vert="horz" lIns="91440" tIns="45720" rIns="91440" bIns="45720" rtlCol="0">
+            <a:normAutofit/>
+          </a:bodyPr>
+          <a:lstStyle/>
+          <a:p>
+            <a:pPr lvl="0"/>
+            <a:r>
+              <a:rPr lang="zh-CN" altLang="en-US"/>
+              <a:t>单击此处编辑母版文本样式</a:t>
+            </a:r>
+            <a:endParaRPr lang="zh-CN" altLang="en-US"/>
+          </a:p>
+          <a:p>
+            <a:pPr lvl="1"/>
+            <a:r>
+              <a:rPr lang="zh-CN" altLang="en-US"/>
+              <a:t>二级</a:t>
+            </a:r>
+            <a:endParaRPr lang="zh-CN" altLang="en-US"/>
+          </a:p>
+          <a:p>
+            <a:pPr lvl="2"/>
+            <a:r>
+              <a:rPr lang="zh-CN" altLang="en-US"/>
+              <a:t>三级</a:t>
+            </a:r>
+            <a:endParaRPr lang="zh-CN" altLang="en-US"/>
+          </a:p>
+          <a:p>
+            <a:pPr lvl="3"/>
+            <a:r>
+              <a:rPr lang="zh-CN" altLang="en-US"/>
+              <a:t>四级</a:t>
+            </a:r>
+            <a:endParaRPr lang="zh-CN" altLang="en-US"/>
+          </a:p>
+          <a:p>
+            <a:pPr lvl="4"/>
+            <a:r>
+              <a:rPr lang="zh-CN" altLang="en-US"/>
+              <a:t>五级</a:t>
+            </a:r>
+            <a:endParaRPr lang="zh-CN" altLang="en-US"/>
+          </a:p>
+        </p:txBody>
+      </p:sp>
+      <p:sp>
+        <p:nvSpPr>
+          <p:cNvPr id="4" name="日期占位符 3"/>
+          <p:cNvSpPr>
+            <a:spLocks noGrp="1"/>
+          </p:cNvSpPr>
+          <p:nvPr>
+            <p:ph type="dt" sz="half" idx="2"/>
+          </p:nvPr>
+        </p:nvSpPr>
+        <p:spPr>
+          <a:xfrm>
+            <a:off x="838200" y="6356350"/>
+            <a:ext cx="2743200" cy="365125"/>
+          </a:xfrm>
+          <a:prstGeom prst="rect">
+            <a:avLst/>
+          </a:prstGeom>
+        </p:spPr>
+        <p:txBody>
+          <a:bodyPr vert="horz" lIns="91440" tIns="45720" rIns="91440" bIns="45720" rtlCol="0" anchor="ctr"/>
+          <a:lstStyle>
+            <a:lvl1pPr algn="l">
+              <a:defRPr sz="1200">
+                <a:solidFill>
+                  <a:schemeClr val="tx1">
+                    <a:tint val="75000"/>
+                  </a:schemeClr>
+                </a:solidFill>
+              </a:defRPr>
+            </a:lvl1pPr>
+          </a:lstStyle>
+          <a:p>
+            <a:fld id="{5F436CC1-8A58-4025-8674-AC4643FC1143}" type="datetimeFigureOut">
+              <a:rPr lang="zh-CN" altLang="en-US" smtClean="0"/>
+            </a:fld>
+            <a:endParaRPr lang="zh-CN" altLang="en-US"/>
+          </a:p>
+        </p:txBody>
+      </p:sp>
+      <p:sp>
+        <p:nvSpPr>
+          <p:cNvPr id="5" name="页脚占位符 4"/>
+          <p:cNvSpPr>
+            <a:spLocks noGrp="1"/>
+          </p:cNvSpPr>
+          <p:nvPr>
+            <p:ph type="ftr" sz="quarter" idx="3"/>
+          </p:nvPr>
+        </p:nvSpPr>
+        <p:spPr>
+          <a:xfrm>
+            <a:off x="4038600" y="6356350"/>
+            <a:ext cx="4114800" cy="365125"/>
+          </a:xfrm>
+          <a:prstGeom prst="rect">
+            <a:avLst/>
+          </a:prstGeom>
+        </p:spPr>
+        <p:txBody>
+          <a:bodyPr vert="horz" lIns="91440" tIns="45720" rIns="91440" bIns="45720" rtlCol="0" anchor="ctr"/>
+          <a:lstStyle>
+            <a:lvl1pPr algn="ctr">
+              <a:defRPr sz="1200">
+                <a:solidFill>
+                  <a:schemeClr val="tx1">
+                    <a:tint val="75000"/>
+                  </a:schemeClr>
+                </a:solidFill>
+              </a:defRPr>
+            </a:lvl1pPr>
+          </a:lstStyle>
+          <a:p>
+            <a:endParaRPr lang="zh-CN" altLang="en-US"/>
+          </a:p>
+        </p:txBody>
+      </p:sp>
+      <p:sp>
+        <p:nvSpPr>
+          <p:cNvPr id="6" name="灯片编号占位符 5"/>
+          <p:cNvSpPr>
+            <a:spLocks noGrp="1"/>
+          </p:cNvSpPr>
+          <p:nvPr>
+            <p:ph type="sldNum" sz="quarter" idx="4"/>
+          </p:nvPr>
+        </p:nvSpPr>
+        <p:spPr>
+          <a:xfrm>
+            <a:off x="8610600" y="6356350"/>
+            <a:ext cx="2743200" cy="365125"/>
+          </a:xfrm>
+          <a:prstGeom prst="rect">
+            <a:avLst/>
+          </a:prstGeom>
+        </p:spPr>
+        <p:txBody>
+          <a:bodyPr vert="horz" lIns="91440" tIns="45720" rIns="91440" bIns="45720" rtlCol="0" anchor="ctr"/>
+          <a:lstStyle>
+            <a:lvl1pPr algn="r">
+              <a:defRPr sz="1200">
+                <a:solidFill>
+                  <a:schemeClr val="tx1">
+                    <a:tint val="75000"/>
+                  </a:schemeClr>
+                </a:solidFill>
+              </a:defRPr>
+            </a:lvl1pPr>
+          </a:lstStyle>
+          <a:p>
+            <a:fld id="{DC94044A-7ABA-45EB-8F13-95CB6439284F}" type="slidenum">
+              <a:rPr lang="zh-CN" altLang="en-US" smtClean="0"/>
+            </a:fld>
+            <a:endParaRPr lang="zh-CN" altLang="en-US"/>
+          </a:p>
+        </p:txBody>
+      </p:sp>
+    </p:spTree>
+  </p:cSld>
+  <p:clrMap bg1="lt1" tx1="dk1" bg2="lt2" tx2="dk2" accent1="accent1" accent2="accent2" accent3="accent3" accent4="accent4" accent5="accent5" accent6="accent6" hlink="hlink" folHlink="folHlink"/>
+  <p:sldLayoutIdLst>
+    <p:sldLayoutId id="2147483661" r:id="rId1"/>
+    <p:sldLayoutId id="2147483662" r:id="rId2"/>
+    <p:sldLayoutId id="2147483663" r:id="rId3"/>
+    <p:sldLayoutId id="2147483664" r:id="rId4"/>
+    <p:sldLayoutId id="2147483665" r:id="rId5"/>
+    <p:sldLayoutId id="2147483666" r:id="rId6"/>
+    <p:sldLayoutId id="2147483667" r:id="rId7"/>
+    <p:sldLayoutId id="2147483668" r:id="rId8"/>
+    <p:sldLayoutId id="2147483669" r:id="rId9"/>
+    <p:sldLayoutId id="2147483670" r:id="rId10"/>
+    <p:sldLayoutId id="2147483671" r:id="rId11"/>
   </p:sldLayoutIdLst>
   <p:txStyles>
     <p:titleStyle>
@@ -3000,6 +5799,13 @@
           <a:p>
             <a:r>
               <a:rPr lang="en-US" altLang="zh-CN" sz="2000" dirty="0"/>
+              <a:t>The message in Ros 2 is simply the data to be processed. In this article it can be either periodic or aperiodic.</a:t>
+            </a:r>
+            <a:endParaRPr lang="en-US" altLang="zh-CN" sz="2000" dirty="0"/>
+          </a:p>
+          <a:p>
+            <a:r>
+              <a:rPr lang="en-US" altLang="zh-CN" sz="2000" dirty="0"/>
               <a:t>Traditional message synchronization </a:t>
             </a:r>
             <a:r>
@@ -3290,6 +6096,22 @@
             </a:r>
             <a:endParaRPr lang="en-US" altLang="zh-CN" sz="1800" dirty="0"/>
           </a:p>
+          <a:p>
+            <a:pPr lvl="1"/>
+            <a:endParaRPr lang="en-US" altLang="zh-CN" sz="1800" dirty="0"/>
+          </a:p>
+          <a:p>
+            <a:pPr lvl="1"/>
+            <a:endParaRPr lang="en-US" altLang="zh-CN" sz="1800" dirty="0"/>
+          </a:p>
+          <a:p>
+            <a:pPr lvl="1"/>
+            <a:endParaRPr lang="en-US" altLang="zh-CN" sz="1800" dirty="0"/>
+          </a:p>
+          <a:p>
+            <a:pPr lvl="1"/>
+            <a:endParaRPr lang="en-US" altLang="zh-CN" sz="1800" dirty="0"/>
+          </a:p>
         </p:txBody>
       </p:sp>
       <p:pic>
@@ -3308,8 +6130,8 @@
         </p:blipFill>
         <p:spPr>
           <a:xfrm>
-            <a:off x="6991568" y="1368571"/>
-            <a:ext cx="5036308" cy="3305076"/>
+            <a:off x="6797040" y="1268095"/>
+            <a:ext cx="5394960" cy="3540760"/>
           </a:xfrm>
           <a:prstGeom prst="rect">
             <a:avLst/>
@@ -3354,95 +6176,113 @@
         <p:spPr>
           <a:xfrm>
             <a:off x="0" y="0"/>
-            <a:ext cx="12192000" cy="6858000"/>
+            <a:ext cx="5674360" cy="6858000"/>
           </a:xfrm>
         </p:spPr>
         <p:txBody>
           <a:bodyPr>
-            <a:normAutofit/>
+            <a:normAutofit lnSpcReduction="10000"/>
           </a:bodyPr>
           <a:lstStyle/>
           <a:p>
             <a:r>
               <a:rPr lang="en-US" altLang="zh-CN" sz="2400" dirty="0"/>
-              <a:t>Parallel Path Progression DAG Scheduling</a:t>
+              <a:t>SEAM</a:t>
             </a:r>
             <a:r>
               <a:rPr lang="zh-CN" altLang="en-US" sz="2400" dirty="0"/>
-              <a:t>（</a:t>
-            </a:r>
-            <a:r>
-              <a:rPr lang="en-US" altLang="zh-CN" sz="2400" dirty="0"/>
-              <a:t>ITC2023</a:t>
-            </a:r>
-            <a:r>
-              <a:rPr lang="zh-CN" altLang="en-US" sz="2400" dirty="0"/>
-              <a:t>）</a:t>
+              <a:t>：</a:t>
             </a:r>
             <a:endParaRPr lang="en-US" altLang="zh-CN" sz="2400" dirty="0"/>
           </a:p>
           <a:p>
-            <a:r>
-              <a:rPr lang="en-US" altLang="zh-CN" sz="2000" dirty="0"/>
-              <a:t>Sustainable response time analysis for an arbitrary set of paths with a maximum number of processors</a:t>
-            </a:r>
-            <a:endParaRPr lang="en-US" altLang="zh-CN" sz="2000" dirty="0"/>
-          </a:p>
-          <a:p>
             <a:pPr lvl="1"/>
             <a:r>
-              <a:rPr lang="en-US" altLang="zh-CN" sz="1710" dirty="0"/>
-              <a:t>if there M processors, it is M-paths analysis</a:t>
-            </a:r>
-            <a:endParaRPr lang="en-US" altLang="zh-CN" sz="1710" dirty="0"/>
+              <a:rPr lang="zh-CN" altLang="en-US" sz="1800" b="1" dirty="0">
+                <a:sym typeface="+mn-ea"/>
+              </a:rPr>
+              <a:t>This article is significantly better than other methods for message synchronization. If improvements should be made, consider whether there are unsuitable scenarios.</a:t>
+            </a:r>
+            <a:endParaRPr lang="zh-CN" altLang="en-US" sz="1800" b="1" dirty="0">
+              <a:sym typeface="+mn-ea"/>
+            </a:endParaRPr>
           </a:p>
           <a:p>
             <a:pPr lvl="1"/>
+            <a:endParaRPr lang="zh-CN" altLang="en-US" sz="1800" dirty="0">
+              <a:sym typeface="+mn-ea"/>
+            </a:endParaRPr>
+          </a:p>
+          <a:p>
+            <a:pPr lvl="1"/>
             <a:r>
               <a:rPr lang="en-US" altLang="zh-CN" sz="1800" dirty="0"/>
-              <a:t>Find a set of paths that completely cover the DAG or an approximation of a bounded worst-case response time via a polynomial-time algorithm. And consider the changes with resources to ensure sustainable analysis and find the approximate optimal solution within the range according to the polynomial algorithm.</a:t>
-            </a:r>
+              <a:t>This paper summarizes the assumption that the delay experienced by a message varies randomly between 1 ms and 40 ms. </a:t>
+            </a:r>
+            <a:r>
+              <a:rPr lang="en-US" altLang="zh-CN" sz="1800" b="1" dirty="0"/>
+              <a:t>This may not be consistent with some actual industrial control scenarios</a:t>
+            </a:r>
+            <a:endParaRPr lang="en-US" altLang="zh-CN" sz="1800" b="1" dirty="0"/>
+          </a:p>
+          <a:p>
+            <a:pPr lvl="1"/>
             <a:endParaRPr lang="en-US" altLang="zh-CN" sz="1800" dirty="0"/>
           </a:p>
           <a:p>
-            <a:r>
-              <a:rPr lang="en-US" altLang="zh-CN" sz="2000" dirty="0"/>
-              <a:t>Based on the above analysis, hierarchical scheduling is proposed:</a:t>
-            </a:r>
-            <a:endParaRPr lang="en-US" altLang="zh-CN" sz="2000" dirty="0"/>
-          </a:p>
-          <a:p>
-            <a:r>
-              <a:rPr lang="en-US" altLang="zh-CN" sz="2000" dirty="0"/>
-              <a:t>Gang Reservation Provisioning:</a:t>
-            </a:r>
-            <a:endParaRPr lang="en-US" altLang="zh-CN" sz="2000" dirty="0"/>
-          </a:p>
-          <a:p>
             <a:pPr lvl="1"/>
             <a:r>
               <a:rPr lang="en-US" altLang="zh-CN" sz="1800" dirty="0"/>
-              <a:t>A group of processors are required to be available to complete a task together. The task first tries to find a set of processors that need to be all idle during execution. It is suitable for parallel work that requires a large number of processors to reduce switching overhead. But a waste of resources. .</a:t>
+              <a:t>As the jitter ratio α (ratio of maximum and minimum periods) increases, the success rates of both methods decrease. Because increased latency results in fewer messages being available within a fixed time interval.</a:t>
             </a:r>
             <a:endParaRPr lang="en-US" altLang="zh-CN" sz="1800" dirty="0"/>
           </a:p>
           <a:p>
-            <a:r>
-              <a:rPr lang="en-US" altLang="zh-CN" sz="2000" dirty="0"/>
-              <a:t>Ordinary Reservation Provisioning:</a:t>
-            </a:r>
-            <a:endParaRPr lang="en-US" altLang="zh-CN" sz="2000" dirty="0"/>
-          </a:p>
-          <a:p>
             <a:pPr lvl="1"/>
-            <a:r>
-              <a:rPr lang="en-US" altLang="zh-CN" sz="1800" dirty="0"/>
-              <a:t>Distributed execution, each processor processes part of the task (ordinary DAG, task fragments do not need to be executed synchronously) makes better use of resources, but the implementation is complicated and considers how to allocate it among processors.</a:t>
-            </a:r>
             <a:endParaRPr lang="en-US" altLang="zh-CN" sz="1800" dirty="0"/>
           </a:p>
-        </p:txBody>
-      </p:sp>
+          <a:p>
+            <a:pPr lvl="1"/>
+            <a:endParaRPr lang="en-US" altLang="zh-CN" sz="1800" dirty="0"/>
+          </a:p>
+          <a:p>
+            <a:pPr lvl="1"/>
+            <a:r>
+              <a:rPr lang="en-US" altLang="zh-CN" sz="1800" b="1" dirty="0"/>
+              <a:t>There is research on jitter in ROS, but it may be more focused on the system rather than the task chain.</a:t>
+            </a:r>
+            <a:endParaRPr lang="en-US" altLang="zh-CN" sz="1800" b="1" dirty="0"/>
+          </a:p>
+        </p:txBody>
+      </p:sp>
+      <p:pic>
+        <p:nvPicPr>
+          <p:cNvPr id="2" name="图片 1"/>
+          <p:cNvPicPr>
+            <a:picLocks noChangeAspect="1"/>
+          </p:cNvPicPr>
+          <p:nvPr>
+            <p:custDataLst>
+              <p:tags r:id="rId1"/>
+            </p:custDataLst>
+          </p:nvPr>
+        </p:nvPicPr>
+        <p:blipFill>
+          <a:blip r:embed="rId2"/>
+          <a:stretch>
+            <a:fillRect/>
+          </a:stretch>
+        </p:blipFill>
+        <p:spPr>
+          <a:xfrm>
+            <a:off x="5674360" y="653415"/>
+            <a:ext cx="6518275" cy="4202430"/>
+          </a:xfrm>
+          <a:prstGeom prst="rect">
+            <a:avLst/>
+          </a:prstGeom>
+        </p:spPr>
+      </p:pic>
     </p:spTree>
   </p:cSld>
   <p:clrMapOvr>
@@ -3492,69 +6332,105 @@
           <a:p>
             <a:r>
               <a:rPr lang="en-US" altLang="zh-CN" sz="2400" dirty="0"/>
-              <a:t>Real-Time Scheduling of Autonomous Driving System with Guaranteed Timing Correctness</a:t>
+              <a:t>Parallel Path Progression DAG Scheduling</a:t>
+            </a:r>
+            <a:r>
+              <a:rPr lang="zh-CN" altLang="en-US" sz="2400" dirty="0"/>
+              <a:t>（</a:t>
+            </a:r>
+            <a:r>
+              <a:rPr lang="en-US" altLang="zh-CN" sz="2400" dirty="0"/>
+              <a:t>ITC2023</a:t>
+            </a:r>
+            <a:r>
+              <a:rPr lang="zh-CN" altLang="en-US" sz="2400" dirty="0"/>
+              <a:t>）</a:t>
             </a:r>
             <a:endParaRPr lang="en-US" altLang="zh-CN" sz="2400" dirty="0"/>
           </a:p>
           <a:p>
             <a:r>
               <a:rPr lang="en-US" altLang="zh-CN" sz="2000" dirty="0"/>
-              <a:t>Provide an automated design-analysis-redesign process to improve the design efficiency of autonomous driving systems.</a:t>
+              <a:t>Sustainable response time analysis for an arbitrary set of paths with a maximum number of processors</a:t>
             </a:r>
             <a:endParaRPr lang="en-US" altLang="zh-CN" sz="2000" dirty="0"/>
           </a:p>
           <a:p>
+            <a:pPr lvl="1"/>
+            <a:r>
+              <a:rPr lang="en-US" altLang="zh-CN" sz="1710" dirty="0"/>
+              <a:t>if there M processors, it is M-paths analysis</a:t>
+            </a:r>
+            <a:endParaRPr lang="en-US" altLang="zh-CN" sz="1710" dirty="0"/>
+          </a:p>
+          <a:p>
+            <a:pPr lvl="1"/>
+            <a:r>
+              <a:rPr lang="en-US" altLang="zh-CN" sz="1800" dirty="0"/>
+              <a:t>Find a set of paths that completely cover the DAG or an approximation of a bounded worst-case response time via a polynomial-time algorithm. And consider the changes with resources to ensure sustainable analysis and find the approximate optimal solution within the range according to the polynomial algorithm.</a:t>
+            </a:r>
+            <a:endParaRPr lang="en-US" altLang="zh-CN" sz="1800" dirty="0"/>
+          </a:p>
+          <a:p>
             <a:r>
               <a:rPr lang="en-US" altLang="zh-CN" sz="2000" dirty="0"/>
-              <a:t>An integrated framework is proposed to jointly analyze the </a:t>
-            </a:r>
-            <a:r>
-              <a:rPr lang="en-US" altLang="zh-CN" sz="2000" dirty="0" err="1"/>
-              <a:t>schedulability</a:t>
-            </a:r>
+              <a:t>Based on the above analysis, hierarchical scheduling is proposed:</a:t>
+            </a:r>
+            <a:endParaRPr lang="en-US" altLang="zh-CN" sz="2000" dirty="0"/>
+          </a:p>
+          <a:p>
             <a:r>
               <a:rPr lang="en-US" altLang="zh-CN" sz="2000" dirty="0"/>
-              <a:t> of individual tasks and the end-to-end latency of task chains in multi-rate DAGs.</a:t>
+              <a:t>Gang Reservation Provisioning:</a:t>
             </a:r>
             <a:endParaRPr lang="en-US" altLang="zh-CN" sz="2000" dirty="0"/>
           </a:p>
           <a:p>
+            <a:pPr lvl="1"/>
+            <a:r>
+              <a:rPr lang="en-US" altLang="zh-CN" sz="1800" dirty="0"/>
+              <a:t>A group of processors are required to be available to complete a task together. The task first tries to find a set of processors that need to be all idle during execution. It is suitable for parallel work that requires a large number of processors to reduce switching overhead. But a waste of resources. .</a:t>
+            </a:r>
+            <a:endParaRPr lang="en-US" altLang="zh-CN" sz="1800" dirty="0"/>
+          </a:p>
+          <a:p>
             <a:r>
               <a:rPr lang="en-US" altLang="zh-CN" sz="2000" dirty="0"/>
-              <a:t>Integer Linear Programming (ILP) techniques are designed to remove redundant workloads to increase the chance of meeting timing requirements.</a:t>
+              <a:t>Ordinary Reservation Provisioning:</a:t>
             </a:r>
             <a:endParaRPr lang="en-US" altLang="zh-CN" sz="2000" dirty="0"/>
           </a:p>
           <a:p>
-            <a:r>
-              <a:rPr lang="en-US" altLang="zh-CN" sz="2000" dirty="0"/>
-              <a:t>The proposed framework realizes the automated process of iteratively creating, analyzing, and improving AD system design.</a:t>
-            </a:r>
-            <a:endParaRPr lang="en-US" altLang="zh-CN" sz="2000" dirty="0"/>
-          </a:p>
-          <a:p>
             <a:pPr lvl="1"/>
             <a:r>
               <a:rPr lang="en-US" altLang="zh-CN" sz="1800" dirty="0"/>
-              <a:t>That is, the analysis results of the previous iteration provide valuable guidance for redesigning the AD system in the next iteration.</a:t>
+              <a:t>Distributed execution, each processor processes part of the task (ordinary DAG, task fragments do not need to be executed synchronously) makes better use of resources, but the implementation is complicated and considers how to allocate it among processors.</a:t>
             </a:r>
             <a:endParaRPr lang="en-US" altLang="zh-CN" sz="1800" dirty="0"/>
           </a:p>
           <a:p>
             <a:pPr lvl="1"/>
-            <a:r>
-              <a:rPr lang="en-US" altLang="zh-CN" sz="1800" dirty="0"/>
-              <a:t>During the iteration process, it is necessary to ensure that the system meets both network and physical time constraints, use ILP to reduce unnecessary workload, task set </a:t>
-            </a:r>
-            <a:r>
-              <a:rPr lang="en-US" altLang="zh-CN" sz="1800" dirty="0" err="1"/>
-              <a:t>schedulability</a:t>
-            </a:r>
-            <a:r>
-              <a:rPr lang="en-US" altLang="zh-CN" sz="1800" dirty="0"/>
-              <a:t> and end-to-end timing. Unsatisfied iterations will have additional constraints.</a:t>
-            </a:r>
             <a:endParaRPr lang="en-US" altLang="zh-CN" sz="1800" dirty="0"/>
+          </a:p>
+          <a:p>
+            <a:pPr lvl="1"/>
+            <a:endParaRPr lang="en-US" altLang="zh-CN" sz="1800" dirty="0"/>
+          </a:p>
+          <a:p>
+            <a:pPr lvl="1"/>
+            <a:r>
+              <a:rPr lang="en-US" altLang="zh-CN" sz="1800" b="1" dirty="0"/>
+              <a:t>Similar resource analysis (non DAG) on multi-core processors has been done </a:t>
+            </a:r>
+            <a:endParaRPr lang="en-US" altLang="zh-CN" sz="1800" b="1" dirty="0"/>
+          </a:p>
+          <a:p>
+            <a:pPr lvl="1"/>
+            <a:r>
+              <a:rPr lang="en-US" altLang="zh-CN" sz="1800" b="1" dirty="0"/>
+              <a:t>LAG-based Analysis for Preemptive Global Scheduling with Dynamic Cache Allocation</a:t>
+            </a:r>
+            <a:endParaRPr lang="en-US" altLang="zh-CN" sz="1800" b="1" dirty="0"/>
           </a:p>
         </p:txBody>
       </p:sp>
@@ -3607,36 +6483,51 @@
           <a:p>
             <a:r>
               <a:rPr lang="en-US" altLang="zh-CN" sz="2400" dirty="0"/>
-              <a:t>Bounding the Response Time of DAG Tasks Using Long </a:t>
+              <a:t>Real-Time Scheduling of Autonomous Driving System with Guaranteed Timing Correctness</a:t>
             </a:r>
             <a:endParaRPr lang="en-US" altLang="zh-CN" sz="2400" dirty="0"/>
           </a:p>
           <a:p>
             <a:r>
               <a:rPr lang="en-US" altLang="zh-CN" sz="2000" dirty="0"/>
-              <a:t>The traditional Graham bound method is too conservative in some cases because it assumes that vertices on non-longest paths will execute in parallel with vertices on the longest path, thus interfering with each other.</a:t>
+              <a:t>Provide an automated design-analysis-redesign process to improve the design efficiency of autonomous driving systems.</a:t>
             </a:r>
             <a:endParaRPr lang="en-US" altLang="zh-CN" sz="2000" dirty="0"/>
           </a:p>
           <a:p>
             <a:r>
               <a:rPr lang="en-US" altLang="zh-CN" sz="2000" dirty="0"/>
-              <a:t>A new response time bounding method is proposed that considers the length of multiple longer paths. Workloads that must execute in parallel and cannot interfere with each other are more precisely identified (via virtual paths and constrained critical paths).</a:t>
+              <a:t>An integrated framework is proposed to jointly analyze the </a:t>
+            </a:r>
+            <a:r>
+              <a:rPr lang="en-US" altLang="zh-CN" sz="2000" dirty="0" err="1"/>
+              <a:t>schedulability</a:t>
+            </a:r>
+            <a:r>
+              <a:rPr lang="en-US" altLang="zh-CN" sz="2000" dirty="0"/>
+              <a:t> of individual tasks and the end-to-end latency of task chains in multi-rate DAGs.</a:t>
             </a:r>
             <a:endParaRPr lang="en-US" altLang="zh-CN" sz="2000" dirty="0"/>
           </a:p>
           <a:p>
             <a:r>
               <a:rPr lang="en-US" altLang="zh-CN" sz="2000" dirty="0"/>
-              <a:t>Virtual Path</a:t>
+              <a:t>Integer Linear Programming (ILP) techniques are designed to remove redundant workloads to increase the chance of meeting timing requirements.</a:t>
             </a:r>
             <a:endParaRPr lang="en-US" altLang="zh-CN" sz="2000" dirty="0"/>
           </a:p>
           <a:p>
+            <a:r>
+              <a:rPr lang="en-US" altLang="zh-CN" sz="2000" dirty="0"/>
+              <a:t>The proposed framework realizes the automated process of iteratively creating, analyzing, and improving AD system design.</a:t>
+            </a:r>
+            <a:endParaRPr lang="en-US" altLang="zh-CN" sz="2000" dirty="0"/>
+          </a:p>
+          <a:p>
             <a:pPr lvl="1"/>
             <a:r>
               <a:rPr lang="en-US" altLang="zh-CN" sz="1800" dirty="0"/>
-              <a:t>A collection of vertices executed in different time units. There is no direct sequential relationship between vertices. The length is the sum of the execution times of all vertices it contains</a:t>
+              <a:t>That is, the analysis results of the previous iteration provide valuable guidance for redesigning the AD system in the next iteration.</a:t>
             </a:r>
             <a:endParaRPr lang="en-US" altLang="zh-CN" sz="1800" dirty="0"/>
           </a:p>
@@ -3644,24 +6535,37 @@
             <a:pPr lvl="1"/>
             <a:r>
               <a:rPr lang="en-US" altLang="zh-CN" sz="1800" dirty="0"/>
-              <a:t>Since vertices on the virtual path will not be executed in parallel, those not on it are considered for parallel execution.</a:t>
+              <a:t>During the iteration process, it is necessary to ensure that the system meets both network and physical time constraints, use ILP to reduce unnecessary workload, task set </a:t>
+            </a:r>
+            <a:r>
+              <a:rPr lang="en-US" altLang="zh-CN" sz="1800" dirty="0" err="1"/>
+              <a:t>schedulability</a:t>
+            </a:r>
+            <a:r>
+              <a:rPr lang="en-US" altLang="zh-CN" sz="1800" dirty="0"/>
+              <a:t> and end-to-end timing. Unsatisfied iterations will have additional constraints.</a:t>
             </a:r>
             <a:endParaRPr lang="en-US" altLang="zh-CN" sz="1800" dirty="0"/>
           </a:p>
           <a:p>
-            <a:r>
-              <a:rPr lang="en-US" altLang="zh-CN" sz="2000" dirty="0"/>
-              <a:t>Restricted Critical Path</a:t>
-            </a:r>
-            <a:endParaRPr lang="en-US" altLang="zh-CN" sz="2000" dirty="0"/>
-          </a:p>
-          <a:p>
             <a:pPr lvl="1"/>
-            <a:r>
-              <a:rPr lang="en-US" altLang="zh-CN" sz="1800" dirty="0"/>
-              <a:t>A set of vertex sequences selected by a specific rule for a given execution sequence</a:t>
-            </a:r>
-            <a:endParaRPr lang="en-US" altLang="zh-CN" sz="2000" dirty="0"/>
+            <a:endParaRPr lang="en-US" altLang="zh-CN" sz="1800" dirty="0"/>
+          </a:p>
+          <a:p>
+            <a:pPr lvl="1"/>
+            <a:endParaRPr lang="en-US" altLang="zh-CN" sz="1800" b="1" dirty="0"/>
+          </a:p>
+          <a:p>
+            <a:pPr lvl="1"/>
+            <a:r>
+              <a:rPr lang="en-US" altLang="zh-CN" sz="1800" b="1" dirty="0"/>
+              <a:t>The scope of the study is more towards the entire system rather than focusing on time or other constraints</a:t>
+            </a:r>
+            <a:endParaRPr lang="en-US" altLang="zh-CN" sz="1800" b="1" dirty="0"/>
+          </a:p>
+          <a:p>
+            <a:pPr lvl="1"/>
+            <a:endParaRPr lang="en-US" altLang="zh-CN" sz="1800" b="1" dirty="0"/>
           </a:p>
         </p:txBody>
       </p:sp>
@@ -3714,22 +6618,46 @@
           <a:p>
             <a:r>
               <a:rPr lang="en-US" altLang="zh-CN" sz="2400" dirty="0"/>
-              <a:t>Minimizing Probabilistic End-to-end Latencies of Autonomous Driving </a:t>
+              <a:t>Two articles related to DAG, considered from the perspective of path and probability respectively</a:t>
             </a:r>
             <a:endParaRPr lang="en-US" altLang="zh-CN" sz="2400" dirty="0"/>
           </a:p>
           <a:p>
+            <a:endParaRPr lang="en-US" altLang="zh-CN" sz="2400" dirty="0"/>
+          </a:p>
+          <a:p>
+            <a:r>
+              <a:rPr lang="en-US" altLang="zh-CN" sz="2400" dirty="0"/>
+              <a:t>Bounding the Response Time of DAG Tasks Using Long </a:t>
+            </a:r>
+            <a:endParaRPr lang="en-US" altLang="zh-CN" sz="2400" dirty="0"/>
+          </a:p>
+          <a:p>
             <a:r>
               <a:rPr lang="en-US" altLang="zh-CN" sz="2000" dirty="0"/>
-              <a:t>Reduce the probabilistic end-to-end delays (PEELs) of task sequences through two stages.</a:t>
+              <a:t>The traditional Graham bound method is too conservative in some cases because it assumes that vertices on non-longest paths will execute in parallel with vertices on the longest path, thus interfering with each other.</a:t>
             </a:r>
             <a:endParaRPr lang="en-US" altLang="zh-CN" sz="2000" dirty="0"/>
           </a:p>
           <a:p>
+            <a:r>
+              <a:rPr lang="en-US" altLang="zh-CN" sz="2000" dirty="0"/>
+              <a:t>A new response time bounding method is proposed that considers the length of multiple longer paths. Workloads that must execute in parallel and cannot interfere with each other are more precisely identified (via virtual paths and constrained critical paths).</a:t>
+            </a:r>
+            <a:endParaRPr lang="en-US" altLang="zh-CN" sz="2000" dirty="0"/>
+          </a:p>
+          <a:p>
+            <a:r>
+              <a:rPr lang="en-US" altLang="zh-CN" sz="2000" dirty="0"/>
+              <a:t>Virtual Path</a:t>
+            </a:r>
+            <a:endParaRPr lang="en-US" altLang="zh-CN" sz="2000" dirty="0"/>
+          </a:p>
+          <a:p>
             <a:pPr lvl="1"/>
             <a:r>
               <a:rPr lang="en-US" altLang="zh-CN" sz="1800" dirty="0"/>
-              <a:t>PEELs take into account the uncertainty of task execution time</a:t>
+              <a:t>A collection of vertices executed in different time units. There is no direct sequential relationship between vertices. The length is the sum of the execution times of all vertices it contains</a:t>
             </a:r>
             <a:endParaRPr lang="en-US" altLang="zh-CN" sz="1800" dirty="0"/>
           </a:p>
@@ -3737,54 +6665,24 @@
             <a:pPr lvl="1"/>
             <a:r>
               <a:rPr lang="en-US" altLang="zh-CN" sz="1800" dirty="0"/>
-              <a:t>PEELs can give the worst-case delay for task completion at a given confidence level. For example, it can be expressed as "With 99% confidence, the execution delay of the task will not exceed a certain value."</a:t>
+              <a:t>Since vertices on the virtual path will not be executed in parallel, those not on it are considered for parallel execution.</a:t>
             </a:r>
             <a:endParaRPr lang="en-US" altLang="zh-CN" sz="1800" dirty="0"/>
           </a:p>
           <a:p>
             <a:r>
               <a:rPr lang="en-US" altLang="zh-CN" sz="2000" dirty="0"/>
-              <a:t>Two stages:</a:t>
+              <a:t>Restricted Critical Path</a:t>
             </a:r>
             <a:endParaRPr lang="en-US" altLang="zh-CN" sz="2000" dirty="0"/>
           </a:p>
           <a:p>
-            <a:r>
-              <a:rPr lang="en-US" altLang="zh-CN" sz="2000" dirty="0"/>
-              <a:t>Baseline schedule generation</a:t>
+            <a:pPr lvl="1"/>
+            <a:r>
+              <a:rPr lang="en-US" altLang="zh-CN" sz="1800" dirty="0"/>
+              <a:t>A set of vertex sequences selected by a specific rule for a given execution sequence</a:t>
             </a:r>
             <a:endParaRPr lang="en-US" altLang="zh-CN" sz="2000" dirty="0"/>
-          </a:p>
-          <a:p>
-            <a:pPr lvl="1"/>
-            <a:r>
-              <a:rPr lang="en-US" altLang="zh-CN" sz="1800" dirty="0"/>
-              <a:t>Estimate the lower bound of the total unavailable idle time and generate a baseline schedule to avoid unavailable idle time as much as possible, thereby improving the feasibility of scheduling.</a:t>
-            </a:r>
-            <a:endParaRPr lang="en-US" altLang="zh-CN" sz="1800" dirty="0"/>
-          </a:p>
-          <a:p>
-            <a:pPr lvl="1"/>
-            <a:r>
-              <a:rPr lang="en-US" altLang="zh-CN" sz="1800" dirty="0"/>
-              <a:t>Non-available idle time: The processor has no tasks to execute at a certain time, and this time period cannot be used to start subsequent tasks in advance.</a:t>
-            </a:r>
-            <a:endParaRPr lang="en-US" altLang="zh-CN" sz="1800" dirty="0"/>
-          </a:p>
-          <a:p>
-            <a:r>
-              <a:rPr lang="en-US" altLang="zh-CN" sz="2000" dirty="0"/>
-              <a:t>Mission phase optimization</a:t>
-            </a:r>
-            <a:endParaRPr lang="en-US" altLang="zh-CN" sz="2000" dirty="0"/>
-          </a:p>
-          <a:p>
-            <a:pPr lvl="1"/>
-            <a:r>
-              <a:rPr lang="en-US" altLang="zh-CN" sz="1800" dirty="0"/>
-              <a:t>Search for optimal task phase combinations to further reduce PEELs for a specific task sequence</a:t>
-            </a:r>
-            <a:endParaRPr lang="en-US" altLang="zh-CN" sz="1800" dirty="0"/>
           </a:p>
         </p:txBody>
       </p:sp>
@@ -3794,6 +6692,175 @@
     <a:masterClrMapping/>
   </p:clrMapOvr>
 </p:sld>
+</file>
+
+<file path=ppt/slides/slide7.xml><?xml version="1.0" encoding="utf-8"?>
+<p:sld xmlns:a="http://schemas.openxmlformats.org/drawingml/2006/main" xmlns:r="http://schemas.openxmlformats.org/officeDocument/2006/relationships" xmlns:p="http://schemas.openxmlformats.org/presentationml/2006/main">
+  <p:cSld>
+    <p:spTree>
+      <p:nvGrpSpPr>
+        <p:cNvPr id="1" name=""/>
+        <p:cNvGrpSpPr/>
+        <p:nvPr/>
+      </p:nvGrpSpPr>
+      <p:grpSpPr>
+        <a:xfrm>
+          <a:off x="0" y="0"/>
+          <a:ext cx="0" cy="0"/>
+          <a:chOff x="0" y="0"/>
+          <a:chExt cx="0" cy="0"/>
+        </a:xfrm>
+      </p:grpSpPr>
+      <p:sp>
+        <p:nvSpPr>
+          <p:cNvPr id="3" name="内容占位符 2"/>
+          <p:cNvSpPr>
+            <a:spLocks noGrp="1"/>
+          </p:cNvSpPr>
+          <p:nvPr>
+            <p:ph idx="1"/>
+          </p:nvPr>
+        </p:nvSpPr>
+        <p:spPr>
+          <a:xfrm>
+            <a:off x="0" y="0"/>
+            <a:ext cx="12192000" cy="6858000"/>
+          </a:xfrm>
+        </p:spPr>
+        <p:txBody>
+          <a:bodyPr>
+            <a:normAutofit/>
+          </a:bodyPr>
+          <a:lstStyle/>
+          <a:p>
+            <a:r>
+              <a:rPr lang="en-US" altLang="zh-CN" sz="2400" dirty="0"/>
+              <a:t>Minimizing Probabilistic End-to-end Latencies of Autonomous Driving </a:t>
+            </a:r>
+            <a:endParaRPr lang="en-US" altLang="zh-CN" sz="2400" dirty="0"/>
+          </a:p>
+          <a:p>
+            <a:r>
+              <a:rPr lang="en-US" altLang="zh-CN" sz="2000" dirty="0"/>
+              <a:t>Reduce the probabilistic end-to-end delays (PEELs) of task sequences through two stages.</a:t>
+            </a:r>
+            <a:endParaRPr lang="en-US" altLang="zh-CN" sz="2000" dirty="0"/>
+          </a:p>
+          <a:p>
+            <a:pPr lvl="1"/>
+            <a:r>
+              <a:rPr lang="en-US" altLang="zh-CN" sz="1800" dirty="0"/>
+              <a:t>PEELs take into account the uncertainty of task execution time</a:t>
+            </a:r>
+            <a:endParaRPr lang="en-US" altLang="zh-CN" sz="1800" dirty="0"/>
+          </a:p>
+          <a:p>
+            <a:pPr lvl="1"/>
+            <a:r>
+              <a:rPr lang="en-US" altLang="zh-CN" sz="1800" dirty="0"/>
+              <a:t>PEELs can give the worst-case delay for task completion at a given confidence level. For example, it can be expressed as "With 99% confidence, the execution delay of the task will not exceed a certain value."</a:t>
+            </a:r>
+            <a:endParaRPr lang="en-US" altLang="zh-CN" sz="1800" dirty="0"/>
+          </a:p>
+          <a:p>
+            <a:r>
+              <a:rPr lang="en-US" altLang="zh-CN" sz="2000" dirty="0"/>
+              <a:t>Two stages:</a:t>
+            </a:r>
+            <a:endParaRPr lang="en-US" altLang="zh-CN" sz="2000" dirty="0"/>
+          </a:p>
+          <a:p>
+            <a:r>
+              <a:rPr lang="en-US" altLang="zh-CN" sz="2000" dirty="0"/>
+              <a:t>Baseline schedule generation</a:t>
+            </a:r>
+            <a:endParaRPr lang="en-US" altLang="zh-CN" sz="2000" dirty="0"/>
+          </a:p>
+          <a:p>
+            <a:pPr lvl="1"/>
+            <a:r>
+              <a:rPr lang="en-US" altLang="zh-CN" sz="1800" dirty="0"/>
+              <a:t>Estimate the lower bound of the total unavailable idle time and generate a baseline schedule to avoid unavailable idle time as much as possible, thereby improving the feasibility of scheduling.</a:t>
+            </a:r>
+            <a:endParaRPr lang="en-US" altLang="zh-CN" sz="1800" dirty="0"/>
+          </a:p>
+          <a:p>
+            <a:pPr lvl="1"/>
+            <a:r>
+              <a:rPr lang="en-US" altLang="zh-CN" sz="1800" dirty="0"/>
+              <a:t>Non-available idle time: The processor has no tasks to execute at a certain time, and this time period cannot be used to start subsequent tasks in advance.</a:t>
+            </a:r>
+            <a:endParaRPr lang="en-US" altLang="zh-CN" sz="1800" dirty="0"/>
+          </a:p>
+          <a:p>
+            <a:r>
+              <a:rPr lang="en-US" altLang="zh-CN" sz="2000" dirty="0"/>
+              <a:t>Mission phase optimization</a:t>
+            </a:r>
+            <a:endParaRPr lang="en-US" altLang="zh-CN" sz="2000" dirty="0"/>
+          </a:p>
+          <a:p>
+            <a:pPr lvl="1"/>
+            <a:r>
+              <a:rPr lang="en-US" altLang="zh-CN" sz="1800" dirty="0"/>
+              <a:t>Search for optimal task phase combinations to further reduce PEELs for a specific task sequence</a:t>
+            </a:r>
+            <a:endParaRPr lang="en-US" altLang="zh-CN" sz="1800" dirty="0"/>
+          </a:p>
+          <a:p>
+            <a:pPr lvl="1"/>
+            <a:endParaRPr lang="en-US" altLang="zh-CN" sz="1800" b="1" dirty="0">
+              <a:sym typeface="+mn-ea"/>
+            </a:endParaRPr>
+          </a:p>
+          <a:p>
+            <a:pPr lvl="1"/>
+            <a:endParaRPr lang="en-US" altLang="zh-CN" sz="1800" b="1" dirty="0">
+              <a:sym typeface="+mn-ea"/>
+            </a:endParaRPr>
+          </a:p>
+          <a:p>
+            <a:pPr lvl="1"/>
+            <a:r>
+              <a:rPr lang="en-US" altLang="zh-CN" sz="1800" b="1" dirty="0">
+                <a:sym typeface="+mn-ea"/>
+              </a:rPr>
+              <a:t>There has been a lot of work on end-to-end analysis of DAG models</a:t>
+            </a:r>
+            <a:endParaRPr lang="en-US" altLang="zh-CN" sz="1800" b="1" dirty="0"/>
+          </a:p>
+          <a:p>
+            <a:pPr lvl="1"/>
+            <a:r>
+              <a:rPr lang="en-US" altLang="zh-CN" sz="1800" b="1" dirty="0">
+                <a:sym typeface="+mn-ea"/>
+              </a:rPr>
+              <a:t>The jitter problem under the DAG model has not yet been considered.</a:t>
+            </a:r>
+            <a:endParaRPr lang="en-US" altLang="zh-CN" sz="1800" b="1" dirty="0"/>
+          </a:p>
+          <a:p>
+            <a:pPr lvl="1"/>
+            <a:endParaRPr lang="en-US" altLang="zh-CN" sz="1800" dirty="0"/>
+          </a:p>
+          <a:p>
+            <a:pPr lvl="1"/>
+            <a:endParaRPr lang="en-US" altLang="zh-CN" sz="1800" dirty="0"/>
+          </a:p>
+        </p:txBody>
+      </p:sp>
+    </p:spTree>
+  </p:cSld>
+  <p:clrMapOvr>
+    <a:masterClrMapping/>
+  </p:clrMapOvr>
+</p:sld>
+</file>
+
+<file path=ppt/tags/tag1.xml><?xml version="1.0" encoding="utf-8"?>
+<p:tagLst xmlns:p="http://schemas.openxmlformats.org/presentationml/2006/main">
+  <p:tag name="KSO_WM_BEAUTIFY_FLAG" val=""/>
+</p:tagLst>
 </file>
 
 <file path=ppt/theme/theme1.xml><?xml version="1.0" encoding="utf-8"?>
@@ -4053,4 +7120,263 @@
     </a:ext>
   </a:extLst>
 </a:theme>
+</file>
+
+<file path=ppt/theme/theme2.xml><?xml version="1.0" encoding="utf-8"?>
+<a:theme xmlns:a="http://schemas.openxmlformats.org/drawingml/2006/main" name="1_Office 主题​​">
+  <a:themeElements>
+    <a:clrScheme name="Office">
+      <a:dk1>
+        <a:sysClr val="windowText" lastClr="000000"/>
+      </a:dk1>
+      <a:lt1>
+        <a:sysClr val="window" lastClr="FFFFFF"/>
+      </a:lt1>
+      <a:dk2>
+        <a:srgbClr val="44546A"/>
+      </a:dk2>
+      <a:lt2>
+        <a:srgbClr val="E7E6E6"/>
+      </a:lt2>
+      <a:accent1>
+        <a:srgbClr val="4472C4"/>
+      </a:accent1>
+      <a:accent2>
+        <a:srgbClr val="ED7D31"/>
+      </a:accent2>
+      <a:accent3>
+        <a:srgbClr val="A5A5A5"/>
+      </a:accent3>
+      <a:accent4>
+        <a:srgbClr val="FFC000"/>
+      </a:accent4>
+      <a:accent5>
+        <a:srgbClr val="5B9BD5"/>
+      </a:accent5>
+      <a:accent6>
+        <a:srgbClr val="70AD47"/>
+      </a:accent6>
+      <a:hlink>
+        <a:srgbClr val="0563C1"/>
+      </a:hlink>
+      <a:folHlink>
+        <a:srgbClr val="954F72"/>
+      </a:folHlink>
+    </a:clrScheme>
+    <a:fontScheme name="Office">
+      <a:majorFont>
+        <a:latin typeface="等线 Light"/>
+        <a:ea typeface=""/>
+        <a:cs typeface=""/>
+        <a:font script="Jpan" typeface="游ゴシック Light"/>
+        <a:font script="Hang" typeface="맑은 고딕"/>
+        <a:font script="Hans" typeface="等线 Light"/>
+        <a:font script="Hant" typeface="新細明體"/>
+        <a:font script="Arab" typeface="Times New Roman"/>
+        <a:font script="Hebr" typeface="Times New Roman"/>
+        <a:font script="Thai" typeface="Angsana New"/>
+        <a:font script="Ethi" typeface="Nyala"/>
+        <a:font script="Beng" typeface="Vrinda"/>
+        <a:font script="Gujr" typeface="Shruti"/>
+        <a:font script="Khmr" typeface="MoolBoran"/>
+        <a:font script="Knda" typeface="Tunga"/>
+        <a:font script="Guru" typeface="Raavi"/>
+        <a:font script="Cans" typeface="Euphemia"/>
+        <a:font script="Cher" typeface="Plantagenet Cherokee"/>
+        <a:font script="Yiii" typeface="Microsoft Yi Baiti"/>
+        <a:font script="Tibt" typeface="Microsoft Himalaya"/>
+        <a:font script="Thaa" typeface="MV Boli"/>
+        <a:font script="Deva" typeface="Mangal"/>
+        <a:font script="Telu" typeface="Gautami"/>
+        <a:font script="Taml" typeface="Latha"/>
+        <a:font script="Syrc" typeface="Estrangelo Edessa"/>
+        <a:font script="Orya" typeface="Kalinga"/>
+        <a:font script="Mlym" typeface="Kartika"/>
+        <a:font script="Laoo" typeface="DokChampa"/>
+        <a:font script="Sinh" typeface="Iskoola Pota"/>
+        <a:font script="Mong" typeface="Mongolian Baiti"/>
+        <a:font script="Viet" typeface="Times New Roman"/>
+        <a:font script="Uigh" typeface="Microsoft Uighur"/>
+        <a:font script="Geor" typeface="Sylfaen"/>
+      </a:majorFont>
+      <a:minorFont>
+        <a:latin typeface="等线"/>
+        <a:ea typeface=""/>
+        <a:cs typeface=""/>
+        <a:font script="Jpan" typeface="游ゴシック"/>
+        <a:font script="Hang" typeface="맑은 고딕"/>
+        <a:font script="Hans" typeface="等线"/>
+        <a:font script="Hant" typeface="新細明體"/>
+        <a:font script="Arab" typeface="Arial"/>
+        <a:font script="Hebr" typeface="Arial"/>
+        <a:font script="Thai" typeface="Cordia New"/>
+        <a:font script="Ethi" typeface="Nyala"/>
+        <a:font script="Beng" typeface="Vrinda"/>
+        <a:font script="Gujr" typeface="Shruti"/>
+        <a:font script="Khmr" typeface="DaunPenh"/>
+        <a:font script="Knda" typeface="Tunga"/>
+        <a:font script="Guru" typeface="Raavi"/>
+        <a:font script="Cans" typeface="Euphemia"/>
+        <a:font script="Cher" typeface="Plantagenet Cherokee"/>
+        <a:font script="Yiii" typeface="Microsoft Yi Baiti"/>
+        <a:font script="Tibt" typeface="Microsoft Himalaya"/>
+        <a:font script="Thaa" typeface="MV Boli"/>
+        <a:font script="Deva" typeface="Mangal"/>
+        <a:font script="Telu" typeface="Gautami"/>
+        <a:font script="Taml" typeface="Latha"/>
+        <a:font script="Syrc" typeface="Estrangelo Edessa"/>
+        <a:font script="Orya" typeface="Kalinga"/>
+        <a:font script="Mlym" typeface="Kartika"/>
+        <a:font script="Laoo" typeface="DokChampa"/>
+        <a:font script="Sinh" typeface="Iskoola Pota"/>
+        <a:font script="Mong" typeface="Mongolian Baiti"/>
+        <a:font script="Viet" typeface="Arial"/>
+        <a:font script="Uigh" typeface="Microsoft Uighur"/>
+        <a:font script="Geor" typeface="Sylfaen"/>
+      </a:minorFont>
+    </a:fontScheme>
+    <a:fmtScheme name="Office">
+      <a:fillStyleLst>
+        <a:solidFill>
+          <a:schemeClr val="phClr"/>
+        </a:solidFill>
+        <a:gradFill rotWithShape="1">
+          <a:gsLst>
+            <a:gs pos="0">
+              <a:schemeClr val="phClr">
+                <a:lumMod val="110000"/>
+                <a:satMod val="105000"/>
+                <a:tint val="67000"/>
+              </a:schemeClr>
+            </a:gs>
+            <a:gs pos="50000">
+              <a:schemeClr val="phClr">
+                <a:lumMod val="105000"/>
+                <a:satMod val="103000"/>
+                <a:tint val="73000"/>
+              </a:schemeClr>
+            </a:gs>
+            <a:gs pos="100000">
+              <a:schemeClr val="phClr">
+                <a:lumMod val="105000"/>
+                <a:satMod val="109000"/>
+                <a:tint val="81000"/>
+              </a:schemeClr>
+            </a:gs>
+          </a:gsLst>
+          <a:lin ang="5400000" scaled="0"/>
+        </a:gradFill>
+        <a:gradFill rotWithShape="1">
+          <a:gsLst>
+            <a:gs pos="0">
+              <a:schemeClr val="phClr">
+                <a:satMod val="103000"/>
+                <a:lumMod val="102000"/>
+                <a:tint val="94000"/>
+              </a:schemeClr>
+            </a:gs>
+            <a:gs pos="50000">
+              <a:schemeClr val="phClr">
+                <a:satMod val="110000"/>
+                <a:lumMod val="100000"/>
+                <a:shade val="100000"/>
+              </a:schemeClr>
+            </a:gs>
+            <a:gs pos="100000">
+              <a:schemeClr val="phClr">
+                <a:lumMod val="99000"/>
+                <a:satMod val="120000"/>
+                <a:shade val="78000"/>
+              </a:schemeClr>
+            </a:gs>
+          </a:gsLst>
+          <a:lin ang="5400000" scaled="0"/>
+        </a:gradFill>
+      </a:fillStyleLst>
+      <a:lnStyleLst>
+        <a:ln w="6350" cap="flat" cmpd="sng" algn="ctr">
+          <a:solidFill>
+            <a:schemeClr val="phClr"/>
+          </a:solidFill>
+          <a:prstDash val="solid"/>
+          <a:miter lim="800000"/>
+        </a:ln>
+        <a:ln w="12700" cap="flat" cmpd="sng" algn="ctr">
+          <a:solidFill>
+            <a:schemeClr val="phClr"/>
+          </a:solidFill>
+          <a:prstDash val="solid"/>
+          <a:miter lim="800000"/>
+        </a:ln>
+        <a:ln w="19050" cap="flat" cmpd="sng" algn="ctr">
+          <a:solidFill>
+            <a:schemeClr val="phClr"/>
+          </a:solidFill>
+          <a:prstDash val="solid"/>
+          <a:miter lim="800000"/>
+        </a:ln>
+      </a:lnStyleLst>
+      <a:effectStyleLst>
+        <a:effectStyle>
+          <a:effectLst/>
+        </a:effectStyle>
+        <a:effectStyle>
+          <a:effectLst/>
+        </a:effectStyle>
+        <a:effectStyle>
+          <a:effectLst>
+            <a:outerShdw blurRad="57150" dist="19050" dir="5400000" algn="ctr" rotWithShape="0">
+              <a:srgbClr val="000000">
+                <a:alpha val="63000"/>
+              </a:srgbClr>
+            </a:outerShdw>
+          </a:effectLst>
+        </a:effectStyle>
+      </a:effectStyleLst>
+      <a:bgFillStyleLst>
+        <a:solidFill>
+          <a:schemeClr val="phClr"/>
+        </a:solidFill>
+        <a:solidFill>
+          <a:schemeClr val="phClr">
+            <a:tint val="95000"/>
+            <a:satMod val="170000"/>
+          </a:schemeClr>
+        </a:solidFill>
+        <a:gradFill rotWithShape="1">
+          <a:gsLst>
+            <a:gs pos="0">
+              <a:schemeClr val="phClr">
+                <a:tint val="93000"/>
+                <a:satMod val="150000"/>
+                <a:shade val="98000"/>
+                <a:lumMod val="102000"/>
+              </a:schemeClr>
+            </a:gs>
+            <a:gs pos="50000">
+              <a:schemeClr val="phClr">
+                <a:tint val="98000"/>
+                <a:satMod val="130000"/>
+                <a:shade val="90000"/>
+                <a:lumMod val="103000"/>
+              </a:schemeClr>
+            </a:gs>
+            <a:gs pos="100000">
+              <a:schemeClr val="phClr">
+                <a:shade val="63000"/>
+                <a:satMod val="120000"/>
+              </a:schemeClr>
+            </a:gs>
+          </a:gsLst>
+          <a:lin ang="5400000" scaled="0"/>
+        </a:gradFill>
+      </a:bgFillStyleLst>
+    </a:fmtScheme>
+  </a:themeElements>
+  <a:extLst>
+    <a:ext uri="{05A4C25C-085E-4340-85A3-A5531E510DB2}">
+      <thm15:themeFamily xmlns:thm15="http://schemas.microsoft.com/office/thememl/2012/main" name="Office Theme" id="{62F939B6-93AF-4DB8-9C6B-D6C7DFDC589F}" vid="{4A3C46E8-61CC-4603-A589-7422A47A8E4A}"/>
+    </a:ext>
+  </a:extLst>
+</a:theme>
 </file>
--- a/06-ppt/discussion/0514.pptx
+++ b/06-ppt/discussion/0514.pptx
@@ -5799,7 +5799,7 @@
           <a:p>
             <a:r>
               <a:rPr lang="en-US" altLang="zh-CN" sz="2000" dirty="0"/>
-              <a:t>The message in Ros 2 is simply the data to be processed. In this article it can be either periodic or aperiodic.</a:t>
+              <a:t>The message in Ros2 is simply the data to be processed. In this article it can be either periodic or aperiodic.</a:t>
             </a:r>
             <a:endParaRPr lang="en-US" altLang="zh-CN" sz="2000" dirty="0"/>
           </a:p>
